--- a/clase_7/teoria/clase_7.E2.pptx
+++ b/clase_7/teoria/clase_7.E2.pptx
@@ -135,6 +135,211 @@
 </p:presentation>
 </file>
 
+<file path=ppt/changesInfos/changesInfo1.xml><?xml version="1.0" encoding="utf-8"?>
+<pc:chgInfo xmlns:a="http://schemas.openxmlformats.org/drawingml/2006/main" xmlns:r="http://schemas.openxmlformats.org/officeDocument/2006/relationships" xmlns:ac="http://schemas.microsoft.com/office/drawing/2013/main/command" xmlns:pc="http://schemas.microsoft.com/office/powerpoint/2013/main/command">
+  <pc:docChgLst>
+    <pc:chgData name="Marcos Maillot" userId="fa14b39d-e966-4ebb-a436-4f96f84b9577" providerId="ADAL" clId="{4A88FE1B-E76B-42B9-B7BD-28692A9647B9}"/>
+    <pc:docChg chg="custSel modSld">
+      <pc:chgData name="Marcos Maillot" userId="fa14b39d-e966-4ebb-a436-4f96f84b9577" providerId="ADAL" clId="{4A88FE1B-E76B-42B9-B7BD-28692A9647B9}" dt="2022-08-11T14:07:55.132" v="36" actId="478"/>
+      <pc:docMkLst>
+        <pc:docMk/>
+      </pc:docMkLst>
+      <pc:sldChg chg="modSp mod">
+        <pc:chgData name="Marcos Maillot" userId="fa14b39d-e966-4ebb-a436-4f96f84b9577" providerId="ADAL" clId="{4A88FE1B-E76B-42B9-B7BD-28692A9647B9}" dt="2022-08-11T13:57:30.093" v="16" actId="1076"/>
+        <pc:sldMkLst>
+          <pc:docMk/>
+          <pc:sldMk cId="1013530567" sldId="335"/>
+        </pc:sldMkLst>
+        <pc:spChg chg="mod">
+          <ac:chgData name="Marcos Maillot" userId="fa14b39d-e966-4ebb-a436-4f96f84b9577" providerId="ADAL" clId="{4A88FE1B-E76B-42B9-B7BD-28692A9647B9}" dt="2022-08-11T13:57:30.093" v="16" actId="1076"/>
+          <ac:spMkLst>
+            <pc:docMk/>
+            <pc:sldMk cId="1013530567" sldId="335"/>
+            <ac:spMk id="12" creationId="{00000000-0000-0000-0000-000000000000}"/>
+          </ac:spMkLst>
+        </pc:spChg>
+      </pc:sldChg>
+      <pc:sldChg chg="modSp mod">
+        <pc:chgData name="Marcos Maillot" userId="fa14b39d-e966-4ebb-a436-4f96f84b9577" providerId="ADAL" clId="{4A88FE1B-E76B-42B9-B7BD-28692A9647B9}" dt="2022-08-11T13:55:43.853" v="8" actId="1076"/>
+        <pc:sldMkLst>
+          <pc:docMk/>
+          <pc:sldMk cId="3675677211" sldId="336"/>
+        </pc:sldMkLst>
+        <pc:spChg chg="mod">
+          <ac:chgData name="Marcos Maillot" userId="fa14b39d-e966-4ebb-a436-4f96f84b9577" providerId="ADAL" clId="{4A88FE1B-E76B-42B9-B7BD-28692A9647B9}" dt="2022-08-11T13:55:43.853" v="8" actId="1076"/>
+          <ac:spMkLst>
+            <pc:docMk/>
+            <pc:sldMk cId="3675677211" sldId="336"/>
+            <ac:spMk id="10" creationId="{00000000-0000-0000-0000-000000000000}"/>
+          </ac:spMkLst>
+        </pc:spChg>
+        <pc:picChg chg="mod">
+          <ac:chgData name="Marcos Maillot" userId="fa14b39d-e966-4ebb-a436-4f96f84b9577" providerId="ADAL" clId="{4A88FE1B-E76B-42B9-B7BD-28692A9647B9}" dt="2022-08-11T13:55:41.423" v="7" actId="14100"/>
+          <ac:picMkLst>
+            <pc:docMk/>
+            <pc:sldMk cId="3675677211" sldId="336"/>
+            <ac:picMk id="9" creationId="{00000000-0000-0000-0000-000000000000}"/>
+          </ac:picMkLst>
+        </pc:picChg>
+      </pc:sldChg>
+      <pc:sldChg chg="delSp mod">
+        <pc:chgData name="Marcos Maillot" userId="fa14b39d-e966-4ebb-a436-4f96f84b9577" providerId="ADAL" clId="{4A88FE1B-E76B-42B9-B7BD-28692A9647B9}" dt="2022-08-11T14:07:41.142" v="35" actId="478"/>
+        <pc:sldMkLst>
+          <pc:docMk/>
+          <pc:sldMk cId="1598215119" sldId="337"/>
+        </pc:sldMkLst>
+        <pc:spChg chg="del">
+          <ac:chgData name="Marcos Maillot" userId="fa14b39d-e966-4ebb-a436-4f96f84b9577" providerId="ADAL" clId="{4A88FE1B-E76B-42B9-B7BD-28692A9647B9}" dt="2022-08-11T14:07:41.142" v="35" actId="478"/>
+          <ac:spMkLst>
+            <pc:docMk/>
+            <pc:sldMk cId="1598215119" sldId="337"/>
+            <ac:spMk id="6" creationId="{00000000-0000-0000-0000-000000000000}"/>
+          </ac:spMkLst>
+        </pc:spChg>
+      </pc:sldChg>
+      <pc:sldChg chg="modSp mod">
+        <pc:chgData name="Marcos Maillot" userId="fa14b39d-e966-4ebb-a436-4f96f84b9577" providerId="ADAL" clId="{4A88FE1B-E76B-42B9-B7BD-28692A9647B9}" dt="2022-08-11T13:55:26.543" v="5" actId="20577"/>
+        <pc:sldMkLst>
+          <pc:docMk/>
+          <pc:sldMk cId="3402802149" sldId="340"/>
+        </pc:sldMkLst>
+        <pc:spChg chg="mod">
+          <ac:chgData name="Marcos Maillot" userId="fa14b39d-e966-4ebb-a436-4f96f84b9577" providerId="ADAL" clId="{4A88FE1B-E76B-42B9-B7BD-28692A9647B9}" dt="2022-08-11T13:55:07.273" v="1" actId="1076"/>
+          <ac:spMkLst>
+            <pc:docMk/>
+            <pc:sldMk cId="3402802149" sldId="340"/>
+            <ac:spMk id="8" creationId="{00000000-0000-0000-0000-000000000000}"/>
+          </ac:spMkLst>
+        </pc:spChg>
+        <pc:spChg chg="mod">
+          <ac:chgData name="Marcos Maillot" userId="fa14b39d-e966-4ebb-a436-4f96f84b9577" providerId="ADAL" clId="{4A88FE1B-E76B-42B9-B7BD-28692A9647B9}" dt="2022-08-11T13:55:18.463" v="2" actId="403"/>
+          <ac:spMkLst>
+            <pc:docMk/>
+            <pc:sldMk cId="3402802149" sldId="340"/>
+            <ac:spMk id="9" creationId="{00000000-0000-0000-0000-000000000000}"/>
+          </ac:spMkLst>
+        </pc:spChg>
+        <pc:spChg chg="mod">
+          <ac:chgData name="Marcos Maillot" userId="fa14b39d-e966-4ebb-a436-4f96f84b9577" providerId="ADAL" clId="{4A88FE1B-E76B-42B9-B7BD-28692A9647B9}" dt="2022-08-11T13:55:26.543" v="5" actId="20577"/>
+          <ac:spMkLst>
+            <pc:docMk/>
+            <pc:sldMk cId="3402802149" sldId="340"/>
+            <ac:spMk id="11" creationId="{00000000-0000-0000-0000-000000000000}"/>
+          </ac:spMkLst>
+        </pc:spChg>
+      </pc:sldChg>
+      <pc:sldChg chg="modSp mod">
+        <pc:chgData name="Marcos Maillot" userId="fa14b39d-e966-4ebb-a436-4f96f84b9577" providerId="ADAL" clId="{4A88FE1B-E76B-42B9-B7BD-28692A9647B9}" dt="2022-08-11T13:56:53.883" v="14" actId="1076"/>
+        <pc:sldMkLst>
+          <pc:docMk/>
+          <pc:sldMk cId="798616188" sldId="344"/>
+        </pc:sldMkLst>
+        <pc:spChg chg="mod">
+          <ac:chgData name="Marcos Maillot" userId="fa14b39d-e966-4ebb-a436-4f96f84b9577" providerId="ADAL" clId="{4A88FE1B-E76B-42B9-B7BD-28692A9647B9}" dt="2022-08-11T13:56:53.883" v="14" actId="1076"/>
+          <ac:spMkLst>
+            <pc:docMk/>
+            <pc:sldMk cId="798616188" sldId="344"/>
+            <ac:spMk id="3" creationId="{00000000-0000-0000-0000-000000000000}"/>
+          </ac:spMkLst>
+        </pc:spChg>
+        <pc:spChg chg="mod">
+          <ac:chgData name="Marcos Maillot" userId="fa14b39d-e966-4ebb-a436-4f96f84b9577" providerId="ADAL" clId="{4A88FE1B-E76B-42B9-B7BD-28692A9647B9}" dt="2022-08-11T13:56:13.393" v="9" actId="403"/>
+          <ac:spMkLst>
+            <pc:docMk/>
+            <pc:sldMk cId="798616188" sldId="344"/>
+            <ac:spMk id="6" creationId="{00000000-0000-0000-0000-000000000000}"/>
+          </ac:spMkLst>
+        </pc:spChg>
+        <pc:spChg chg="mod">
+          <ac:chgData name="Marcos Maillot" userId="fa14b39d-e966-4ebb-a436-4f96f84b9577" providerId="ADAL" clId="{4A88FE1B-E76B-42B9-B7BD-28692A9647B9}" dt="2022-08-11T13:56:34.693" v="11" actId="403"/>
+          <ac:spMkLst>
+            <pc:docMk/>
+            <pc:sldMk cId="798616188" sldId="344"/>
+            <ac:spMk id="7" creationId="{00000000-0000-0000-0000-000000000000}"/>
+          </ac:spMkLst>
+        </pc:spChg>
+        <pc:picChg chg="mod">
+          <ac:chgData name="Marcos Maillot" userId="fa14b39d-e966-4ebb-a436-4f96f84b9577" providerId="ADAL" clId="{4A88FE1B-E76B-42B9-B7BD-28692A9647B9}" dt="2022-08-11T13:56:19.193" v="10" actId="1076"/>
+          <ac:picMkLst>
+            <pc:docMk/>
+            <pc:sldMk cId="798616188" sldId="344"/>
+            <ac:picMk id="9" creationId="{00000000-0000-0000-0000-000000000000}"/>
+          </ac:picMkLst>
+        </pc:picChg>
+      </pc:sldChg>
+      <pc:sldChg chg="modSp mod">
+        <pc:chgData name="Marcos Maillot" userId="fa14b39d-e966-4ebb-a436-4f96f84b9577" providerId="ADAL" clId="{4A88FE1B-E76B-42B9-B7BD-28692A9647B9}" dt="2022-08-11T13:59:25.253" v="34" actId="20577"/>
+        <pc:sldMkLst>
+          <pc:docMk/>
+          <pc:sldMk cId="2145966389" sldId="354"/>
+        </pc:sldMkLst>
+        <pc:spChg chg="mod">
+          <ac:chgData name="Marcos Maillot" userId="fa14b39d-e966-4ebb-a436-4f96f84b9577" providerId="ADAL" clId="{4A88FE1B-E76B-42B9-B7BD-28692A9647B9}" dt="2022-08-11T13:59:25.253" v="34" actId="20577"/>
+          <ac:spMkLst>
+            <pc:docMk/>
+            <pc:sldMk cId="2145966389" sldId="354"/>
+            <ac:spMk id="7" creationId="{00000000-0000-0000-0000-000000000000}"/>
+          </ac:spMkLst>
+        </pc:spChg>
+      </pc:sldChg>
+      <pc:sldChg chg="modSp mod">
+        <pc:chgData name="Marcos Maillot" userId="fa14b39d-e966-4ebb-a436-4f96f84b9577" providerId="ADAL" clId="{4A88FE1B-E76B-42B9-B7BD-28692A9647B9}" dt="2022-08-11T13:57:53.108" v="19" actId="14100"/>
+        <pc:sldMkLst>
+          <pc:docMk/>
+          <pc:sldMk cId="2142343844" sldId="355"/>
+        </pc:sldMkLst>
+        <pc:spChg chg="mod">
+          <ac:chgData name="Marcos Maillot" userId="fa14b39d-e966-4ebb-a436-4f96f84b9577" providerId="ADAL" clId="{4A88FE1B-E76B-42B9-B7BD-28692A9647B9}" dt="2022-08-11T13:57:46.933" v="17" actId="14100"/>
+          <ac:spMkLst>
+            <pc:docMk/>
+            <pc:sldMk cId="2142343844" sldId="355"/>
+            <ac:spMk id="8" creationId="{00000000-0000-0000-0000-000000000000}"/>
+          </ac:spMkLst>
+        </pc:spChg>
+        <pc:spChg chg="mod">
+          <ac:chgData name="Marcos Maillot" userId="fa14b39d-e966-4ebb-a436-4f96f84b9577" providerId="ADAL" clId="{4A88FE1B-E76B-42B9-B7BD-28692A9647B9}" dt="2022-08-11T13:57:53.108" v="19" actId="14100"/>
+          <ac:spMkLst>
+            <pc:docMk/>
+            <pc:sldMk cId="2142343844" sldId="355"/>
+            <ac:spMk id="9" creationId="{00000000-0000-0000-0000-000000000000}"/>
+          </ac:spMkLst>
+        </pc:spChg>
+      </pc:sldChg>
+      <pc:sldChg chg="modSp mod">
+        <pc:chgData name="Marcos Maillot" userId="fa14b39d-e966-4ebb-a436-4f96f84b9577" providerId="ADAL" clId="{4A88FE1B-E76B-42B9-B7BD-28692A9647B9}" dt="2022-08-11T13:58:20.393" v="22" actId="1076"/>
+        <pc:sldMkLst>
+          <pc:docMk/>
+          <pc:sldMk cId="2652566492" sldId="366"/>
+        </pc:sldMkLst>
+        <pc:spChg chg="mod">
+          <ac:chgData name="Marcos Maillot" userId="fa14b39d-e966-4ebb-a436-4f96f84b9577" providerId="ADAL" clId="{4A88FE1B-E76B-42B9-B7BD-28692A9647B9}" dt="2022-08-11T13:58:20.393" v="22" actId="1076"/>
+          <ac:spMkLst>
+            <pc:docMk/>
+            <pc:sldMk cId="2652566492" sldId="366"/>
+            <ac:spMk id="9" creationId="{00000000-0000-0000-0000-000000000000}"/>
+          </ac:spMkLst>
+        </pc:spChg>
+      </pc:sldChg>
+      <pc:sldChg chg="delSp mod">
+        <pc:chgData name="Marcos Maillot" userId="fa14b39d-e966-4ebb-a436-4f96f84b9577" providerId="ADAL" clId="{4A88FE1B-E76B-42B9-B7BD-28692A9647B9}" dt="2022-08-11T14:07:55.132" v="36" actId="478"/>
+        <pc:sldMkLst>
+          <pc:docMk/>
+          <pc:sldMk cId="1357177764" sldId="370"/>
+        </pc:sldMkLst>
+        <pc:spChg chg="del">
+          <ac:chgData name="Marcos Maillot" userId="fa14b39d-e966-4ebb-a436-4f96f84b9577" providerId="ADAL" clId="{4A88FE1B-E76B-42B9-B7BD-28692A9647B9}" dt="2022-08-11T14:07:55.132" v="36" actId="478"/>
+          <ac:spMkLst>
+            <pc:docMk/>
+            <pc:sldMk cId="1357177764" sldId="370"/>
+            <ac:spMk id="9" creationId="{00000000-0000-0000-0000-000000000000}"/>
+          </ac:spMkLst>
+        </pc:spChg>
+      </pc:sldChg>
+    </pc:docChg>
+  </pc:docChgLst>
+</pc:chgInfo>
+</file>
+
 <file path=ppt/slideLayouts/slideLayout1.xml><?xml version="1.0" encoding="utf-8"?>
 <p:sldLayout xmlns:a="http://schemas.openxmlformats.org/drawingml/2006/main" xmlns:r="http://schemas.openxmlformats.org/officeDocument/2006/relationships" xmlns:p="http://schemas.openxmlformats.org/presentationml/2006/main" type="title" preserve="1">
   <p:cSld name="Title Slide">
@@ -185,7 +390,7 @@
           <a:noFill/>
           <a:extLst>
             <a:ext uri="{909E8E84-426E-40dd-AFC4-6F175D3DCCD1}">
-              <a14:hiddenFill xmlns:a14="http://schemas.microsoft.com/office/drawing/2010/main" xmlns="">
+              <a14:hiddenFill xmlns="" xmlns:a14="http://schemas.microsoft.com/office/drawing/2010/main">
                 <a:solidFill>
                   <a:srgbClr val="FFFFFF"/>
                 </a:solidFill>
@@ -245,7 +450,7 @@
             </a:ln>
             <a:extLst>
               <a:ext uri="{91240B29-F687-4f45-9708-019B960494DF}">
-                <a14:hiddenLine xmlns:a14="http://schemas.microsoft.com/office/drawing/2010/main" xmlns="" w="9525">
+                <a14:hiddenLine xmlns="" xmlns:a14="http://schemas.microsoft.com/office/drawing/2010/main" w="9525">
                   <a:solidFill>
                     <a:srgbClr val="000000"/>
                   </a:solidFill>
@@ -335,7 +540,7 @@
             </a:ln>
             <a:extLst>
               <a:ext uri="{91240B29-F687-4f45-9708-019B960494DF}">
-                <a14:hiddenLine xmlns:a14="http://schemas.microsoft.com/office/drawing/2010/main" xmlns="" w="9525">
+                <a14:hiddenLine xmlns="" xmlns:a14="http://schemas.microsoft.com/office/drawing/2010/main" w="9525">
                   <a:solidFill>
                     <a:srgbClr val="000000"/>
                   </a:solidFill>
@@ -425,7 +630,7 @@
             </a:ln>
             <a:extLst>
               <a:ext uri="{91240B29-F687-4f45-9708-019B960494DF}">
-                <a14:hiddenLine xmlns:a14="http://schemas.microsoft.com/office/drawing/2010/main" xmlns="" w="9525">
+                <a14:hiddenLine xmlns="" xmlns:a14="http://schemas.microsoft.com/office/drawing/2010/main" w="9525">
                   <a:solidFill>
                     <a:srgbClr val="000000"/>
                   </a:solidFill>
@@ -459,7 +664,7 @@
             </a:ln>
             <a:extLst>
               <a:ext uri="{91240B29-F687-4f45-9708-019B960494DF}">
-                <a14:hiddenLine xmlns:a14="http://schemas.microsoft.com/office/drawing/2010/main" xmlns="" w="9525">
+                <a14:hiddenLine xmlns="" xmlns:a14="http://schemas.microsoft.com/office/drawing/2010/main" w="9525">
                   <a:solidFill>
                     <a:srgbClr val="000000"/>
                   </a:solidFill>
@@ -549,7 +754,7 @@
             </a:ln>
             <a:extLst>
               <a:ext uri="{91240B29-F687-4f45-9708-019B960494DF}">
-                <a14:hiddenLine xmlns:a14="http://schemas.microsoft.com/office/drawing/2010/main" xmlns="" w="9525">
+                <a14:hiddenLine xmlns="" xmlns:a14="http://schemas.microsoft.com/office/drawing/2010/main" w="9525">
                   <a:solidFill>
                     <a:srgbClr val="000000"/>
                   </a:solidFill>
@@ -611,7 +816,7 @@
             </a:ln>
             <a:extLst>
               <a:ext uri="{91240B29-F687-4f45-9708-019B960494DF}">
-                <a14:hiddenLine xmlns:a14="http://schemas.microsoft.com/office/drawing/2010/main" xmlns="" w="9525">
+                <a14:hiddenLine xmlns="" xmlns:a14="http://schemas.microsoft.com/office/drawing/2010/main" w="9525">
                   <a:solidFill>
                     <a:srgbClr val="000000"/>
                   </a:solidFill>
@@ -673,7 +878,7 @@
             </a:ln>
             <a:extLst>
               <a:ext uri="{91240B29-F687-4f45-9708-019B960494DF}">
-                <a14:hiddenLine xmlns:a14="http://schemas.microsoft.com/office/drawing/2010/main" xmlns="" w="9525">
+                <a14:hiddenLine xmlns="" xmlns:a14="http://schemas.microsoft.com/office/drawing/2010/main" w="9525">
                   <a:solidFill>
                     <a:srgbClr val="000000"/>
                   </a:solidFill>
@@ -763,7 +968,7 @@
             </a:ln>
             <a:extLst>
               <a:ext uri="{91240B29-F687-4f45-9708-019B960494DF}">
-                <a14:hiddenLine xmlns:a14="http://schemas.microsoft.com/office/drawing/2010/main" xmlns="" w="9525">
+                <a14:hiddenLine xmlns="" xmlns:a14="http://schemas.microsoft.com/office/drawing/2010/main" w="9525">
                   <a:solidFill>
                     <a:srgbClr val="000000"/>
                   </a:solidFill>
@@ -825,7 +1030,7 @@
             </a:ln>
             <a:extLst>
               <a:ext uri="{91240B29-F687-4f45-9708-019B960494DF}">
-                <a14:hiddenLine xmlns:a14="http://schemas.microsoft.com/office/drawing/2010/main" xmlns="" w="9525">
+                <a14:hiddenLine xmlns="" xmlns:a14="http://schemas.microsoft.com/office/drawing/2010/main" w="9525">
                   <a:solidFill>
                     <a:srgbClr val="000000"/>
                   </a:solidFill>
@@ -887,7 +1092,7 @@
             </a:ln>
             <a:extLst>
               <a:ext uri="{91240B29-F687-4f45-9708-019B960494DF}">
-                <a14:hiddenLine xmlns:a14="http://schemas.microsoft.com/office/drawing/2010/main" xmlns="" w="9525">
+                <a14:hiddenLine xmlns="" xmlns:a14="http://schemas.microsoft.com/office/drawing/2010/main" w="9525">
                   <a:solidFill>
                     <a:srgbClr val="000000"/>
                   </a:solidFill>
@@ -977,7 +1182,7 @@
             </a:ln>
             <a:extLst>
               <a:ext uri="{91240B29-F687-4f45-9708-019B960494DF}">
-                <a14:hiddenLine xmlns:a14="http://schemas.microsoft.com/office/drawing/2010/main" xmlns="" w="9525">
+                <a14:hiddenLine xmlns="" xmlns:a14="http://schemas.microsoft.com/office/drawing/2010/main" w="9525">
                   <a:solidFill>
                     <a:srgbClr val="000000"/>
                   </a:solidFill>
@@ -1067,7 +1272,7 @@
             </a:ln>
             <a:extLst>
               <a:ext uri="{91240B29-F687-4f45-9708-019B960494DF}">
-                <a14:hiddenLine xmlns:a14="http://schemas.microsoft.com/office/drawing/2010/main" xmlns="" w="9525">
+                <a14:hiddenLine xmlns="" xmlns:a14="http://schemas.microsoft.com/office/drawing/2010/main" w="9525">
                   <a:solidFill>
                     <a:srgbClr val="000000"/>
                   </a:solidFill>
@@ -1129,7 +1334,7 @@
             </a:ln>
             <a:extLst>
               <a:ext uri="{91240B29-F687-4f45-9708-019B960494DF}">
-                <a14:hiddenLine xmlns:a14="http://schemas.microsoft.com/office/drawing/2010/main" xmlns="" w="9525">
+                <a14:hiddenLine xmlns="" xmlns:a14="http://schemas.microsoft.com/office/drawing/2010/main" w="9525">
                   <a:solidFill>
                     <a:srgbClr val="000000"/>
                   </a:solidFill>
@@ -1239,7 +1444,7 @@
             </a:ln>
             <a:extLst>
               <a:ext uri="{91240B29-F687-4f45-9708-019B960494DF}">
-                <a14:hiddenLine xmlns:a14="http://schemas.microsoft.com/office/drawing/2010/main" xmlns="" w="9525">
+                <a14:hiddenLine xmlns="" xmlns:a14="http://schemas.microsoft.com/office/drawing/2010/main" w="9525">
                   <a:solidFill>
                     <a:srgbClr val="000000"/>
                   </a:solidFill>
@@ -1301,7 +1506,7 @@
             </a:ln>
             <a:extLst>
               <a:ext uri="{91240B29-F687-4f45-9708-019B960494DF}">
-                <a14:hiddenLine xmlns:a14="http://schemas.microsoft.com/office/drawing/2010/main" xmlns="" w="9525">
+                <a14:hiddenLine xmlns="" xmlns:a14="http://schemas.microsoft.com/office/drawing/2010/main" w="9525">
                   <a:solidFill>
                     <a:srgbClr val="000000"/>
                   </a:solidFill>
@@ -1391,7 +1596,7 @@
             </a:ln>
             <a:extLst>
               <a:ext uri="{91240B29-F687-4f45-9708-019B960494DF}">
-                <a14:hiddenLine xmlns:a14="http://schemas.microsoft.com/office/drawing/2010/main" xmlns="" w="9525">
+                <a14:hiddenLine xmlns="" xmlns:a14="http://schemas.microsoft.com/office/drawing/2010/main" w="9525">
                   <a:solidFill>
                     <a:srgbClr val="000000"/>
                   </a:solidFill>
@@ -1481,7 +1686,7 @@
             </a:ln>
             <a:extLst>
               <a:ext uri="{91240B29-F687-4f45-9708-019B960494DF}">
-                <a14:hiddenLine xmlns:a14="http://schemas.microsoft.com/office/drawing/2010/main" xmlns="" w="9525">
+                <a14:hiddenLine xmlns="" xmlns:a14="http://schemas.microsoft.com/office/drawing/2010/main" w="9525">
                   <a:solidFill>
                     <a:srgbClr val="000000"/>
                   </a:solidFill>
@@ -1543,7 +1748,7 @@
             </a:ln>
             <a:extLst>
               <a:ext uri="{91240B29-F687-4f45-9708-019B960494DF}">
-                <a14:hiddenLine xmlns:a14="http://schemas.microsoft.com/office/drawing/2010/main" xmlns="" w="9525">
+                <a14:hiddenLine xmlns="" xmlns:a14="http://schemas.microsoft.com/office/drawing/2010/main" w="9525">
                   <a:solidFill>
                     <a:srgbClr val="000000"/>
                   </a:solidFill>
@@ -1633,7 +1838,7 @@
             </a:ln>
             <a:extLst>
               <a:ext uri="{91240B29-F687-4f45-9708-019B960494DF}">
-                <a14:hiddenLine xmlns:a14="http://schemas.microsoft.com/office/drawing/2010/main" xmlns="" w="9525">
+                <a14:hiddenLine xmlns="" xmlns:a14="http://schemas.microsoft.com/office/drawing/2010/main" w="9525">
                   <a:solidFill>
                     <a:srgbClr val="000000"/>
                   </a:solidFill>
@@ -1723,7 +1928,7 @@
             </a:ln>
             <a:extLst>
               <a:ext uri="{91240B29-F687-4f45-9708-019B960494DF}">
-                <a14:hiddenLine xmlns:a14="http://schemas.microsoft.com/office/drawing/2010/main" xmlns="" w="9525">
+                <a14:hiddenLine xmlns="" xmlns:a14="http://schemas.microsoft.com/office/drawing/2010/main" w="9525">
                   <a:solidFill>
                     <a:srgbClr val="000000"/>
                   </a:solidFill>
@@ -1779,7 +1984,7 @@
             </a:ln>
             <a:extLst>
               <a:ext uri="{91240B29-F687-4f45-9708-019B960494DF}">
-                <a14:hiddenLine xmlns:a14="http://schemas.microsoft.com/office/drawing/2010/main" xmlns="" w="9525">
+                <a14:hiddenLine xmlns="" xmlns:a14="http://schemas.microsoft.com/office/drawing/2010/main" w="9525">
                   <a:solidFill>
                     <a:srgbClr val="000000"/>
                   </a:solidFill>
@@ -1869,7 +2074,7 @@
             </a:ln>
             <a:extLst>
               <a:ext uri="{91240B29-F687-4f45-9708-019B960494DF}">
-                <a14:hiddenLine xmlns:a14="http://schemas.microsoft.com/office/drawing/2010/main" xmlns="" w="9525">
+                <a14:hiddenLine xmlns="" xmlns:a14="http://schemas.microsoft.com/office/drawing/2010/main" w="9525">
                   <a:solidFill>
                     <a:srgbClr val="000000"/>
                   </a:solidFill>
@@ -1925,7 +2130,7 @@
             </a:ln>
             <a:extLst>
               <a:ext uri="{91240B29-F687-4f45-9708-019B960494DF}">
-                <a14:hiddenLine xmlns:a14="http://schemas.microsoft.com/office/drawing/2010/main" xmlns="" w="9525">
+                <a14:hiddenLine xmlns="" xmlns:a14="http://schemas.microsoft.com/office/drawing/2010/main" w="9525">
                   <a:solidFill>
                     <a:srgbClr val="000000"/>
                   </a:solidFill>
@@ -2015,7 +2220,7 @@
             </a:ln>
             <a:extLst>
               <a:ext uri="{91240B29-F687-4f45-9708-019B960494DF}">
-                <a14:hiddenLine xmlns:a14="http://schemas.microsoft.com/office/drawing/2010/main" xmlns="" w="9525">
+                <a14:hiddenLine xmlns="" xmlns:a14="http://schemas.microsoft.com/office/drawing/2010/main" w="9525">
                   <a:solidFill>
                     <a:srgbClr val="000000"/>
                   </a:solidFill>
@@ -2083,7 +2288,7 @@
             </a:ln>
             <a:extLst>
               <a:ext uri="{91240B29-F687-4f45-9708-019B960494DF}">
-                <a14:hiddenLine xmlns:a14="http://schemas.microsoft.com/office/drawing/2010/main" xmlns="" w="9525">
+                <a14:hiddenLine xmlns="" xmlns:a14="http://schemas.microsoft.com/office/drawing/2010/main" w="9525">
                   <a:solidFill>
                     <a:srgbClr val="000000"/>
                   </a:solidFill>
@@ -2173,7 +2378,7 @@
             </a:ln>
             <a:extLst>
               <a:ext uri="{91240B29-F687-4f45-9708-019B960494DF}">
-                <a14:hiddenLine xmlns:a14="http://schemas.microsoft.com/office/drawing/2010/main" xmlns="" w="9525">
+                <a14:hiddenLine xmlns="" xmlns:a14="http://schemas.microsoft.com/office/drawing/2010/main" w="9525">
                   <a:solidFill>
                     <a:srgbClr val="000000"/>
                   </a:solidFill>
@@ -2241,7 +2446,7 @@
             </a:ln>
             <a:extLst>
               <a:ext uri="{91240B29-F687-4f45-9708-019B960494DF}">
-                <a14:hiddenLine xmlns:a14="http://schemas.microsoft.com/office/drawing/2010/main" xmlns="" w="9525">
+                <a14:hiddenLine xmlns="" xmlns:a14="http://schemas.microsoft.com/office/drawing/2010/main" w="9525">
                   <a:solidFill>
                     <a:srgbClr val="000000"/>
                   </a:solidFill>
@@ -2331,7 +2536,7 @@
             </a:ln>
             <a:extLst>
               <a:ext uri="{91240B29-F687-4f45-9708-019B960494DF}">
-                <a14:hiddenLine xmlns:a14="http://schemas.microsoft.com/office/drawing/2010/main" xmlns="" w="9525">
+                <a14:hiddenLine xmlns="" xmlns:a14="http://schemas.microsoft.com/office/drawing/2010/main" w="9525">
                   <a:solidFill>
                     <a:srgbClr val="000000"/>
                   </a:solidFill>
@@ -2365,7 +2570,7 @@
             </a:ln>
             <a:extLst>
               <a:ext uri="{91240B29-F687-4f45-9708-019B960494DF}">
-                <a14:hiddenLine xmlns:a14="http://schemas.microsoft.com/office/drawing/2010/main" xmlns="" w="9525">
+                <a14:hiddenLine xmlns="" xmlns:a14="http://schemas.microsoft.com/office/drawing/2010/main" w="9525">
                   <a:solidFill>
                     <a:srgbClr val="000000"/>
                   </a:solidFill>
@@ -2455,7 +2660,7 @@
             </a:ln>
             <a:extLst>
               <a:ext uri="{91240B29-F687-4f45-9708-019B960494DF}">
-                <a14:hiddenLine xmlns:a14="http://schemas.microsoft.com/office/drawing/2010/main" xmlns="" w="9525">
+                <a14:hiddenLine xmlns="" xmlns:a14="http://schemas.microsoft.com/office/drawing/2010/main" w="9525">
                   <a:solidFill>
                     <a:srgbClr val="000000"/>
                   </a:solidFill>
@@ -2517,7 +2722,7 @@
             </a:ln>
             <a:extLst>
               <a:ext uri="{91240B29-F687-4f45-9708-019B960494DF}">
-                <a14:hiddenLine xmlns:a14="http://schemas.microsoft.com/office/drawing/2010/main" xmlns="" w="9525">
+                <a14:hiddenLine xmlns="" xmlns:a14="http://schemas.microsoft.com/office/drawing/2010/main" w="9525">
                   <a:solidFill>
                     <a:srgbClr val="000000"/>
                   </a:solidFill>
@@ -2579,7 +2784,7 @@
             </a:ln>
             <a:extLst>
               <a:ext uri="{91240B29-F687-4f45-9708-019B960494DF}">
-                <a14:hiddenLine xmlns:a14="http://schemas.microsoft.com/office/drawing/2010/main" xmlns="" w="9525">
+                <a14:hiddenLine xmlns="" xmlns:a14="http://schemas.microsoft.com/office/drawing/2010/main" w="9525">
                   <a:solidFill>
                     <a:srgbClr val="000000"/>
                   </a:solidFill>
@@ -2669,7 +2874,7 @@
             </a:ln>
             <a:extLst>
               <a:ext uri="{91240B29-F687-4f45-9708-019B960494DF}">
-                <a14:hiddenLine xmlns:a14="http://schemas.microsoft.com/office/drawing/2010/main" xmlns="" w="9525">
+                <a14:hiddenLine xmlns="" xmlns:a14="http://schemas.microsoft.com/office/drawing/2010/main" w="9525">
                   <a:solidFill>
                     <a:srgbClr val="000000"/>
                   </a:solidFill>
@@ -2737,7 +2942,7 @@
             </a:ln>
             <a:extLst>
               <a:ext uri="{91240B29-F687-4f45-9708-019B960494DF}">
-                <a14:hiddenLine xmlns:a14="http://schemas.microsoft.com/office/drawing/2010/main" xmlns="" w="9525">
+                <a14:hiddenLine xmlns="" xmlns:a14="http://schemas.microsoft.com/office/drawing/2010/main" w="9525">
                   <a:solidFill>
                     <a:srgbClr val="000000"/>
                   </a:solidFill>
@@ -2799,7 +3004,7 @@
             </a:ln>
             <a:extLst>
               <a:ext uri="{91240B29-F687-4f45-9708-019B960494DF}">
-                <a14:hiddenLine xmlns:a14="http://schemas.microsoft.com/office/drawing/2010/main" xmlns="" w="9525">
+                <a14:hiddenLine xmlns="" xmlns:a14="http://schemas.microsoft.com/office/drawing/2010/main" w="9525">
                   <a:solidFill>
                     <a:srgbClr val="000000"/>
                   </a:solidFill>
@@ -2889,7 +3094,7 @@
             </a:ln>
             <a:extLst>
               <a:ext uri="{91240B29-F687-4f45-9708-019B960494DF}">
-                <a14:hiddenLine xmlns:a14="http://schemas.microsoft.com/office/drawing/2010/main" xmlns="" w="9525">
+                <a14:hiddenLine xmlns="" xmlns:a14="http://schemas.microsoft.com/office/drawing/2010/main" w="9525">
                   <a:solidFill>
                     <a:srgbClr val="000000"/>
                   </a:solidFill>
@@ -2951,7 +3156,7 @@
             </a:ln>
             <a:extLst>
               <a:ext uri="{91240B29-F687-4f45-9708-019B960494DF}">
-                <a14:hiddenLine xmlns:a14="http://schemas.microsoft.com/office/drawing/2010/main" xmlns="" w="9525">
+                <a14:hiddenLine xmlns="" xmlns:a14="http://schemas.microsoft.com/office/drawing/2010/main" w="9525">
                   <a:solidFill>
                     <a:srgbClr val="000000"/>
                   </a:solidFill>
@@ -3041,7 +3246,7 @@
             </a:ln>
             <a:extLst>
               <a:ext uri="{91240B29-F687-4f45-9708-019B960494DF}">
-                <a14:hiddenLine xmlns:a14="http://schemas.microsoft.com/office/drawing/2010/main" xmlns="" w="9525">
+                <a14:hiddenLine xmlns="" xmlns:a14="http://schemas.microsoft.com/office/drawing/2010/main" w="9525">
                   <a:solidFill>
                     <a:srgbClr val="000000"/>
                   </a:solidFill>
@@ -3103,7 +3308,7 @@
             </a:ln>
             <a:extLst>
               <a:ext uri="{91240B29-F687-4f45-9708-019B960494DF}">
-                <a14:hiddenLine xmlns:a14="http://schemas.microsoft.com/office/drawing/2010/main" xmlns="" w="9525">
+                <a14:hiddenLine xmlns="" xmlns:a14="http://schemas.microsoft.com/office/drawing/2010/main" w="9525">
                   <a:solidFill>
                     <a:srgbClr val="000000"/>
                   </a:solidFill>
@@ -3193,7 +3398,7 @@
             </a:ln>
             <a:extLst>
               <a:ext uri="{91240B29-F687-4f45-9708-019B960494DF}">
-                <a14:hiddenLine xmlns:a14="http://schemas.microsoft.com/office/drawing/2010/main" xmlns="" w="9525">
+                <a14:hiddenLine xmlns="" xmlns:a14="http://schemas.microsoft.com/office/drawing/2010/main" w="9525">
                   <a:solidFill>
                     <a:srgbClr val="000000"/>
                   </a:solidFill>
@@ -3227,7 +3432,7 @@
             </a:ln>
             <a:extLst>
               <a:ext uri="{91240B29-F687-4f45-9708-019B960494DF}">
-                <a14:hiddenLine xmlns:a14="http://schemas.microsoft.com/office/drawing/2010/main" xmlns="" w="9525">
+                <a14:hiddenLine xmlns="" xmlns:a14="http://schemas.microsoft.com/office/drawing/2010/main" w="9525">
                   <a:solidFill>
                     <a:srgbClr val="000000"/>
                   </a:solidFill>
@@ -3292,7 +3497,7 @@
             </a:ln>
             <a:extLst>
               <a:ext uri="{91240B29-F687-4f45-9708-019B960494DF}">
-                <a14:hiddenLine xmlns:a14="http://schemas.microsoft.com/office/drawing/2010/main" xmlns="" w="9525">
+                <a14:hiddenLine xmlns="" xmlns:a14="http://schemas.microsoft.com/office/drawing/2010/main" w="9525">
                   <a:solidFill>
                     <a:srgbClr val="000000"/>
                   </a:solidFill>
@@ -3382,7 +3587,7 @@
             </a:ln>
             <a:extLst>
               <a:ext uri="{91240B29-F687-4f45-9708-019B960494DF}">
-                <a14:hiddenLine xmlns:a14="http://schemas.microsoft.com/office/drawing/2010/main" xmlns="" w="9525">
+                <a14:hiddenLine xmlns="" xmlns:a14="http://schemas.microsoft.com/office/drawing/2010/main" w="9525">
                   <a:solidFill>
                     <a:srgbClr val="000000"/>
                   </a:solidFill>
@@ -3444,7 +3649,7 @@
             </a:ln>
             <a:extLst>
               <a:ext uri="{91240B29-F687-4f45-9708-019B960494DF}">
-                <a14:hiddenLine xmlns:a14="http://schemas.microsoft.com/office/drawing/2010/main" xmlns="" w="9525">
+                <a14:hiddenLine xmlns="" xmlns:a14="http://schemas.microsoft.com/office/drawing/2010/main" w="9525">
                   <a:solidFill>
                     <a:srgbClr val="000000"/>
                   </a:solidFill>
@@ -3534,7 +3739,7 @@
             </a:ln>
             <a:extLst>
               <a:ext uri="{91240B29-F687-4f45-9708-019B960494DF}">
-                <a14:hiddenLine xmlns:a14="http://schemas.microsoft.com/office/drawing/2010/main" xmlns="" w="9525">
+                <a14:hiddenLine xmlns="" xmlns:a14="http://schemas.microsoft.com/office/drawing/2010/main" w="9525">
                   <a:solidFill>
                     <a:srgbClr val="000000"/>
                   </a:solidFill>
@@ -3624,7 +3829,7 @@
             </a:ln>
             <a:extLst>
               <a:ext uri="{91240B29-F687-4f45-9708-019B960494DF}">
-                <a14:hiddenLine xmlns:a14="http://schemas.microsoft.com/office/drawing/2010/main" xmlns="" w="9525">
+                <a14:hiddenLine xmlns="" xmlns:a14="http://schemas.microsoft.com/office/drawing/2010/main" w="9525">
                   <a:solidFill>
                     <a:srgbClr val="000000"/>
                   </a:solidFill>
@@ -3689,7 +3894,7 @@
             </a:ln>
             <a:extLst>
               <a:ext uri="{91240B29-F687-4f45-9708-019B960494DF}">
-                <a14:hiddenLine xmlns:a14="http://schemas.microsoft.com/office/drawing/2010/main" xmlns="" w="9525">
+                <a14:hiddenLine xmlns="" xmlns:a14="http://schemas.microsoft.com/office/drawing/2010/main" w="9525">
                   <a:solidFill>
                     <a:srgbClr val="000000"/>
                   </a:solidFill>
@@ -3751,7 +3956,7 @@
             </a:ln>
             <a:extLst>
               <a:ext uri="{91240B29-F687-4f45-9708-019B960494DF}">
-                <a14:hiddenLine xmlns:a14="http://schemas.microsoft.com/office/drawing/2010/main" xmlns="" w="9525">
+                <a14:hiddenLine xmlns="" xmlns:a14="http://schemas.microsoft.com/office/drawing/2010/main" w="9525">
                   <a:solidFill>
                     <a:srgbClr val="000000"/>
                   </a:solidFill>
@@ -3841,7 +4046,7 @@
             </a:ln>
             <a:extLst>
               <a:ext uri="{91240B29-F687-4f45-9708-019B960494DF}">
-                <a14:hiddenLine xmlns:a14="http://schemas.microsoft.com/office/drawing/2010/main" xmlns="" w="9525">
+                <a14:hiddenLine xmlns="" xmlns:a14="http://schemas.microsoft.com/office/drawing/2010/main" w="9525">
                   <a:solidFill>
                     <a:srgbClr val="000000"/>
                   </a:solidFill>
@@ -3931,7 +4136,7 @@
             </a:ln>
             <a:extLst>
               <a:ext uri="{91240B29-F687-4f45-9708-019B960494DF}">
-                <a14:hiddenLine xmlns:a14="http://schemas.microsoft.com/office/drawing/2010/main" xmlns="" w="9525">
+                <a14:hiddenLine xmlns="" xmlns:a14="http://schemas.microsoft.com/office/drawing/2010/main" w="9525">
                   <a:solidFill>
                     <a:srgbClr val="000000"/>
                   </a:solidFill>
@@ -3993,7 +4198,7 @@
             </a:ln>
             <a:extLst>
               <a:ext uri="{91240B29-F687-4f45-9708-019B960494DF}">
-                <a14:hiddenLine xmlns:a14="http://schemas.microsoft.com/office/drawing/2010/main" xmlns="" w="9525">
+                <a14:hiddenLine xmlns="" xmlns:a14="http://schemas.microsoft.com/office/drawing/2010/main" w="9525">
                   <a:solidFill>
                     <a:srgbClr val="000000"/>
                   </a:solidFill>
@@ -4113,7 +4318,7 @@
             </a:ln>
             <a:extLst>
               <a:ext uri="{91240B29-F687-4f45-9708-019B960494DF}">
-                <a14:hiddenLine xmlns:a14="http://schemas.microsoft.com/office/drawing/2010/main" xmlns="" w="9525">
+                <a14:hiddenLine xmlns="" xmlns:a14="http://schemas.microsoft.com/office/drawing/2010/main" w="9525">
                   <a:solidFill>
                     <a:srgbClr val="000000"/>
                   </a:solidFill>
@@ -4181,7 +4386,7 @@
             </a:ln>
             <a:extLst>
               <a:ext uri="{91240B29-F687-4f45-9708-019B960494DF}">
-                <a14:hiddenLine xmlns:a14="http://schemas.microsoft.com/office/drawing/2010/main" xmlns="" w="9525">
+                <a14:hiddenLine xmlns="" xmlns:a14="http://schemas.microsoft.com/office/drawing/2010/main" w="9525">
                   <a:solidFill>
                     <a:srgbClr val="000000"/>
                   </a:solidFill>
@@ -4271,7 +4476,7 @@
             </a:ln>
             <a:extLst>
               <a:ext uri="{91240B29-F687-4f45-9708-019B960494DF}">
-                <a14:hiddenLine xmlns:a14="http://schemas.microsoft.com/office/drawing/2010/main" xmlns="" w="9525">
+                <a14:hiddenLine xmlns="" xmlns:a14="http://schemas.microsoft.com/office/drawing/2010/main" w="9525">
                   <a:solidFill>
                     <a:srgbClr val="000000"/>
                   </a:solidFill>
@@ -4311,7 +4516,7 @@
           </a:lstStyle>
           <a:p>
             <a:r>
-              <a:rPr lang="en-US" smtClean="0"/>
+              <a:rPr lang="en-US"/>
               <a:t>Click to edit Master title style</a:t>
             </a:r>
             <a:endParaRPr lang="en-US" dirty="0"/>
@@ -4382,7 +4587,7 @@
           </a:lstStyle>
           <a:p>
             <a:r>
-              <a:rPr lang="en-US" smtClean="0"/>
+              <a:rPr lang="en-US"/>
               <a:t>Click to edit Master subtitle style</a:t>
             </a:r>
             <a:endParaRPr lang="en-US" dirty="0"/>
@@ -4411,7 +4616,7 @@
           <a:p>
             <a:fld id="{849DE176-146E-4F1E-BCCE-E46272DCA095}" type="datetimeFigureOut">
               <a:rPr lang="es-AR" smtClean="0"/>
-              <a:t>12/06/2022</a:t>
+              <a:t>11/8/2022</a:t>
             </a:fld>
             <a:endParaRPr lang="es-AR"/>
           </a:p>
@@ -4463,7 +4668,7 @@
           <a:p>
             <a:fld id="{CEFD1137-7F4D-46D2-9B0A-67C18959EDA4}" type="slidenum">
               <a:rPr lang="es-AR" smtClean="0"/>
-              <a:t>‹#›</a:t>
+              <a:t>‹Nº›</a:t>
             </a:fld>
             <a:endParaRPr lang="es-AR"/>
           </a:p>
@@ -4526,7 +4731,7 @@
           </a:lstStyle>
           <a:p>
             <a:r>
-              <a:rPr lang="en-US" smtClean="0"/>
+              <a:rPr lang="en-US"/>
               <a:t>Click to edit Master title style</a:t>
             </a:r>
             <a:endParaRPr lang="en-US" dirty="0"/>
@@ -4587,7 +4792,7 @@
               <a:buNone/>
             </a:pPr>
             <a:r>
-              <a:rPr lang="en-US" smtClean="0"/>
+              <a:rPr lang="en-US"/>
               <a:t>Click icon to add picture</a:t>
             </a:r>
             <a:endParaRPr lang="en-US" dirty="0"/>
@@ -4655,7 +4860,7 @@
           <a:p>
             <a:pPr lvl="0"/>
             <a:r>
-              <a:rPr lang="en-US" smtClean="0"/>
+              <a:rPr lang="en-US"/>
               <a:t>Click to edit Master text styles</a:t>
             </a:r>
           </a:p>
@@ -4678,7 +4883,7 @@
           <a:p>
             <a:fld id="{849DE176-146E-4F1E-BCCE-E46272DCA095}" type="datetimeFigureOut">
               <a:rPr lang="es-AR" smtClean="0"/>
-              <a:t>12/06/2022</a:t>
+              <a:t>11/8/2022</a:t>
             </a:fld>
             <a:endParaRPr lang="es-AR"/>
           </a:p>
@@ -4720,7 +4925,7 @@
           <a:p>
             <a:fld id="{CEFD1137-7F4D-46D2-9B0A-67C18959EDA4}" type="slidenum">
               <a:rPr lang="es-AR" smtClean="0"/>
-              <a:t>‹#›</a:t>
+              <a:t>‹Nº›</a:t>
             </a:fld>
             <a:endParaRPr lang="es-AR"/>
           </a:p>
@@ -4783,7 +4988,7 @@
           </a:lstStyle>
           <a:p>
             <a:r>
-              <a:rPr lang="en-US" smtClean="0"/>
+              <a:rPr lang="en-US"/>
               <a:t>Click to edit Master title style</a:t>
             </a:r>
             <a:endParaRPr lang="en-US" dirty="0"/>
@@ -4851,7 +5056,7 @@
           <a:p>
             <a:pPr lvl="0"/>
             <a:r>
-              <a:rPr lang="en-US" smtClean="0"/>
+              <a:rPr lang="en-US"/>
               <a:t>Click to edit Master text styles</a:t>
             </a:r>
           </a:p>
@@ -4874,7 +5079,7 @@
           <a:p>
             <a:fld id="{849DE176-146E-4F1E-BCCE-E46272DCA095}" type="datetimeFigureOut">
               <a:rPr lang="es-AR" smtClean="0"/>
-              <a:t>12/06/2022</a:t>
+              <a:t>11/8/2022</a:t>
             </a:fld>
             <a:endParaRPr lang="es-AR"/>
           </a:p>
@@ -4916,7 +5121,7 @@
           <a:p>
             <a:fld id="{CEFD1137-7F4D-46D2-9B0A-67C18959EDA4}" type="slidenum">
               <a:rPr lang="es-AR" smtClean="0"/>
-              <a:t>‹#›</a:t>
+              <a:t>‹Nº›</a:t>
             </a:fld>
             <a:endParaRPr lang="es-AR"/>
           </a:p>
@@ -4979,7 +5184,7 @@
           </a:lstStyle>
           <a:p>
             <a:r>
-              <a:rPr lang="en-US" smtClean="0"/>
+              <a:rPr lang="en-US"/>
               <a:t>Click to edit Master title style</a:t>
             </a:r>
             <a:endParaRPr lang="en-US" dirty="0"/>
@@ -5047,7 +5252,7 @@
           <a:p>
             <a:pPr lvl="0"/>
             <a:r>
-              <a:rPr lang="en-US" smtClean="0"/>
+              <a:rPr lang="en-US"/>
               <a:t>Click to edit Master text styles</a:t>
             </a:r>
           </a:p>
@@ -5114,7 +5319,7 @@
           <a:p>
             <a:pPr lvl="0"/>
             <a:r>
-              <a:rPr lang="en-US" smtClean="0"/>
+              <a:rPr lang="en-US"/>
               <a:t>Click to edit Master text styles</a:t>
             </a:r>
           </a:p>
@@ -5137,7 +5342,7 @@
           <a:p>
             <a:fld id="{849DE176-146E-4F1E-BCCE-E46272DCA095}" type="datetimeFigureOut">
               <a:rPr lang="es-AR" smtClean="0"/>
-              <a:t>12/06/2022</a:t>
+              <a:t>11/8/2022</a:t>
             </a:fld>
             <a:endParaRPr lang="es-AR"/>
           </a:p>
@@ -5179,7 +5384,7 @@
           <a:p>
             <a:fld id="{CEFD1137-7F4D-46D2-9B0A-67C18959EDA4}" type="slidenum">
               <a:rPr lang="es-AR" smtClean="0"/>
-              <a:t>‹#›</a:t>
+              <a:t>‹Nº›</a:t>
             </a:fld>
             <a:endParaRPr lang="es-AR"/>
           </a:p>
@@ -5480,7 +5685,7 @@
           </a:lstStyle>
           <a:p>
             <a:r>
-              <a:rPr lang="en-US" smtClean="0"/>
+              <a:rPr lang="en-US"/>
               <a:t>Click to edit Master title style</a:t>
             </a:r>
             <a:endParaRPr lang="en-US" dirty="0"/>
@@ -5548,7 +5753,7 @@
           <a:p>
             <a:pPr lvl="0"/>
             <a:r>
-              <a:rPr lang="en-US" smtClean="0"/>
+              <a:rPr lang="en-US"/>
               <a:t>Click to edit Master text styles</a:t>
             </a:r>
           </a:p>
@@ -5571,7 +5776,7 @@
           <a:p>
             <a:fld id="{849DE176-146E-4F1E-BCCE-E46272DCA095}" type="datetimeFigureOut">
               <a:rPr lang="es-AR" smtClean="0"/>
-              <a:t>12/06/2022</a:t>
+              <a:t>11/8/2022</a:t>
             </a:fld>
             <a:endParaRPr lang="es-AR"/>
           </a:p>
@@ -5613,7 +5818,7 @@
           <a:p>
             <a:fld id="{CEFD1137-7F4D-46D2-9B0A-67C18959EDA4}" type="slidenum">
               <a:rPr lang="es-AR" smtClean="0"/>
-              <a:t>‹#›</a:t>
+              <a:t>‹Nº›</a:t>
             </a:fld>
             <a:endParaRPr lang="es-AR"/>
           </a:p>
@@ -5670,7 +5875,7 @@
           <a:lstStyle/>
           <a:p>
             <a:r>
-              <a:rPr lang="en-US" smtClean="0"/>
+              <a:rPr lang="en-US"/>
               <a:t>Click to edit Master title style</a:t>
             </a:r>
             <a:endParaRPr lang="en-US" dirty="0"/>
@@ -5745,7 +5950,7 @@
           <a:p>
             <a:pPr lvl="0"/>
             <a:r>
-              <a:rPr lang="en-US" smtClean="0"/>
+              <a:rPr lang="en-US"/>
               <a:t>Click to edit Master text styles</a:t>
             </a:r>
           </a:p>
@@ -5812,7 +6017,7 @@
           <a:p>
             <a:pPr lvl="0"/>
             <a:r>
-              <a:rPr lang="en-US" smtClean="0"/>
+              <a:rPr lang="en-US"/>
               <a:t>Click to edit Master text styles</a:t>
             </a:r>
           </a:p>
@@ -5886,7 +6091,7 @@
           <a:p>
             <a:pPr lvl="0"/>
             <a:r>
-              <a:rPr lang="en-US" smtClean="0"/>
+              <a:rPr lang="en-US"/>
               <a:t>Click to edit Master text styles</a:t>
             </a:r>
           </a:p>
@@ -5953,7 +6158,7 @@
           <a:p>
             <a:pPr lvl="0"/>
             <a:r>
-              <a:rPr lang="en-US" smtClean="0"/>
+              <a:rPr lang="en-US"/>
               <a:t>Click to edit Master text styles</a:t>
             </a:r>
           </a:p>
@@ -6027,7 +6232,7 @@
           <a:p>
             <a:pPr lvl="0"/>
             <a:r>
-              <a:rPr lang="en-US" smtClean="0"/>
+              <a:rPr lang="en-US"/>
               <a:t>Click to edit Master text styles</a:t>
             </a:r>
           </a:p>
@@ -6094,7 +6299,7 @@
           <a:p>
             <a:pPr lvl="0"/>
             <a:r>
-              <a:rPr lang="en-US" smtClean="0"/>
+              <a:rPr lang="en-US"/>
               <a:t>Click to edit Master text styles</a:t>
             </a:r>
           </a:p>
@@ -6117,7 +6322,7 @@
           <a:p>
             <a:fld id="{849DE176-146E-4F1E-BCCE-E46272DCA095}" type="datetimeFigureOut">
               <a:rPr lang="es-AR" smtClean="0"/>
-              <a:t>12/06/2022</a:t>
+              <a:t>11/8/2022</a:t>
             </a:fld>
             <a:endParaRPr lang="es-AR"/>
           </a:p>
@@ -6159,7 +6364,7 @@
           <a:p>
             <a:fld id="{CEFD1137-7F4D-46D2-9B0A-67C18959EDA4}" type="slidenum">
               <a:rPr lang="es-AR" smtClean="0"/>
-              <a:t>‹#›</a:t>
+              <a:t>‹Nº›</a:t>
             </a:fld>
             <a:endParaRPr lang="es-AR"/>
           </a:p>
@@ -6216,7 +6421,7 @@
           <a:lstStyle/>
           <a:p>
             <a:r>
-              <a:rPr lang="en-US" smtClean="0"/>
+              <a:rPr lang="en-US"/>
               <a:t>Click to edit Master title style</a:t>
             </a:r>
             <a:endParaRPr lang="en-US" dirty="0"/>
@@ -6291,7 +6496,7 @@
           <a:p>
             <a:pPr lvl="0"/>
             <a:r>
-              <a:rPr lang="en-US" smtClean="0"/>
+              <a:rPr lang="en-US"/>
               <a:t>Click to edit Master text styles</a:t>
             </a:r>
           </a:p>
@@ -6348,7 +6553,7 @@
               <a:buNone/>
             </a:pPr>
             <a:r>
-              <a:rPr lang="en-US" smtClean="0"/>
+              <a:rPr lang="en-US"/>
               <a:t>Click icon to add picture</a:t>
             </a:r>
             <a:endParaRPr lang="en-US" dirty="0"/>
@@ -6416,7 +6621,7 @@
           <a:p>
             <a:pPr lvl="0"/>
             <a:r>
-              <a:rPr lang="en-US" smtClean="0"/>
+              <a:rPr lang="en-US"/>
               <a:t>Click to edit Master text styles</a:t>
             </a:r>
           </a:p>
@@ -6490,7 +6695,7 @@
           <a:p>
             <a:pPr lvl="0"/>
             <a:r>
-              <a:rPr lang="en-US" smtClean="0"/>
+              <a:rPr lang="en-US"/>
               <a:t>Click to edit Master text styles</a:t>
             </a:r>
           </a:p>
@@ -6547,7 +6752,7 @@
               <a:buNone/>
             </a:pPr>
             <a:r>
-              <a:rPr lang="en-US" smtClean="0"/>
+              <a:rPr lang="en-US"/>
               <a:t>Click icon to add picture</a:t>
             </a:r>
             <a:endParaRPr lang="en-US" dirty="0"/>
@@ -6615,7 +6820,7 @@
           <a:p>
             <a:pPr lvl="0"/>
             <a:r>
-              <a:rPr lang="en-US" smtClean="0"/>
+              <a:rPr lang="en-US"/>
               <a:t>Click to edit Master text styles</a:t>
             </a:r>
           </a:p>
@@ -6689,7 +6894,7 @@
           <a:p>
             <a:pPr lvl="0"/>
             <a:r>
-              <a:rPr lang="en-US" smtClean="0"/>
+              <a:rPr lang="en-US"/>
               <a:t>Click to edit Master text styles</a:t>
             </a:r>
           </a:p>
@@ -6746,7 +6951,7 @@
               <a:buNone/>
             </a:pPr>
             <a:r>
-              <a:rPr lang="en-US" smtClean="0"/>
+              <a:rPr lang="en-US"/>
               <a:t>Click icon to add picture</a:t>
             </a:r>
             <a:endParaRPr lang="en-US" dirty="0"/>
@@ -6814,7 +7019,7 @@
           <a:p>
             <a:pPr lvl="0"/>
             <a:r>
-              <a:rPr lang="en-US" smtClean="0"/>
+              <a:rPr lang="en-US"/>
               <a:t>Click to edit Master text styles</a:t>
             </a:r>
           </a:p>
@@ -6837,7 +7042,7 @@
           <a:p>
             <a:fld id="{849DE176-146E-4F1E-BCCE-E46272DCA095}" type="datetimeFigureOut">
               <a:rPr lang="es-AR" smtClean="0"/>
-              <a:t>12/06/2022</a:t>
+              <a:t>11/8/2022</a:t>
             </a:fld>
             <a:endParaRPr lang="es-AR"/>
           </a:p>
@@ -6879,7 +7084,7 @@
           <a:p>
             <a:fld id="{CEFD1137-7F4D-46D2-9B0A-67C18959EDA4}" type="slidenum">
               <a:rPr lang="es-AR" smtClean="0"/>
-              <a:t>‹#›</a:t>
+              <a:t>‹Nº›</a:t>
             </a:fld>
             <a:endParaRPr lang="es-AR"/>
           </a:p>
@@ -6931,7 +7136,7 @@
           <a:lstStyle/>
           <a:p>
             <a:r>
-              <a:rPr lang="en-US" smtClean="0"/>
+              <a:rPr lang="en-US"/>
               <a:t>Click to edit Master title style</a:t>
             </a:r>
             <a:endParaRPr lang="en-US" dirty="0"/>
@@ -6955,35 +7160,35 @@
           <a:p>
             <a:pPr lvl="0"/>
             <a:r>
-              <a:rPr lang="en-US" smtClean="0"/>
+              <a:rPr lang="en-US"/>
               <a:t>Click to edit Master text styles</a:t>
             </a:r>
           </a:p>
           <a:p>
             <a:pPr lvl="1"/>
             <a:r>
-              <a:rPr lang="en-US" smtClean="0"/>
+              <a:rPr lang="en-US"/>
               <a:t>Second level</a:t>
             </a:r>
           </a:p>
           <a:p>
             <a:pPr lvl="2"/>
             <a:r>
-              <a:rPr lang="en-US" smtClean="0"/>
+              <a:rPr lang="en-US"/>
               <a:t>Third level</a:t>
             </a:r>
           </a:p>
           <a:p>
             <a:pPr lvl="3"/>
             <a:r>
-              <a:rPr lang="en-US" smtClean="0"/>
+              <a:rPr lang="en-US"/>
               <a:t>Fourth level</a:t>
             </a:r>
           </a:p>
           <a:p>
             <a:pPr lvl="4"/>
             <a:r>
-              <a:rPr lang="en-US" smtClean="0"/>
+              <a:rPr lang="en-US"/>
               <a:t>Fifth level</a:t>
             </a:r>
             <a:endParaRPr lang="en-US" dirty="0"/>
@@ -7007,7 +7212,7 @@
           <a:p>
             <a:fld id="{849DE176-146E-4F1E-BCCE-E46272DCA095}" type="datetimeFigureOut">
               <a:rPr lang="es-AR" smtClean="0"/>
-              <a:t>12/06/2022</a:t>
+              <a:t>11/8/2022</a:t>
             </a:fld>
             <a:endParaRPr lang="es-AR"/>
           </a:p>
@@ -7049,7 +7254,7 @@
           <a:p>
             <a:fld id="{CEFD1137-7F4D-46D2-9B0A-67C18959EDA4}" type="slidenum">
               <a:rPr lang="es-AR" smtClean="0"/>
-              <a:t>‹#›</a:t>
+              <a:t>‹Nº›</a:t>
             </a:fld>
             <a:endParaRPr lang="es-AR"/>
           </a:p>
@@ -7106,7 +7311,7 @@
           <a:lstStyle/>
           <a:p>
             <a:r>
-              <a:rPr lang="en-US" smtClean="0"/>
+              <a:rPr lang="en-US"/>
               <a:t>Click to edit Master title style</a:t>
             </a:r>
             <a:endParaRPr lang="en-US" dirty="0"/>
@@ -7135,35 +7340,35 @@
           <a:p>
             <a:pPr lvl="0"/>
             <a:r>
-              <a:rPr lang="en-US" smtClean="0"/>
+              <a:rPr lang="en-US"/>
               <a:t>Click to edit Master text styles</a:t>
             </a:r>
           </a:p>
           <a:p>
             <a:pPr lvl="1"/>
             <a:r>
-              <a:rPr lang="en-US" smtClean="0"/>
+              <a:rPr lang="en-US"/>
               <a:t>Second level</a:t>
             </a:r>
           </a:p>
           <a:p>
             <a:pPr lvl="2"/>
             <a:r>
-              <a:rPr lang="en-US" smtClean="0"/>
+              <a:rPr lang="en-US"/>
               <a:t>Third level</a:t>
             </a:r>
           </a:p>
           <a:p>
             <a:pPr lvl="3"/>
             <a:r>
-              <a:rPr lang="en-US" smtClean="0"/>
+              <a:rPr lang="en-US"/>
               <a:t>Fourth level</a:t>
             </a:r>
           </a:p>
           <a:p>
             <a:pPr lvl="4"/>
             <a:r>
-              <a:rPr lang="en-US" smtClean="0"/>
+              <a:rPr lang="en-US"/>
               <a:t>Fifth level</a:t>
             </a:r>
             <a:endParaRPr lang="en-US" dirty="0"/>
@@ -7187,7 +7392,7 @@
           <a:p>
             <a:fld id="{849DE176-146E-4F1E-BCCE-E46272DCA095}" type="datetimeFigureOut">
               <a:rPr lang="es-AR" smtClean="0"/>
-              <a:t>12/06/2022</a:t>
+              <a:t>11/8/2022</a:t>
             </a:fld>
             <a:endParaRPr lang="es-AR"/>
           </a:p>
@@ -7229,7 +7434,7 @@
           <a:p>
             <a:fld id="{CEFD1137-7F4D-46D2-9B0A-67C18959EDA4}" type="slidenum">
               <a:rPr lang="es-AR" smtClean="0"/>
-              <a:t>‹#›</a:t>
+              <a:t>‹Nº›</a:t>
             </a:fld>
             <a:endParaRPr lang="es-AR"/>
           </a:p>
@@ -7281,7 +7486,7 @@
           <a:lstStyle/>
           <a:p>
             <a:r>
-              <a:rPr lang="en-US" smtClean="0"/>
+              <a:rPr lang="en-US"/>
               <a:t>Click to edit Master title style</a:t>
             </a:r>
             <a:endParaRPr lang="en-US" dirty="0"/>
@@ -7305,35 +7510,35 @@
           <a:p>
             <a:pPr lvl="0"/>
             <a:r>
-              <a:rPr lang="en-US" smtClean="0"/>
+              <a:rPr lang="en-US"/>
               <a:t>Click to edit Master text styles</a:t>
             </a:r>
           </a:p>
           <a:p>
             <a:pPr lvl="1"/>
             <a:r>
-              <a:rPr lang="en-US" smtClean="0"/>
+              <a:rPr lang="en-US"/>
               <a:t>Second level</a:t>
             </a:r>
           </a:p>
           <a:p>
             <a:pPr lvl="2"/>
             <a:r>
-              <a:rPr lang="en-US" smtClean="0"/>
+              <a:rPr lang="en-US"/>
               <a:t>Third level</a:t>
             </a:r>
           </a:p>
           <a:p>
             <a:pPr lvl="3"/>
             <a:r>
-              <a:rPr lang="en-US" smtClean="0"/>
+              <a:rPr lang="en-US"/>
               <a:t>Fourth level</a:t>
             </a:r>
           </a:p>
           <a:p>
             <a:pPr lvl="4"/>
             <a:r>
-              <a:rPr lang="en-US" smtClean="0"/>
+              <a:rPr lang="en-US"/>
               <a:t>Fifth level</a:t>
             </a:r>
             <a:endParaRPr lang="en-US" dirty="0"/>
@@ -7357,7 +7562,7 @@
           <a:p>
             <a:fld id="{849DE176-146E-4F1E-BCCE-E46272DCA095}" type="datetimeFigureOut">
               <a:rPr lang="es-AR" smtClean="0"/>
-              <a:t>12/06/2022</a:t>
+              <a:t>11/8/2022</a:t>
             </a:fld>
             <a:endParaRPr lang="es-AR"/>
           </a:p>
@@ -7399,7 +7604,7 @@
           <a:p>
             <a:fld id="{CEFD1137-7F4D-46D2-9B0A-67C18959EDA4}" type="slidenum">
               <a:rPr lang="es-AR" smtClean="0"/>
-              <a:t>‹#›</a:t>
+              <a:t>‹Nº›</a:t>
             </a:fld>
             <a:endParaRPr lang="es-AR"/>
           </a:p>
@@ -7462,7 +7667,7 @@
           </a:lstStyle>
           <a:p>
             <a:r>
-              <a:rPr lang="en-US" smtClean="0"/>
+              <a:rPr lang="en-US"/>
               <a:t>Click to edit Master title style</a:t>
             </a:r>
             <a:endParaRPr lang="en-US" dirty="0"/>
@@ -7584,7 +7789,7 @@
           <a:p>
             <a:pPr lvl="0"/>
             <a:r>
-              <a:rPr lang="en-US" smtClean="0"/>
+              <a:rPr lang="en-US"/>
               <a:t>Click to edit Master text styles</a:t>
             </a:r>
           </a:p>
@@ -7607,7 +7812,7 @@
           <a:p>
             <a:fld id="{849DE176-146E-4F1E-BCCE-E46272DCA095}" type="datetimeFigureOut">
               <a:rPr lang="es-AR" smtClean="0"/>
-              <a:t>12/06/2022</a:t>
+              <a:t>11/8/2022</a:t>
             </a:fld>
             <a:endParaRPr lang="es-AR"/>
           </a:p>
@@ -7649,7 +7854,7 @@
           <a:p>
             <a:fld id="{CEFD1137-7F4D-46D2-9B0A-67C18959EDA4}" type="slidenum">
               <a:rPr lang="es-AR" smtClean="0"/>
-              <a:t>‹#›</a:t>
+              <a:t>‹Nº›</a:t>
             </a:fld>
             <a:endParaRPr lang="es-AR"/>
           </a:p>
@@ -7701,7 +7906,7 @@
           <a:lstStyle/>
           <a:p>
             <a:r>
-              <a:rPr lang="en-US" smtClean="0"/>
+              <a:rPr lang="en-US"/>
               <a:t>Click to edit Master title style</a:t>
             </a:r>
             <a:endParaRPr lang="en-US" dirty="0"/>
@@ -7730,35 +7935,35 @@
           <a:p>
             <a:pPr lvl="0"/>
             <a:r>
-              <a:rPr lang="en-US" smtClean="0"/>
+              <a:rPr lang="en-US"/>
               <a:t>Click to edit Master text styles</a:t>
             </a:r>
           </a:p>
           <a:p>
             <a:pPr lvl="1"/>
             <a:r>
-              <a:rPr lang="en-US" smtClean="0"/>
+              <a:rPr lang="en-US"/>
               <a:t>Second level</a:t>
             </a:r>
           </a:p>
           <a:p>
             <a:pPr lvl="2"/>
             <a:r>
-              <a:rPr lang="en-US" smtClean="0"/>
+              <a:rPr lang="en-US"/>
               <a:t>Third level</a:t>
             </a:r>
           </a:p>
           <a:p>
             <a:pPr lvl="3"/>
             <a:r>
-              <a:rPr lang="en-US" smtClean="0"/>
+              <a:rPr lang="en-US"/>
               <a:t>Fourth level</a:t>
             </a:r>
           </a:p>
           <a:p>
             <a:pPr lvl="4"/>
             <a:r>
-              <a:rPr lang="en-US" smtClean="0"/>
+              <a:rPr lang="en-US"/>
               <a:t>Fifth level</a:t>
             </a:r>
             <a:endParaRPr lang="en-US" dirty="0"/>
@@ -7787,35 +7992,35 @@
           <a:p>
             <a:pPr lvl="0"/>
             <a:r>
-              <a:rPr lang="en-US" smtClean="0"/>
+              <a:rPr lang="en-US"/>
               <a:t>Click to edit Master text styles</a:t>
             </a:r>
           </a:p>
           <a:p>
             <a:pPr lvl="1"/>
             <a:r>
-              <a:rPr lang="en-US" smtClean="0"/>
+              <a:rPr lang="en-US"/>
               <a:t>Second level</a:t>
             </a:r>
           </a:p>
           <a:p>
             <a:pPr lvl="2"/>
             <a:r>
-              <a:rPr lang="en-US" smtClean="0"/>
+              <a:rPr lang="en-US"/>
               <a:t>Third level</a:t>
             </a:r>
           </a:p>
           <a:p>
             <a:pPr lvl="3"/>
             <a:r>
-              <a:rPr lang="en-US" smtClean="0"/>
+              <a:rPr lang="en-US"/>
               <a:t>Fourth level</a:t>
             </a:r>
           </a:p>
           <a:p>
             <a:pPr lvl="4"/>
             <a:r>
-              <a:rPr lang="en-US" smtClean="0"/>
+              <a:rPr lang="en-US"/>
               <a:t>Fifth level</a:t>
             </a:r>
             <a:endParaRPr lang="en-US" dirty="0"/>
@@ -7839,7 +8044,7 @@
           <a:p>
             <a:fld id="{849DE176-146E-4F1E-BCCE-E46272DCA095}" type="datetimeFigureOut">
               <a:rPr lang="es-AR" smtClean="0"/>
-              <a:t>12/06/2022</a:t>
+              <a:t>11/8/2022</a:t>
             </a:fld>
             <a:endParaRPr lang="es-AR"/>
           </a:p>
@@ -7881,7 +8086,7 @@
           <a:p>
             <a:fld id="{CEFD1137-7F4D-46D2-9B0A-67C18959EDA4}" type="slidenum">
               <a:rPr lang="es-AR" smtClean="0"/>
-              <a:t>‹#›</a:t>
+              <a:t>‹Nº›</a:t>
             </a:fld>
             <a:endParaRPr lang="es-AR"/>
           </a:p>
@@ -7938,7 +8143,7 @@
           <a:lstStyle/>
           <a:p>
             <a:r>
-              <a:rPr lang="en-US" smtClean="0"/>
+              <a:rPr lang="en-US"/>
               <a:t>Click to edit Master title style</a:t>
             </a:r>
             <a:endParaRPr lang="en-US" dirty="0"/>
@@ -8011,7 +8216,7 @@
           <a:p>
             <a:pPr lvl="0"/>
             <a:r>
-              <a:rPr lang="en-US" smtClean="0"/>
+              <a:rPr lang="en-US"/>
               <a:t>Click to edit Master text styles</a:t>
             </a:r>
           </a:p>
@@ -8039,35 +8244,35 @@
           <a:p>
             <a:pPr lvl="0"/>
             <a:r>
-              <a:rPr lang="en-US" smtClean="0"/>
+              <a:rPr lang="en-US"/>
               <a:t>Click to edit Master text styles</a:t>
             </a:r>
           </a:p>
           <a:p>
             <a:pPr lvl="1"/>
             <a:r>
-              <a:rPr lang="en-US" smtClean="0"/>
+              <a:rPr lang="en-US"/>
               <a:t>Second level</a:t>
             </a:r>
           </a:p>
           <a:p>
             <a:pPr lvl="2"/>
             <a:r>
-              <a:rPr lang="en-US" smtClean="0"/>
+              <a:rPr lang="en-US"/>
               <a:t>Third level</a:t>
             </a:r>
           </a:p>
           <a:p>
             <a:pPr lvl="3"/>
             <a:r>
-              <a:rPr lang="en-US" smtClean="0"/>
+              <a:rPr lang="en-US"/>
               <a:t>Fourth level</a:t>
             </a:r>
           </a:p>
           <a:p>
             <a:pPr lvl="4"/>
             <a:r>
-              <a:rPr lang="en-US" smtClean="0"/>
+              <a:rPr lang="en-US"/>
               <a:t>Fifth level</a:t>
             </a:r>
             <a:endParaRPr lang="en-US" dirty="0"/>
@@ -8140,7 +8345,7 @@
           <a:p>
             <a:pPr lvl="0"/>
             <a:r>
-              <a:rPr lang="en-US" smtClean="0"/>
+              <a:rPr lang="en-US"/>
               <a:t>Click to edit Master text styles</a:t>
             </a:r>
           </a:p>
@@ -8168,35 +8373,35 @@
           <a:p>
             <a:pPr lvl="0"/>
             <a:r>
-              <a:rPr lang="en-US" smtClean="0"/>
+              <a:rPr lang="en-US"/>
               <a:t>Click to edit Master text styles</a:t>
             </a:r>
           </a:p>
           <a:p>
             <a:pPr lvl="1"/>
             <a:r>
-              <a:rPr lang="en-US" smtClean="0"/>
+              <a:rPr lang="en-US"/>
               <a:t>Second level</a:t>
             </a:r>
           </a:p>
           <a:p>
             <a:pPr lvl="2"/>
             <a:r>
-              <a:rPr lang="en-US" smtClean="0"/>
+              <a:rPr lang="en-US"/>
               <a:t>Third level</a:t>
             </a:r>
           </a:p>
           <a:p>
             <a:pPr lvl="3"/>
             <a:r>
-              <a:rPr lang="en-US" smtClean="0"/>
+              <a:rPr lang="en-US"/>
               <a:t>Fourth level</a:t>
             </a:r>
           </a:p>
           <a:p>
             <a:pPr lvl="4"/>
             <a:r>
-              <a:rPr lang="en-US" smtClean="0"/>
+              <a:rPr lang="en-US"/>
               <a:t>Fifth level</a:t>
             </a:r>
             <a:endParaRPr lang="en-US" dirty="0"/>
@@ -8220,7 +8425,7 @@
           <a:p>
             <a:fld id="{849DE176-146E-4F1E-BCCE-E46272DCA095}" type="datetimeFigureOut">
               <a:rPr lang="es-AR" smtClean="0"/>
-              <a:t>12/06/2022</a:t>
+              <a:t>11/8/2022</a:t>
             </a:fld>
             <a:endParaRPr lang="es-AR"/>
           </a:p>
@@ -8262,7 +8467,7 @@
           <a:p>
             <a:fld id="{CEFD1137-7F4D-46D2-9B0A-67C18959EDA4}" type="slidenum">
               <a:rPr lang="es-AR" smtClean="0"/>
-              <a:t>‹#›</a:t>
+              <a:t>‹Nº›</a:t>
             </a:fld>
             <a:endParaRPr lang="es-AR"/>
           </a:p>
@@ -8314,7 +8519,7 @@
           <a:lstStyle/>
           <a:p>
             <a:r>
-              <a:rPr lang="en-US" smtClean="0"/>
+              <a:rPr lang="en-US"/>
               <a:t>Click to edit Master title style</a:t>
             </a:r>
             <a:endParaRPr lang="en-US" dirty="0"/>
@@ -8338,7 +8543,7 @@
           <a:p>
             <a:fld id="{849DE176-146E-4F1E-BCCE-E46272DCA095}" type="datetimeFigureOut">
               <a:rPr lang="es-AR" smtClean="0"/>
-              <a:t>12/06/2022</a:t>
+              <a:t>11/8/2022</a:t>
             </a:fld>
             <a:endParaRPr lang="es-AR"/>
           </a:p>
@@ -8380,7 +8585,7 @@
           <a:p>
             <a:fld id="{CEFD1137-7F4D-46D2-9B0A-67C18959EDA4}" type="slidenum">
               <a:rPr lang="es-AR" smtClean="0"/>
-              <a:t>‹#›</a:t>
+              <a:t>‹Nº›</a:t>
             </a:fld>
             <a:endParaRPr lang="es-AR"/>
           </a:p>
@@ -8433,7 +8638,7 @@
           <a:p>
             <a:fld id="{849DE176-146E-4F1E-BCCE-E46272DCA095}" type="datetimeFigureOut">
               <a:rPr lang="es-AR" smtClean="0"/>
-              <a:t>12/06/2022</a:t>
+              <a:t>11/8/2022</a:t>
             </a:fld>
             <a:endParaRPr lang="es-AR"/>
           </a:p>
@@ -8475,7 +8680,7 @@
           <a:p>
             <a:fld id="{CEFD1137-7F4D-46D2-9B0A-67C18959EDA4}" type="slidenum">
               <a:rPr lang="es-AR" smtClean="0"/>
-              <a:t>‹#›</a:t>
+              <a:t>‹Nº›</a:t>
             </a:fld>
             <a:endParaRPr lang="es-AR"/>
           </a:p>
@@ -8536,7 +8741,7 @@
           </a:lstStyle>
           <a:p>
             <a:r>
-              <a:rPr lang="en-US" smtClean="0"/>
+              <a:rPr lang="en-US"/>
               <a:t>Click to edit Master title style</a:t>
             </a:r>
             <a:endParaRPr lang="en-US" dirty="0"/>
@@ -8565,35 +8770,35 @@
           <a:p>
             <a:pPr lvl="0"/>
             <a:r>
-              <a:rPr lang="en-US" smtClean="0"/>
+              <a:rPr lang="en-US"/>
               <a:t>Click to edit Master text styles</a:t>
             </a:r>
           </a:p>
           <a:p>
             <a:pPr lvl="1"/>
             <a:r>
-              <a:rPr lang="en-US" smtClean="0"/>
+              <a:rPr lang="en-US"/>
               <a:t>Second level</a:t>
             </a:r>
           </a:p>
           <a:p>
             <a:pPr lvl="2"/>
             <a:r>
-              <a:rPr lang="en-US" smtClean="0"/>
+              <a:rPr lang="en-US"/>
               <a:t>Third level</a:t>
             </a:r>
           </a:p>
           <a:p>
             <a:pPr lvl="3"/>
             <a:r>
-              <a:rPr lang="en-US" smtClean="0"/>
+              <a:rPr lang="en-US"/>
               <a:t>Fourth level</a:t>
             </a:r>
           </a:p>
           <a:p>
             <a:pPr lvl="4"/>
             <a:r>
-              <a:rPr lang="en-US" smtClean="0"/>
+              <a:rPr lang="en-US"/>
               <a:t>Fifth level</a:t>
             </a:r>
             <a:endParaRPr lang="en-US" dirty="0"/>
@@ -8659,7 +8864,7 @@
           <a:p>
             <a:pPr lvl="0"/>
             <a:r>
-              <a:rPr lang="en-US" smtClean="0"/>
+              <a:rPr lang="en-US"/>
               <a:t>Click to edit Master text styles</a:t>
             </a:r>
           </a:p>
@@ -8682,7 +8887,7 @@
           <a:p>
             <a:fld id="{849DE176-146E-4F1E-BCCE-E46272DCA095}" type="datetimeFigureOut">
               <a:rPr lang="es-AR" smtClean="0"/>
-              <a:t>12/06/2022</a:t>
+              <a:t>11/8/2022</a:t>
             </a:fld>
             <a:endParaRPr lang="es-AR"/>
           </a:p>
@@ -8724,7 +8929,7 @@
           <a:p>
             <a:fld id="{CEFD1137-7F4D-46D2-9B0A-67C18959EDA4}" type="slidenum">
               <a:rPr lang="es-AR" smtClean="0"/>
-              <a:t>‹#›</a:t>
+              <a:t>‹Nº›</a:t>
             </a:fld>
             <a:endParaRPr lang="es-AR"/>
           </a:p>
@@ -8785,7 +8990,7 @@
           </a:lstStyle>
           <a:p>
             <a:r>
-              <a:rPr lang="en-US" smtClean="0"/>
+              <a:rPr lang="en-US"/>
               <a:t>Click to edit Master title style</a:t>
             </a:r>
             <a:endParaRPr lang="en-US" dirty="0"/>
@@ -8873,7 +9078,7 @@
           </a:lstStyle>
           <a:p>
             <a:r>
-              <a:rPr lang="en-US" smtClean="0"/>
+              <a:rPr lang="en-US"/>
               <a:t>Click icon to add picture</a:t>
             </a:r>
             <a:endParaRPr lang="en-US" dirty="0"/>
@@ -8939,7 +9144,7 @@
           <a:p>
             <a:pPr lvl="0"/>
             <a:r>
-              <a:rPr lang="en-US" smtClean="0"/>
+              <a:rPr lang="en-US"/>
               <a:t>Click to edit Master text styles</a:t>
             </a:r>
           </a:p>
@@ -8962,7 +9167,7 @@
           <a:p>
             <a:fld id="{849DE176-146E-4F1E-BCCE-E46272DCA095}" type="datetimeFigureOut">
               <a:rPr lang="es-AR" smtClean="0"/>
-              <a:t>12/06/2022</a:t>
+              <a:t>11/8/2022</a:t>
             </a:fld>
             <a:endParaRPr lang="es-AR"/>
           </a:p>
@@ -9004,7 +9209,7 @@
           <a:p>
             <a:fld id="{CEFD1137-7F4D-46D2-9B0A-67C18959EDA4}" type="slidenum">
               <a:rPr lang="es-AR" smtClean="0"/>
-              <a:t>‹#›</a:t>
+              <a:t>‹Nº›</a:t>
             </a:fld>
             <a:endParaRPr lang="es-AR"/>
           </a:p>
@@ -9102,7 +9307,7 @@
           <a:noFill/>
           <a:extLst>
             <a:ext uri="{909E8E84-426E-40dd-AFC4-6F175D3DCCD1}">
-              <a14:hiddenFill xmlns:a14="http://schemas.microsoft.com/office/drawing/2010/main" xmlns="">
+              <a14:hiddenFill xmlns="" xmlns:a14="http://schemas.microsoft.com/office/drawing/2010/main">
                 <a:solidFill>
                   <a:srgbClr val="FFFFFF"/>
                 </a:solidFill>
@@ -9176,7 +9381,7 @@
               </a:ln>
               <a:extLst>
                 <a:ext uri="{91240B29-F687-4f45-9708-019B960494DF}">
-                  <a14:hiddenLine xmlns:a14="http://schemas.microsoft.com/office/drawing/2010/main" xmlns="" w="9525">
+                  <a14:hiddenLine xmlns="" xmlns:a14="http://schemas.microsoft.com/office/drawing/2010/main" w="9525">
                     <a:solidFill>
                       <a:srgbClr val="000000"/>
                     </a:solidFill>
@@ -9266,7 +9471,7 @@
               </a:ln>
               <a:extLst>
                 <a:ext uri="{91240B29-F687-4f45-9708-019B960494DF}">
-                  <a14:hiddenLine xmlns:a14="http://schemas.microsoft.com/office/drawing/2010/main" xmlns="" w="9525">
+                  <a14:hiddenLine xmlns="" xmlns:a14="http://schemas.microsoft.com/office/drawing/2010/main" w="9525">
                     <a:solidFill>
                       <a:srgbClr val="000000"/>
                     </a:solidFill>
@@ -9356,7 +9561,7 @@
               </a:ln>
               <a:extLst>
                 <a:ext uri="{91240B29-F687-4f45-9708-019B960494DF}">
-                  <a14:hiddenLine xmlns:a14="http://schemas.microsoft.com/office/drawing/2010/main" xmlns="" w="9525">
+                  <a14:hiddenLine xmlns="" xmlns:a14="http://schemas.microsoft.com/office/drawing/2010/main" w="9525">
                     <a:solidFill>
                       <a:srgbClr val="000000"/>
                     </a:solidFill>
@@ -9418,7 +9623,7 @@
               </a:ln>
               <a:extLst>
                 <a:ext uri="{91240B29-F687-4f45-9708-019B960494DF}">
-                  <a14:hiddenLine xmlns:a14="http://schemas.microsoft.com/office/drawing/2010/main" xmlns="" w="9525">
+                  <a14:hiddenLine xmlns="" xmlns:a14="http://schemas.microsoft.com/office/drawing/2010/main" w="9525">
                     <a:solidFill>
                       <a:srgbClr val="000000"/>
                     </a:solidFill>
@@ -9508,7 +9713,7 @@
               </a:ln>
               <a:extLst>
                 <a:ext uri="{91240B29-F687-4f45-9708-019B960494DF}">
-                  <a14:hiddenLine xmlns:a14="http://schemas.microsoft.com/office/drawing/2010/main" xmlns="" w="9525">
+                  <a14:hiddenLine xmlns="" xmlns:a14="http://schemas.microsoft.com/office/drawing/2010/main" w="9525">
                     <a:solidFill>
                       <a:srgbClr val="000000"/>
                     </a:solidFill>
@@ -9570,7 +9775,7 @@
               </a:ln>
               <a:extLst>
                 <a:ext uri="{91240B29-F687-4f45-9708-019B960494DF}">
-                  <a14:hiddenLine xmlns:a14="http://schemas.microsoft.com/office/drawing/2010/main" xmlns="" w="9525">
+                  <a14:hiddenLine xmlns="" xmlns:a14="http://schemas.microsoft.com/office/drawing/2010/main" w="9525">
                     <a:solidFill>
                       <a:srgbClr val="000000"/>
                     </a:solidFill>
@@ -9632,7 +9837,7 @@
               </a:ln>
               <a:extLst>
                 <a:ext uri="{91240B29-F687-4f45-9708-019B960494DF}">
-                  <a14:hiddenLine xmlns:a14="http://schemas.microsoft.com/office/drawing/2010/main" xmlns="" w="9525">
+                  <a14:hiddenLine xmlns="" xmlns:a14="http://schemas.microsoft.com/office/drawing/2010/main" w="9525">
                     <a:solidFill>
                       <a:srgbClr val="000000"/>
                     </a:solidFill>
@@ -9722,7 +9927,7 @@
               </a:ln>
               <a:extLst>
                 <a:ext uri="{91240B29-F687-4f45-9708-019B960494DF}">
-                  <a14:hiddenLine xmlns:a14="http://schemas.microsoft.com/office/drawing/2010/main" xmlns="" w="9525">
+                  <a14:hiddenLine xmlns="" xmlns:a14="http://schemas.microsoft.com/office/drawing/2010/main" w="9525">
                     <a:solidFill>
                       <a:srgbClr val="000000"/>
                     </a:solidFill>
@@ -9812,7 +10017,7 @@
               </a:ln>
               <a:extLst>
                 <a:ext uri="{91240B29-F687-4f45-9708-019B960494DF}">
-                  <a14:hiddenLine xmlns:a14="http://schemas.microsoft.com/office/drawing/2010/main" xmlns="" w="9525">
+                  <a14:hiddenLine xmlns="" xmlns:a14="http://schemas.microsoft.com/office/drawing/2010/main" w="9525">
                     <a:solidFill>
                       <a:srgbClr val="000000"/>
                     </a:solidFill>
@@ -9874,7 +10079,7 @@
               </a:ln>
               <a:extLst>
                 <a:ext uri="{91240B29-F687-4f45-9708-019B960494DF}">
-                  <a14:hiddenLine xmlns:a14="http://schemas.microsoft.com/office/drawing/2010/main" xmlns="" w="9525">
+                  <a14:hiddenLine xmlns="" xmlns:a14="http://schemas.microsoft.com/office/drawing/2010/main" w="9525">
                     <a:solidFill>
                       <a:srgbClr val="000000"/>
                     </a:solidFill>
@@ -9984,7 +10189,7 @@
               </a:ln>
               <a:extLst>
                 <a:ext uri="{91240B29-F687-4f45-9708-019B960494DF}">
-                  <a14:hiddenLine xmlns:a14="http://schemas.microsoft.com/office/drawing/2010/main" xmlns="" w="9525">
+                  <a14:hiddenLine xmlns="" xmlns:a14="http://schemas.microsoft.com/office/drawing/2010/main" w="9525">
                     <a:solidFill>
                       <a:srgbClr val="000000"/>
                     </a:solidFill>
@@ -10068,7 +10273,7 @@
               </a:ln>
               <a:extLst>
                 <a:ext uri="{91240B29-F687-4f45-9708-019B960494DF}">
-                  <a14:hiddenLine xmlns:a14="http://schemas.microsoft.com/office/drawing/2010/main" xmlns="" w="9525">
+                  <a14:hiddenLine xmlns="" xmlns:a14="http://schemas.microsoft.com/office/drawing/2010/main" w="9525">
                     <a:solidFill>
                       <a:srgbClr val="000000"/>
                     </a:solidFill>
@@ -10130,7 +10335,7 @@
               </a:ln>
               <a:extLst>
                 <a:ext uri="{91240B29-F687-4f45-9708-019B960494DF}">
-                  <a14:hiddenLine xmlns:a14="http://schemas.microsoft.com/office/drawing/2010/main" xmlns="" w="9525">
+                  <a14:hiddenLine xmlns="" xmlns:a14="http://schemas.microsoft.com/office/drawing/2010/main" w="9525">
                     <a:solidFill>
                       <a:srgbClr val="000000"/>
                     </a:solidFill>
@@ -10192,7 +10397,7 @@
               </a:ln>
               <a:extLst>
                 <a:ext uri="{91240B29-F687-4f45-9708-019B960494DF}">
-                  <a14:hiddenLine xmlns:a14="http://schemas.microsoft.com/office/drawing/2010/main" xmlns="" w="9525">
+                  <a14:hiddenLine xmlns="" xmlns:a14="http://schemas.microsoft.com/office/drawing/2010/main" w="9525">
                     <a:solidFill>
                       <a:srgbClr val="000000"/>
                     </a:solidFill>
@@ -10282,7 +10487,7 @@
               </a:ln>
               <a:extLst>
                 <a:ext uri="{91240B29-F687-4f45-9708-019B960494DF}">
-                  <a14:hiddenLine xmlns:a14="http://schemas.microsoft.com/office/drawing/2010/main" xmlns="" w="9525">
+                  <a14:hiddenLine xmlns="" xmlns:a14="http://schemas.microsoft.com/office/drawing/2010/main" w="9525">
                     <a:solidFill>
                       <a:srgbClr val="000000"/>
                     </a:solidFill>
@@ -10316,7 +10521,7 @@
               </a:ln>
               <a:extLst>
                 <a:ext uri="{91240B29-F687-4f45-9708-019B960494DF}">
-                  <a14:hiddenLine xmlns:a14="http://schemas.microsoft.com/office/drawing/2010/main" xmlns="" w="9525">
+                  <a14:hiddenLine xmlns="" xmlns:a14="http://schemas.microsoft.com/office/drawing/2010/main" w="9525">
                     <a:solidFill>
                       <a:srgbClr val="000000"/>
                     </a:solidFill>
@@ -10381,7 +10586,7 @@
               </a:ln>
               <a:extLst>
                 <a:ext uri="{91240B29-F687-4f45-9708-019B960494DF}">
-                  <a14:hiddenLine xmlns:a14="http://schemas.microsoft.com/office/drawing/2010/main" xmlns="" w="9525">
+                  <a14:hiddenLine xmlns="" xmlns:a14="http://schemas.microsoft.com/office/drawing/2010/main" w="9525">
                     <a:solidFill>
                       <a:srgbClr val="000000"/>
                     </a:solidFill>
@@ -10471,7 +10676,7 @@
               </a:ln>
               <a:extLst>
                 <a:ext uri="{91240B29-F687-4f45-9708-019B960494DF}">
-                  <a14:hiddenLine xmlns:a14="http://schemas.microsoft.com/office/drawing/2010/main" xmlns="" w="9525">
+                  <a14:hiddenLine xmlns="" xmlns:a14="http://schemas.microsoft.com/office/drawing/2010/main" w="9525">
                     <a:solidFill>
                       <a:srgbClr val="000000"/>
                     </a:solidFill>
@@ -10533,7 +10738,7 @@
               </a:ln>
               <a:extLst>
                 <a:ext uri="{91240B29-F687-4f45-9708-019B960494DF}">
-                  <a14:hiddenLine xmlns:a14="http://schemas.microsoft.com/office/drawing/2010/main" xmlns="" w="9525">
+                  <a14:hiddenLine xmlns="" xmlns:a14="http://schemas.microsoft.com/office/drawing/2010/main" w="9525">
                     <a:solidFill>
                       <a:srgbClr val="000000"/>
                     </a:solidFill>
@@ -10623,7 +10828,7 @@
               </a:ln>
               <a:extLst>
                 <a:ext uri="{91240B29-F687-4f45-9708-019B960494DF}">
-                  <a14:hiddenLine xmlns:a14="http://schemas.microsoft.com/office/drawing/2010/main" xmlns="" w="9525">
+                  <a14:hiddenLine xmlns="" xmlns:a14="http://schemas.microsoft.com/office/drawing/2010/main" w="9525">
                     <a:solidFill>
                       <a:srgbClr val="000000"/>
                     </a:solidFill>
@@ -10688,7 +10893,7 @@
               </a:ln>
               <a:extLst>
                 <a:ext uri="{91240B29-F687-4f45-9708-019B960494DF}">
-                  <a14:hiddenLine xmlns:a14="http://schemas.microsoft.com/office/drawing/2010/main" xmlns="" w="9525">
+                  <a14:hiddenLine xmlns="" xmlns:a14="http://schemas.microsoft.com/office/drawing/2010/main" w="9525">
                     <a:solidFill>
                       <a:srgbClr val="000000"/>
                     </a:solidFill>
@@ -10750,7 +10955,7 @@
               </a:ln>
               <a:extLst>
                 <a:ext uri="{91240B29-F687-4f45-9708-019B960494DF}">
-                  <a14:hiddenLine xmlns:a14="http://schemas.microsoft.com/office/drawing/2010/main" xmlns="" w="9525">
+                  <a14:hiddenLine xmlns="" xmlns:a14="http://schemas.microsoft.com/office/drawing/2010/main" w="9525">
                     <a:solidFill>
                       <a:srgbClr val="000000"/>
                     </a:solidFill>
@@ -10840,7 +11045,7 @@
               </a:ln>
               <a:extLst>
                 <a:ext uri="{91240B29-F687-4f45-9708-019B960494DF}">
-                  <a14:hiddenLine xmlns:a14="http://schemas.microsoft.com/office/drawing/2010/main" xmlns="" w="9525">
+                  <a14:hiddenLine xmlns="" xmlns:a14="http://schemas.microsoft.com/office/drawing/2010/main" w="9525">
                     <a:solidFill>
                       <a:srgbClr val="000000"/>
                     </a:solidFill>
@@ -10930,7 +11135,7 @@
               </a:ln>
               <a:extLst>
                 <a:ext uri="{91240B29-F687-4f45-9708-019B960494DF}">
-                  <a14:hiddenLine xmlns:a14="http://schemas.microsoft.com/office/drawing/2010/main" xmlns="" w="9525">
+                  <a14:hiddenLine xmlns="" xmlns:a14="http://schemas.microsoft.com/office/drawing/2010/main" w="9525">
                     <a:solidFill>
                       <a:srgbClr val="000000"/>
                     </a:solidFill>
@@ -10995,7 +11200,7 @@
               </a:ln>
               <a:extLst>
                 <a:ext uri="{91240B29-F687-4f45-9708-019B960494DF}">
-                  <a14:hiddenLine xmlns:a14="http://schemas.microsoft.com/office/drawing/2010/main" xmlns="" w="9525">
+                  <a14:hiddenLine xmlns="" xmlns:a14="http://schemas.microsoft.com/office/drawing/2010/main" w="9525">
                     <a:solidFill>
                       <a:srgbClr val="000000"/>
                     </a:solidFill>
@@ -11115,7 +11320,7 @@
               </a:ln>
               <a:extLst>
                 <a:ext uri="{91240B29-F687-4f45-9708-019B960494DF}">
-                  <a14:hiddenLine xmlns:a14="http://schemas.microsoft.com/office/drawing/2010/main" xmlns="" w="9525">
+                  <a14:hiddenLine xmlns="" xmlns:a14="http://schemas.microsoft.com/office/drawing/2010/main" w="9525">
                     <a:solidFill>
                       <a:srgbClr val="000000"/>
                     </a:solidFill>
@@ -11213,7 +11418,7 @@
               </a:ln>
               <a:extLst>
                 <a:ext uri="{91240B29-F687-4f45-9708-019B960494DF}">
-                  <a14:hiddenLine xmlns:a14="http://schemas.microsoft.com/office/drawing/2010/main" xmlns="" w="9525">
+                  <a14:hiddenLine xmlns="" xmlns:a14="http://schemas.microsoft.com/office/drawing/2010/main" w="9525">
                     <a:solidFill>
                       <a:srgbClr val="000000"/>
                     </a:solidFill>
@@ -11328,7 +11533,7 @@
               </a:ln>
               <a:extLst>
                 <a:ext uri="{91240B29-F687-4f45-9708-019B960494DF}">
-                  <a14:hiddenLine xmlns:a14="http://schemas.microsoft.com/office/drawing/2010/main" xmlns="" w="9525">
+                  <a14:hiddenLine xmlns="" xmlns:a14="http://schemas.microsoft.com/office/drawing/2010/main" w="9525">
                     <a:solidFill>
                       <a:srgbClr val="000000"/>
                     </a:solidFill>
@@ -11418,7 +11623,7 @@
               </a:ln>
               <a:extLst>
                 <a:ext uri="{91240B29-F687-4f45-9708-019B960494DF}">
-                  <a14:hiddenLine xmlns:a14="http://schemas.microsoft.com/office/drawing/2010/main" xmlns="" w="9525">
+                  <a14:hiddenLine xmlns="" xmlns:a14="http://schemas.microsoft.com/office/drawing/2010/main" w="9525">
                     <a:solidFill>
                       <a:srgbClr val="000000"/>
                     </a:solidFill>
@@ -11483,7 +11688,7 @@
               </a:ln>
               <a:extLst>
                 <a:ext uri="{91240B29-F687-4f45-9708-019B960494DF}">
-                  <a14:hiddenLine xmlns:a14="http://schemas.microsoft.com/office/drawing/2010/main" xmlns="" w="9525">
+                  <a14:hiddenLine xmlns="" xmlns:a14="http://schemas.microsoft.com/office/drawing/2010/main" w="9525">
                     <a:solidFill>
                       <a:srgbClr val="000000"/>
                     </a:solidFill>
@@ -11573,7 +11778,7 @@
               </a:ln>
               <a:extLst>
                 <a:ext uri="{91240B29-F687-4f45-9708-019B960494DF}">
-                  <a14:hiddenLine xmlns:a14="http://schemas.microsoft.com/office/drawing/2010/main" xmlns="" w="9525">
+                  <a14:hiddenLine xmlns="" xmlns:a14="http://schemas.microsoft.com/office/drawing/2010/main" w="9525">
                     <a:solidFill>
                       <a:srgbClr val="000000"/>
                     </a:solidFill>
@@ -11641,7 +11846,7 @@
               </a:ln>
               <a:extLst>
                 <a:ext uri="{91240B29-F687-4f45-9708-019B960494DF}">
-                  <a14:hiddenLine xmlns:a14="http://schemas.microsoft.com/office/drawing/2010/main" xmlns="" w="9525">
+                  <a14:hiddenLine xmlns="" xmlns:a14="http://schemas.microsoft.com/office/drawing/2010/main" w="9525">
                     <a:solidFill>
                       <a:srgbClr val="000000"/>
                     </a:solidFill>
@@ -11731,7 +11936,7 @@
               </a:ln>
               <a:extLst>
                 <a:ext uri="{91240B29-F687-4f45-9708-019B960494DF}">
-                  <a14:hiddenLine xmlns:a14="http://schemas.microsoft.com/office/drawing/2010/main" xmlns="" w="9525">
+                  <a14:hiddenLine xmlns="" xmlns:a14="http://schemas.microsoft.com/office/drawing/2010/main" w="9525">
                     <a:solidFill>
                       <a:srgbClr val="000000"/>
                     </a:solidFill>
@@ -11799,7 +12004,7 @@
               </a:ln>
               <a:extLst>
                 <a:ext uri="{91240B29-F687-4f45-9708-019B960494DF}">
-                  <a14:hiddenLine xmlns:a14="http://schemas.microsoft.com/office/drawing/2010/main" xmlns="" w="9525">
+                  <a14:hiddenLine xmlns="" xmlns:a14="http://schemas.microsoft.com/office/drawing/2010/main" w="9525">
                     <a:solidFill>
                       <a:srgbClr val="000000"/>
                     </a:solidFill>
@@ -11889,7 +12094,7 @@
               </a:ln>
               <a:extLst>
                 <a:ext uri="{91240B29-F687-4f45-9708-019B960494DF}">
-                  <a14:hiddenLine xmlns:a14="http://schemas.microsoft.com/office/drawing/2010/main" xmlns="" w="9525">
+                  <a14:hiddenLine xmlns="" xmlns:a14="http://schemas.microsoft.com/office/drawing/2010/main" w="9525">
                     <a:solidFill>
                       <a:srgbClr val="000000"/>
                     </a:solidFill>
@@ -11923,7 +12128,7 @@
               </a:ln>
               <a:extLst>
                 <a:ext uri="{91240B29-F687-4f45-9708-019B960494DF}">
-                  <a14:hiddenLine xmlns:a14="http://schemas.microsoft.com/office/drawing/2010/main" xmlns="" w="9525">
+                  <a14:hiddenLine xmlns="" xmlns:a14="http://schemas.microsoft.com/office/drawing/2010/main" w="9525">
                     <a:solidFill>
                       <a:srgbClr val="000000"/>
                     </a:solidFill>
@@ -11993,35 +12198,35 @@
           <a:p>
             <a:pPr lvl="0"/>
             <a:r>
-              <a:rPr lang="en-US" smtClean="0"/>
+              <a:rPr lang="en-US"/>
               <a:t>Click to edit Master text styles</a:t>
             </a:r>
           </a:p>
           <a:p>
             <a:pPr lvl="1"/>
             <a:r>
-              <a:rPr lang="en-US" smtClean="0"/>
+              <a:rPr lang="en-US"/>
               <a:t>Second level</a:t>
             </a:r>
           </a:p>
           <a:p>
             <a:pPr lvl="2"/>
             <a:r>
-              <a:rPr lang="en-US" smtClean="0"/>
+              <a:rPr lang="en-US"/>
               <a:t>Third level</a:t>
             </a:r>
           </a:p>
           <a:p>
             <a:pPr lvl="3"/>
             <a:r>
-              <a:rPr lang="en-US" smtClean="0"/>
+              <a:rPr lang="en-US"/>
               <a:t>Fourth level</a:t>
             </a:r>
           </a:p>
           <a:p>
             <a:pPr lvl="4"/>
             <a:r>
-              <a:rPr lang="en-US" smtClean="0"/>
+              <a:rPr lang="en-US"/>
               <a:t>Fifth level</a:t>
             </a:r>
             <a:endParaRPr lang="en-US" dirty="0"/>
@@ -12063,7 +12268,7 @@
           <a:p>
             <a:fld id="{849DE176-146E-4F1E-BCCE-E46272DCA095}" type="datetimeFigureOut">
               <a:rPr lang="es-AR" smtClean="0"/>
-              <a:t>12/06/2022</a:t>
+              <a:t>11/8/2022</a:t>
             </a:fld>
             <a:endParaRPr lang="es-AR"/>
           </a:p>
@@ -12141,7 +12346,7 @@
           <a:p>
             <a:fld id="{CEFD1137-7F4D-46D2-9B0A-67C18959EDA4}" type="slidenum">
               <a:rPr lang="es-AR" smtClean="0"/>
-              <a:t>‹#›</a:t>
+              <a:t>‹Nº›</a:t>
             </a:fld>
             <a:endParaRPr lang="es-AR"/>
           </a:p>
@@ -12507,7 +12712,7 @@
           <a:p>
             <a:pPr algn="ctr"/>
             <a:r>
-              <a:rPr lang="es-AR" sz="2800" dirty="0" smtClean="0">
+              <a:rPr lang="es-AR" sz="2800" dirty="0">
                 <a:solidFill>
                   <a:schemeClr val="bg1"/>
                 </a:solidFill>
@@ -12517,7 +12722,7 @@
           </a:p>
           <a:p>
             <a:pPr algn="ctr"/>
-            <a:endParaRPr lang="es-AR" sz="2800" dirty="0" smtClean="0">
+            <a:endParaRPr lang="es-AR" sz="2800" dirty="0">
               <a:solidFill>
                 <a:schemeClr val="bg1"/>
               </a:solidFill>
@@ -12526,7 +12731,7 @@
           <a:p>
             <a:pPr algn="ctr"/>
             <a:r>
-              <a:rPr lang="es-AR" sz="2800" dirty="0" smtClean="0">
+              <a:rPr lang="es-AR" sz="2800" dirty="0">
                 <a:solidFill>
                   <a:schemeClr val="bg1"/>
                 </a:solidFill>
@@ -12536,7 +12741,7 @@
           </a:p>
           <a:p>
             <a:pPr algn="ctr"/>
-            <a:endParaRPr lang="es-AR" sz="2800" dirty="0" smtClean="0">
+            <a:endParaRPr lang="es-AR" sz="2800" dirty="0">
               <a:solidFill>
                 <a:schemeClr val="bg1"/>
               </a:solidFill>
@@ -12545,7 +12750,7 @@
           <a:p>
             <a:pPr algn="ctr"/>
             <a:r>
-              <a:rPr lang="es-AR" sz="2800" dirty="0" smtClean="0">
+              <a:rPr lang="es-AR" sz="2800" dirty="0">
                 <a:solidFill>
                   <a:schemeClr val="bg1"/>
                 </a:solidFill>
@@ -12556,7 +12761,7 @@
           <a:p>
             <a:pPr algn="ctr"/>
             <a:r>
-              <a:rPr lang="es-AR" sz="2800" dirty="0" smtClean="0">
+              <a:rPr lang="es-AR" sz="2800" dirty="0">
                 <a:solidFill>
                   <a:schemeClr val="bg1"/>
                 </a:solidFill>
@@ -12567,7 +12772,7 @@
           <a:p>
             <a:pPr algn="ctr"/>
             <a:r>
-              <a:rPr lang="es-AR" sz="2800" dirty="0" smtClean="0">
+              <a:rPr lang="es-AR" sz="2800" dirty="0">
                 <a:solidFill>
                   <a:schemeClr val="bg1"/>
                 </a:solidFill>
@@ -12773,18 +12978,13 @@
           <a:p>
             <a:pPr algn="l"/>
             <a:r>
-              <a:rPr lang="es-AR" dirty="0" smtClean="0">
+              <a:rPr lang="es-AR" dirty="0">
                 <a:solidFill>
                   <a:schemeClr val="bg1"/>
                 </a:solidFill>
               </a:rPr>
               <a:t>Docente: Dr. Ing. Marcos Uriel Maillot</a:t>
             </a:r>
-            <a:endParaRPr lang="es-AR" dirty="0">
-              <a:solidFill>
-                <a:schemeClr val="bg1"/>
-              </a:solidFill>
-            </a:endParaRPr>
           </a:p>
         </p:txBody>
       </p:sp>
@@ -12976,18 +13176,13 @@
           <a:p>
             <a:pPr algn="l"/>
             <a:r>
-              <a:rPr lang="es-AR" dirty="0" smtClean="0">
+              <a:rPr lang="es-AR" dirty="0">
                 <a:solidFill>
                   <a:schemeClr val="bg1"/>
                 </a:solidFill>
               </a:rPr>
               <a:t>Junio 2022</a:t>
             </a:r>
-            <a:endParaRPr lang="es-AR" dirty="0">
-              <a:solidFill>
-                <a:schemeClr val="bg1"/>
-              </a:solidFill>
-            </a:endParaRPr>
           </a:p>
         </p:txBody>
       </p:sp>
@@ -13184,37 +13379,8 @@
                   <a:schemeClr val="bg1"/>
                 </a:solidFill>
               </a:rPr>
-              <a:t>Carrera de Especialización en Inteligencia </a:t>
-            </a:r>
-            <a:r>
-              <a:rPr lang="es-AR" dirty="0" smtClean="0">
-                <a:solidFill>
-                  <a:schemeClr val="bg1"/>
-                </a:solidFill>
-              </a:rPr>
-              <a:t>Artificial – 4ta </a:t>
-            </a:r>
-            <a:r>
-              <a:rPr lang="es-AR" dirty="0">
-                <a:solidFill>
-                  <a:schemeClr val="bg1"/>
-                </a:solidFill>
-              </a:rPr>
-              <a:t>cohorte </a:t>
-            </a:r>
-            <a:r>
-              <a:rPr lang="es-AR" dirty="0" smtClean="0">
-                <a:solidFill>
-                  <a:schemeClr val="bg1"/>
-                </a:solidFill>
-              </a:rPr>
-              <a:t>2022</a:t>
-            </a:r>
-            <a:endParaRPr lang="es-AR" dirty="0">
-              <a:solidFill>
-                <a:schemeClr val="bg1"/>
-              </a:solidFill>
-            </a:endParaRPr>
+              <a:t>Carrera de Especialización en Inteligencia Artificial – 4ta cohorte 2022</a:t>
+            </a:r>
           </a:p>
         </p:txBody>
       </p:sp>
@@ -13228,13 +13394,6 @@
   <p:clrMapOvr>
     <a:masterClrMapping/>
   </p:clrMapOvr>
-  <p:timing>
-    <p:tnLst>
-      <p:par>
-        <p:cTn id="1" dur="indefinite" restart="never" nodeType="tmRoot"/>
-      </p:par>
-    </p:tnLst>
-  </p:timing>
 </p:sld>
 </file>
 
@@ -13454,14 +13613,14 @@
               <a:buNone/>
             </a:pPr>
             <a:r>
-              <a:rPr lang="es-AR" sz="3200" dirty="0" err="1" smtClean="0">
+              <a:rPr lang="es-AR" sz="3200" dirty="0" err="1">
                 <a:solidFill>
                   <a:schemeClr val="bg1"/>
                 </a:solidFill>
               </a:rPr>
               <a:t>Autoencoders</a:t>
             </a:r>
-            <a:endParaRPr lang="es-AR" sz="3200" dirty="0" smtClean="0">
+            <a:endParaRPr lang="es-AR" sz="3200" dirty="0">
               <a:solidFill>
                 <a:schemeClr val="bg1"/>
               </a:solidFill>
@@ -13657,7 +13816,7 @@
           <a:p>
             <a:pPr algn="l"/>
             <a:r>
-              <a:rPr lang="es-AR" sz="2800" dirty="0" smtClean="0">
+              <a:rPr lang="es-AR" sz="2800" dirty="0">
                 <a:solidFill>
                   <a:srgbClr val="FF0000"/>
                 </a:solidFill>
@@ -13665,7 +13824,7 @@
               <a:t> ver </a:t>
             </a:r>
             <a:r>
-              <a:rPr lang="es-AR" sz="2800" dirty="0" err="1" smtClean="0">
+              <a:rPr lang="es-AR" sz="2800" dirty="0" err="1">
                 <a:solidFill>
                   <a:srgbClr val="FF0000"/>
                 </a:solidFill>
@@ -13673,7 +13832,7 @@
               <a:t>github</a:t>
             </a:r>
             <a:r>
-              <a:rPr lang="es-AR" sz="2800" dirty="0" smtClean="0">
+              <a:rPr lang="es-AR" sz="2800" dirty="0">
                 <a:solidFill>
                   <a:srgbClr val="FF0000"/>
                 </a:solidFill>
@@ -13681,241 +13840,14 @@
               <a:t> </a:t>
             </a:r>
             <a:r>
-              <a:rPr lang="es-AR" sz="2800" dirty="0" err="1" smtClean="0">
+              <a:rPr lang="es-AR" sz="2800" dirty="0" err="1">
                 <a:solidFill>
                   <a:srgbClr val="FF0000"/>
                 </a:solidFill>
               </a:rPr>
               <a:t>autoencoder</a:t>
             </a:r>
-            <a:endParaRPr lang="es-AR" sz="2800" dirty="0" smtClean="0">
-              <a:solidFill>
-                <a:srgbClr val="FF0000"/>
-              </a:solidFill>
-            </a:endParaRPr>
-          </a:p>
-        </p:txBody>
-      </p:sp>
-      <p:sp>
-        <p:nvSpPr>
-          <p:cNvPr id="6" name="Subtitle 1"/>
-          <p:cNvSpPr txBox="1">
-            <a:spLocks/>
-          </p:cNvSpPr>
-          <p:nvPr/>
-        </p:nvSpPr>
-        <p:spPr>
-          <a:xfrm>
-            <a:off x="816783" y="3824995"/>
-            <a:ext cx="7103723" cy="422888"/>
-          </a:xfrm>
-          <a:prstGeom prst="rect">
-            <a:avLst/>
-          </a:prstGeom>
-        </p:spPr>
-        <p:txBody>
-          <a:bodyPr vert="horz" lIns="91440" tIns="45720" rIns="91440" bIns="45720" rtlCol="0">
-            <a:noAutofit/>
-          </a:bodyPr>
-          <a:lstStyle>
-            <a:lvl1pPr marL="0" indent="0" algn="ctr" defTabSz="914400" rtl="0" eaLnBrk="1" latinLnBrk="0" hangingPunct="1">
-              <a:lnSpc>
-                <a:spcPct val="90000"/>
-              </a:lnSpc>
-              <a:spcBef>
-                <a:spcPts val="1000"/>
-              </a:spcBef>
-              <a:buFont typeface="Arial" panose="020B0604020202020204" pitchFamily="34" charset="0"/>
-              <a:buNone/>
-              <a:defRPr sz="2400" kern="1200">
-                <a:solidFill>
-                  <a:schemeClr val="tx1"/>
-                </a:solidFill>
-                <a:latin typeface="+mn-lt"/>
-                <a:ea typeface="+mn-ea"/>
-                <a:cs typeface="+mn-cs"/>
-              </a:defRPr>
-            </a:lvl1pPr>
-            <a:lvl2pPr marL="457200" indent="0" algn="ctr" defTabSz="914400" rtl="0" eaLnBrk="1" latinLnBrk="0" hangingPunct="1">
-              <a:lnSpc>
-                <a:spcPct val="90000"/>
-              </a:lnSpc>
-              <a:spcBef>
-                <a:spcPts val="500"/>
-              </a:spcBef>
-              <a:buFont typeface="Arial" panose="020B0604020202020204" pitchFamily="34" charset="0"/>
-              <a:buNone/>
-              <a:defRPr sz="2000" kern="1200">
-                <a:solidFill>
-                  <a:schemeClr val="tx1"/>
-                </a:solidFill>
-                <a:latin typeface="+mn-lt"/>
-                <a:ea typeface="+mn-ea"/>
-                <a:cs typeface="+mn-cs"/>
-              </a:defRPr>
-            </a:lvl2pPr>
-            <a:lvl3pPr marL="914400" indent="0" algn="ctr" defTabSz="914400" rtl="0" eaLnBrk="1" latinLnBrk="0" hangingPunct="1">
-              <a:lnSpc>
-                <a:spcPct val="90000"/>
-              </a:lnSpc>
-              <a:spcBef>
-                <a:spcPts val="500"/>
-              </a:spcBef>
-              <a:buFont typeface="Arial" panose="020B0604020202020204" pitchFamily="34" charset="0"/>
-              <a:buNone/>
-              <a:defRPr sz="1800" kern="1200">
-                <a:solidFill>
-                  <a:schemeClr val="tx1"/>
-                </a:solidFill>
-                <a:latin typeface="+mn-lt"/>
-                <a:ea typeface="+mn-ea"/>
-                <a:cs typeface="+mn-cs"/>
-              </a:defRPr>
-            </a:lvl3pPr>
-            <a:lvl4pPr marL="1371600" indent="0" algn="ctr" defTabSz="914400" rtl="0" eaLnBrk="1" latinLnBrk="0" hangingPunct="1">
-              <a:lnSpc>
-                <a:spcPct val="90000"/>
-              </a:lnSpc>
-              <a:spcBef>
-                <a:spcPts val="500"/>
-              </a:spcBef>
-              <a:buFont typeface="Arial" panose="020B0604020202020204" pitchFamily="34" charset="0"/>
-              <a:buNone/>
-              <a:defRPr sz="1600" kern="1200">
-                <a:solidFill>
-                  <a:schemeClr val="tx1"/>
-                </a:solidFill>
-                <a:latin typeface="+mn-lt"/>
-                <a:ea typeface="+mn-ea"/>
-                <a:cs typeface="+mn-cs"/>
-              </a:defRPr>
-            </a:lvl4pPr>
-            <a:lvl5pPr marL="1828800" indent="0" algn="ctr" defTabSz="914400" rtl="0" eaLnBrk="1" latinLnBrk="0" hangingPunct="1">
-              <a:lnSpc>
-                <a:spcPct val="90000"/>
-              </a:lnSpc>
-              <a:spcBef>
-                <a:spcPts val="500"/>
-              </a:spcBef>
-              <a:buFont typeface="Arial" panose="020B0604020202020204" pitchFamily="34" charset="0"/>
-              <a:buNone/>
-              <a:defRPr sz="1600" kern="1200">
-                <a:solidFill>
-                  <a:schemeClr val="tx1"/>
-                </a:solidFill>
-                <a:latin typeface="+mn-lt"/>
-                <a:ea typeface="+mn-ea"/>
-                <a:cs typeface="+mn-cs"/>
-              </a:defRPr>
-            </a:lvl5pPr>
-            <a:lvl6pPr marL="2286000" indent="0" algn="ctr" defTabSz="914400" rtl="0" eaLnBrk="1" latinLnBrk="0" hangingPunct="1">
-              <a:lnSpc>
-                <a:spcPct val="90000"/>
-              </a:lnSpc>
-              <a:spcBef>
-                <a:spcPts val="500"/>
-              </a:spcBef>
-              <a:buFont typeface="Arial" panose="020B0604020202020204" pitchFamily="34" charset="0"/>
-              <a:buNone/>
-              <a:defRPr sz="1600" kern="1200">
-                <a:solidFill>
-                  <a:schemeClr val="tx1"/>
-                </a:solidFill>
-                <a:latin typeface="+mn-lt"/>
-                <a:ea typeface="+mn-ea"/>
-                <a:cs typeface="+mn-cs"/>
-              </a:defRPr>
-            </a:lvl6pPr>
-            <a:lvl7pPr marL="2743200" indent="0" algn="ctr" defTabSz="914400" rtl="0" eaLnBrk="1" latinLnBrk="0" hangingPunct="1">
-              <a:lnSpc>
-                <a:spcPct val="90000"/>
-              </a:lnSpc>
-              <a:spcBef>
-                <a:spcPts val="500"/>
-              </a:spcBef>
-              <a:buFont typeface="Arial" panose="020B0604020202020204" pitchFamily="34" charset="0"/>
-              <a:buNone/>
-              <a:defRPr sz="1600" kern="1200">
-                <a:solidFill>
-                  <a:schemeClr val="tx1"/>
-                </a:solidFill>
-                <a:latin typeface="+mn-lt"/>
-                <a:ea typeface="+mn-ea"/>
-                <a:cs typeface="+mn-cs"/>
-              </a:defRPr>
-            </a:lvl7pPr>
-            <a:lvl8pPr marL="3200400" indent="0" algn="ctr" defTabSz="914400" rtl="0" eaLnBrk="1" latinLnBrk="0" hangingPunct="1">
-              <a:lnSpc>
-                <a:spcPct val="90000"/>
-              </a:lnSpc>
-              <a:spcBef>
-                <a:spcPts val="500"/>
-              </a:spcBef>
-              <a:buFont typeface="Arial" panose="020B0604020202020204" pitchFamily="34" charset="0"/>
-              <a:buNone/>
-              <a:defRPr sz="1600" kern="1200">
-                <a:solidFill>
-                  <a:schemeClr val="tx1"/>
-                </a:solidFill>
-                <a:latin typeface="+mn-lt"/>
-                <a:ea typeface="+mn-ea"/>
-                <a:cs typeface="+mn-cs"/>
-              </a:defRPr>
-            </a:lvl8pPr>
-            <a:lvl9pPr marL="3657600" indent="0" algn="ctr" defTabSz="914400" rtl="0" eaLnBrk="1" latinLnBrk="0" hangingPunct="1">
-              <a:lnSpc>
-                <a:spcPct val="90000"/>
-              </a:lnSpc>
-              <a:spcBef>
-                <a:spcPts val="500"/>
-              </a:spcBef>
-              <a:buFont typeface="Arial" panose="020B0604020202020204" pitchFamily="34" charset="0"/>
-              <a:buNone/>
-              <a:defRPr sz="1600" kern="1200">
-                <a:solidFill>
-                  <a:schemeClr val="tx1"/>
-                </a:solidFill>
-                <a:latin typeface="+mn-lt"/>
-                <a:ea typeface="+mn-ea"/>
-                <a:cs typeface="+mn-cs"/>
-              </a:defRPr>
-            </a:lvl9pPr>
-          </a:lstStyle>
-          <a:p>
-            <a:pPr algn="l"/>
-            <a:r>
-              <a:rPr lang="es-AR" sz="2800" dirty="0" smtClean="0">
-                <a:solidFill>
-                  <a:srgbClr val="FF0000"/>
-                </a:solidFill>
-              </a:rPr>
-              <a:t> ver </a:t>
-            </a:r>
-            <a:r>
-              <a:rPr lang="es-AR" sz="2800" dirty="0" err="1" smtClean="0">
-                <a:solidFill>
-                  <a:srgbClr val="FF0000"/>
-                </a:solidFill>
-              </a:rPr>
-              <a:t>colab</a:t>
-            </a:r>
-            <a:r>
-              <a:rPr lang="es-AR" sz="2800" dirty="0" smtClean="0">
-                <a:solidFill>
-                  <a:srgbClr val="FF0000"/>
-                </a:solidFill>
-              </a:rPr>
-              <a:t> </a:t>
-            </a:r>
-            <a:r>
-              <a:rPr lang="es-AR" sz="2800" dirty="0" err="1" smtClean="0">
-                <a:solidFill>
-                  <a:srgbClr val="FF0000"/>
-                </a:solidFill>
-              </a:rPr>
-              <a:t>autoencoder</a:t>
-            </a:r>
-            <a:endParaRPr lang="es-AR" sz="2800" dirty="0" smtClean="0">
+            <a:endParaRPr lang="es-AR" sz="2800" dirty="0">
               <a:solidFill>
                 <a:srgbClr val="FF0000"/>
               </a:solidFill>
@@ -14111,7 +14043,7 @@
           <a:p>
             <a:pPr algn="l"/>
             <a:r>
-              <a:rPr lang="es-AR" sz="2800" dirty="0" smtClean="0">
+              <a:rPr lang="es-AR" sz="2800" dirty="0">
                 <a:solidFill>
                   <a:srgbClr val="FF0000"/>
                 </a:solidFill>
@@ -14119,7 +14051,7 @@
               <a:t> ver </a:t>
             </a:r>
             <a:r>
-              <a:rPr lang="es-AR" sz="2800" dirty="0" err="1" smtClean="0">
+              <a:rPr lang="es-AR" sz="2800" dirty="0" err="1">
                 <a:solidFill>
                   <a:srgbClr val="FF0000"/>
                 </a:solidFill>
@@ -14127,7 +14059,7 @@
               <a:t>colab</a:t>
             </a:r>
             <a:r>
-              <a:rPr lang="es-AR" sz="2800" dirty="0" smtClean="0">
+              <a:rPr lang="es-AR" sz="2800" dirty="0">
                 <a:solidFill>
                   <a:srgbClr val="FF0000"/>
                 </a:solidFill>
@@ -14135,14 +14067,14 @@
               <a:t> </a:t>
             </a:r>
             <a:r>
-              <a:rPr lang="es-AR" sz="2800" dirty="0" err="1" smtClean="0">
+              <a:rPr lang="es-AR" sz="2800" dirty="0" err="1">
                 <a:solidFill>
                   <a:srgbClr val="FF0000"/>
                 </a:solidFill>
               </a:rPr>
               <a:t>autoencoder_TP</a:t>
             </a:r>
-            <a:endParaRPr lang="es-AR" sz="2800" dirty="0" smtClean="0">
+            <a:endParaRPr lang="es-AR" sz="2800" dirty="0">
               <a:solidFill>
                 <a:srgbClr val="FF0000"/>
               </a:solidFill>
@@ -14160,13 +14092,6 @@
   <p:clrMapOvr>
     <a:masterClrMapping/>
   </p:clrMapOvr>
-  <p:timing>
-    <p:tnLst>
-      <p:par>
-        <p:cTn id="1" dur="indefinite" restart="never" nodeType="tmRoot"/>
-      </p:par>
-    </p:tnLst>
-  </p:timing>
 </p:sld>
 </file>
 
@@ -14374,7 +14299,7 @@
           </a:lstStyle>
           <a:p>
             <a:r>
-              <a:rPr lang="es-AR" sz="3200" b="1" dirty="0" smtClean="0">
+              <a:rPr lang="es-AR" sz="3200" b="1" dirty="0">
                 <a:solidFill>
                   <a:srgbClr val="FF0000"/>
                 </a:solidFill>
@@ -14424,13 +14349,6 @@
   <p:clrMapOvr>
     <a:masterClrMapping/>
   </p:clrMapOvr>
-  <p:timing>
-    <p:tnLst>
-      <p:par>
-        <p:cTn id="1" dur="indefinite" restart="never" nodeType="tmRoot"/>
-      </p:par>
-    </p:tnLst>
-  </p:timing>
 </p:sld>
 </file>
 
@@ -14885,7 +14803,7 @@
           <a:p>
             <a:pPr algn="l"/>
             <a:r>
-              <a:rPr lang="es-AR" sz="2800" dirty="0" err="1" smtClean="0">
+              <a:rPr lang="es-AR" sz="2800" dirty="0" err="1">
                 <a:solidFill>
                   <a:schemeClr val="bg1"/>
                 </a:solidFill>
@@ -14893,7 +14811,7 @@
               <a:t>Representation</a:t>
             </a:r>
             <a:r>
-              <a:rPr lang="es-AR" sz="2800" dirty="0" smtClean="0">
+              <a:rPr lang="es-AR" sz="2800" dirty="0">
                 <a:solidFill>
                   <a:schemeClr val="bg1"/>
                 </a:solidFill>
@@ -14901,7 +14819,7 @@
               <a:t> </a:t>
             </a:r>
             <a:r>
-              <a:rPr lang="es-AR" sz="2800" dirty="0" err="1" smtClean="0">
+              <a:rPr lang="es-AR" sz="2800" dirty="0" err="1">
                 <a:solidFill>
                   <a:schemeClr val="bg1"/>
                 </a:solidFill>
@@ -14909,7 +14827,7 @@
               <a:t>learning</a:t>
             </a:r>
             <a:r>
-              <a:rPr lang="es-AR" sz="2800" dirty="0" smtClean="0">
+              <a:rPr lang="es-AR" sz="2800" dirty="0">
                 <a:solidFill>
                   <a:schemeClr val="bg1"/>
                 </a:solidFill>
@@ -14917,7 +14835,7 @@
               <a:t> (</a:t>
             </a:r>
             <a:r>
-              <a:rPr lang="es-AR" sz="2800" dirty="0" err="1" smtClean="0">
+              <a:rPr lang="es-AR" sz="2800" dirty="0" err="1">
                 <a:solidFill>
                   <a:schemeClr val="bg1"/>
                 </a:solidFill>
@@ -14925,7 +14843,7 @@
               <a:t>featuring</a:t>
             </a:r>
             <a:r>
-              <a:rPr lang="es-AR" sz="2800" dirty="0" smtClean="0">
+              <a:rPr lang="es-AR" sz="2800" dirty="0">
                 <a:solidFill>
                   <a:schemeClr val="bg1"/>
                 </a:solidFill>
@@ -14933,7 +14851,7 @@
               <a:t> </a:t>
             </a:r>
             <a:r>
-              <a:rPr lang="es-AR" sz="2800" dirty="0" err="1" smtClean="0">
+              <a:rPr lang="es-AR" sz="2800" dirty="0" err="1">
                 <a:solidFill>
                   <a:schemeClr val="bg1"/>
                 </a:solidFill>
@@ -14941,7 +14859,7 @@
               <a:t>engineer</a:t>
             </a:r>
             <a:r>
-              <a:rPr lang="es-AR" sz="2800" dirty="0" smtClean="0">
+              <a:rPr lang="es-AR" sz="2800" dirty="0">
                 <a:solidFill>
                   <a:schemeClr val="bg1"/>
                 </a:solidFill>
@@ -14973,7 +14891,7 @@
           <a:lstStyle/>
           <a:p>
             <a:r>
-              <a:rPr lang="en-US" sz="2400" dirty="0" err="1" smtClean="0">
+              <a:rPr lang="en-US" sz="2400" dirty="0" err="1">
                 <a:solidFill>
                   <a:schemeClr val="bg1"/>
                 </a:solidFill>
@@ -14981,7 +14899,7 @@
               <a:t>Obtener</a:t>
             </a:r>
             <a:r>
-              <a:rPr lang="en-US" sz="2400" dirty="0" smtClean="0">
+              <a:rPr lang="en-US" sz="2400" dirty="0">
                 <a:solidFill>
                   <a:schemeClr val="bg1"/>
                 </a:solidFill>
@@ -14989,7 +14907,7 @@
               <a:t> </a:t>
             </a:r>
             <a:r>
-              <a:rPr lang="en-US" sz="2400" b="1" dirty="0" smtClean="0">
+              <a:rPr lang="en-US" sz="2400" b="1" dirty="0">
                 <a:solidFill>
                   <a:schemeClr val="bg1"/>
                 </a:solidFill>
@@ -14997,7 +14915,7 @@
               <a:t>features</a:t>
             </a:r>
             <a:r>
-              <a:rPr lang="en-US" sz="2400" dirty="0" smtClean="0">
+              <a:rPr lang="en-US" sz="2400" dirty="0">
                 <a:solidFill>
                   <a:schemeClr val="bg1"/>
                 </a:solidFill>
@@ -15005,7 +14923,7 @@
               <a:t> de unlabeled data </a:t>
             </a:r>
             <a:r>
-              <a:rPr lang="en-US" sz="2400" dirty="0" err="1" smtClean="0">
+              <a:rPr lang="en-US" sz="2400" dirty="0" err="1">
                 <a:solidFill>
                   <a:schemeClr val="bg1"/>
                 </a:solidFill>
@@ -15013,7 +14931,7 @@
               <a:t>siguiendo</a:t>
             </a:r>
             <a:r>
-              <a:rPr lang="en-US" sz="2400" dirty="0" smtClean="0">
+              <a:rPr lang="en-US" sz="2400" dirty="0">
                 <a:solidFill>
                   <a:schemeClr val="bg1"/>
                 </a:solidFill>
@@ -15021,7 +14939,7 @@
               <a:t> un </a:t>
             </a:r>
             <a:r>
-              <a:rPr lang="en-US" sz="2400" dirty="0" err="1" smtClean="0">
+              <a:rPr lang="en-US" sz="2400" dirty="0" err="1">
                 <a:solidFill>
                   <a:schemeClr val="bg1"/>
                 </a:solidFill>
@@ -15029,7 +14947,7 @@
               <a:t>entrenamiento</a:t>
             </a:r>
             <a:r>
-              <a:rPr lang="en-US" sz="2400" dirty="0" smtClean="0">
+              <a:rPr lang="en-US" sz="2400" dirty="0">
                 <a:solidFill>
                   <a:schemeClr val="bg1"/>
                 </a:solidFill>
@@ -15037,7 +14955,7 @@
               <a:t> </a:t>
             </a:r>
             <a:r>
-              <a:rPr lang="en-US" sz="2400" dirty="0" err="1" smtClean="0">
+              <a:rPr lang="en-US" sz="2400" dirty="0" err="1">
                 <a:solidFill>
                   <a:schemeClr val="bg1"/>
                 </a:solidFill>
@@ -15045,7 +14963,7 @@
               <a:t>supervisado</a:t>
             </a:r>
             <a:r>
-              <a:rPr lang="en-US" sz="2400" dirty="0" smtClean="0">
+              <a:rPr lang="en-US" sz="2400" dirty="0">
                 <a:solidFill>
                   <a:schemeClr val="bg1"/>
                 </a:solidFill>
@@ -15053,7 +14971,7 @@
               <a:t> </a:t>
             </a:r>
             <a:r>
-              <a:rPr lang="en-US" sz="2400" dirty="0" err="1" smtClean="0">
+              <a:rPr lang="en-US" sz="2400" dirty="0" err="1">
                 <a:solidFill>
                   <a:schemeClr val="bg1"/>
                 </a:solidFill>
@@ -15061,7 +14979,7 @@
               <a:t>bajo</a:t>
             </a:r>
             <a:r>
-              <a:rPr lang="en-US" sz="2400" dirty="0" smtClean="0">
+              <a:rPr lang="en-US" sz="2400" dirty="0">
                 <a:solidFill>
                   <a:schemeClr val="bg1"/>
                 </a:solidFill>
@@ -15069,7 +14987,7 @@
               <a:t> </a:t>
             </a:r>
             <a:r>
-              <a:rPr lang="en-US" sz="2400" dirty="0" err="1" smtClean="0">
+              <a:rPr lang="en-US" sz="2400" dirty="0" err="1">
                 <a:solidFill>
                   <a:schemeClr val="bg1"/>
                 </a:solidFill>
@@ -15077,7 +14995,7 @@
               <a:t>una</a:t>
             </a:r>
             <a:r>
-              <a:rPr lang="en-US" sz="2400" dirty="0" smtClean="0">
+              <a:rPr lang="en-US" sz="2400" dirty="0">
                 <a:solidFill>
                   <a:schemeClr val="bg1"/>
                 </a:solidFill>
@@ -15085,7 +15003,7 @@
               <a:t> NN </a:t>
             </a:r>
             <a:r>
-              <a:rPr lang="en-US" sz="2400" dirty="0" err="1" smtClean="0">
+              <a:rPr lang="en-US" sz="2400" dirty="0" err="1">
                 <a:solidFill>
                   <a:schemeClr val="bg1"/>
                 </a:solidFill>
@@ -15098,18 +15016,10 @@
                   <a:schemeClr val="bg1"/>
                 </a:solidFill>
               </a:rPr>
-              <a:t> </a:t>
-            </a:r>
-            <a:r>
-              <a:rPr lang="en-US" sz="2400" dirty="0" smtClean="0">
-                <a:solidFill>
-                  <a:schemeClr val="bg1"/>
-                </a:solidFill>
-              </a:rPr>
-              <a:t>(</a:t>
-            </a:r>
-            <a:r>
-              <a:rPr lang="en-US" sz="2400" dirty="0" err="1" smtClean="0">
+              <a:t> (</a:t>
+            </a:r>
+            <a:r>
+              <a:rPr lang="en-US" sz="2400" dirty="0" err="1">
                 <a:solidFill>
                   <a:schemeClr val="bg1"/>
                 </a:solidFill>
@@ -15122,18 +15032,10 @@
                   <a:schemeClr val="bg1"/>
                 </a:solidFill>
               </a:rPr>
-              <a:t> </a:t>
-            </a:r>
-            <a:r>
-              <a:rPr lang="en-US" sz="2400" dirty="0" smtClean="0">
-                <a:solidFill>
-                  <a:schemeClr val="bg1"/>
-                </a:solidFill>
-              </a:rPr>
-              <a:t>o </a:t>
-            </a:r>
-            <a:r>
-              <a:rPr lang="en-US" sz="2400" dirty="0" err="1" smtClean="0">
+              <a:t> o </a:t>
+            </a:r>
+            <a:r>
+              <a:rPr lang="en-US" sz="2400" dirty="0" err="1">
                 <a:solidFill>
                   <a:schemeClr val="bg1"/>
                 </a:solidFill>
@@ -15141,7 +15043,7 @@
               <a:t>semejantes</a:t>
             </a:r>
             <a:r>
-              <a:rPr lang="en-US" sz="2400" dirty="0" smtClean="0">
+              <a:rPr lang="en-US" sz="2400" dirty="0">
                 <a:solidFill>
                   <a:schemeClr val="bg1"/>
                 </a:solidFill>
@@ -15158,7 +15060,7 @@
           </a:p>
           <a:p>
             <a:r>
-              <a:rPr lang="en-US" sz="2400" dirty="0" smtClean="0">
+              <a:rPr lang="en-US" sz="2400" dirty="0">
                 <a:solidFill>
                   <a:schemeClr val="bg1"/>
                 </a:solidFill>
@@ -15166,7 +15068,7 @@
               <a:t>+ </a:t>
             </a:r>
             <a:r>
-              <a:rPr lang="en-US" sz="2400" dirty="0" err="1" smtClean="0">
+              <a:rPr lang="en-US" sz="2400" dirty="0" err="1">
                 <a:solidFill>
                   <a:schemeClr val="bg1"/>
                 </a:solidFill>
@@ -15174,7 +15076,7 @@
               <a:t>Reducción</a:t>
             </a:r>
             <a:r>
-              <a:rPr lang="en-US" sz="2400" dirty="0" smtClean="0">
+              <a:rPr lang="en-US" sz="2400" dirty="0">
                 <a:solidFill>
                   <a:schemeClr val="bg1"/>
                 </a:solidFill>
@@ -15184,7 +15086,7 @@
           </a:p>
           <a:p>
             <a:r>
-              <a:rPr lang="en-US" sz="2400" dirty="0" smtClean="0">
+              <a:rPr lang="en-US" sz="2400" dirty="0">
                 <a:solidFill>
                   <a:schemeClr val="bg1"/>
                 </a:solidFill>
@@ -15192,7 +15094,7 @@
               <a:t>+ </a:t>
             </a:r>
             <a:r>
-              <a:rPr lang="en-US" sz="2400" dirty="0" err="1" smtClean="0">
+              <a:rPr lang="en-US" sz="2400" dirty="0" err="1">
                 <a:solidFill>
                   <a:schemeClr val="bg1"/>
                 </a:solidFill>
@@ -15200,7 +15102,7 @@
               <a:t>Encontrar</a:t>
             </a:r>
             <a:r>
-              <a:rPr lang="en-US" sz="2400" dirty="0" smtClean="0">
+              <a:rPr lang="en-US" sz="2400" dirty="0">
                 <a:solidFill>
                   <a:schemeClr val="bg1"/>
                 </a:solidFill>
@@ -15331,7 +15233,7 @@
               <a:tabLst/>
             </a:pPr>
             <a:r>
-              <a:rPr lang="es-AR" sz="2000" dirty="0" smtClean="0">
+              <a:rPr lang="es-AR" sz="2000" dirty="0">
                 <a:solidFill>
                   <a:schemeClr val="bg1"/>
                 </a:solidFill>
@@ -15357,7 +15259,7 @@
               <a:tabLst/>
             </a:pPr>
             <a:r>
-              <a:rPr lang="es-AR" sz="2000" dirty="0" err="1" smtClean="0">
+              <a:rPr lang="es-AR" sz="2000" dirty="0" err="1">
                 <a:solidFill>
                   <a:schemeClr val="bg1"/>
                 </a:solidFill>
@@ -15370,15 +15272,7 @@
                   <a:schemeClr val="bg1"/>
                 </a:solidFill>
               </a:rPr>
-              <a:t> </a:t>
-            </a:r>
-            <a:r>
-              <a:rPr lang="es-AR" sz="2000" dirty="0" smtClean="0">
-                <a:solidFill>
-                  <a:schemeClr val="bg1"/>
-                </a:solidFill>
-              </a:rPr>
-              <a:t>lógicos (auto &gt; bicicleta?)</a:t>
+              <a:t> lógicos (auto &gt; bicicleta?)</a:t>
             </a:r>
           </a:p>
           <a:p>
@@ -15399,7 +15293,7 @@
               <a:tabLst/>
             </a:pPr>
             <a:r>
-              <a:rPr lang="es-AR" sz="2000" dirty="0" smtClean="0">
+              <a:rPr lang="es-AR" sz="2000" dirty="0">
                 <a:solidFill>
                   <a:schemeClr val="bg1"/>
                 </a:solidFill>
@@ -15430,21 +15324,8 @@
                   <a:schemeClr val="bg1"/>
                 </a:solidFill>
               </a:rPr>
-              <a:t>P</a:t>
-            </a:r>
-            <a:r>
-              <a:rPr lang="es-AR" sz="2000" dirty="0" smtClean="0">
-                <a:solidFill>
-                  <a:schemeClr val="bg1"/>
-                </a:solidFill>
-              </a:rPr>
-              <a:t>royecciones o multiplicaciones</a:t>
-            </a:r>
-            <a:endParaRPr lang="es-AR" sz="2000" dirty="0">
-              <a:solidFill>
-                <a:schemeClr val="bg1"/>
-              </a:solidFill>
-            </a:endParaRPr>
+              <a:t>Proyecciones o multiplicaciones</a:t>
+            </a:r>
           </a:p>
         </p:txBody>
       </p:sp>
@@ -15548,7 +15429,7 @@
           <a:lstStyle/>
           <a:p>
             <a:r>
-              <a:rPr lang="en-US" sz="2800" dirty="0" smtClean="0">
+              <a:rPr lang="en-US" sz="2800" dirty="0">
                 <a:solidFill>
                   <a:srgbClr val="FF0000"/>
                 </a:solidFill>
@@ -15556,7 +15437,7 @@
               <a:t>Se reduce la </a:t>
             </a:r>
             <a:r>
-              <a:rPr lang="en-US" sz="2800" dirty="0" err="1" smtClean="0">
+              <a:rPr lang="en-US" sz="2800" dirty="0" err="1">
                 <a:solidFill>
                   <a:srgbClr val="FF0000"/>
                 </a:solidFill>
@@ -15564,7 +15445,7 @@
               <a:t>complejidad</a:t>
             </a:r>
             <a:r>
-              <a:rPr lang="en-US" sz="2800" dirty="0" smtClean="0">
+              <a:rPr lang="en-US" sz="2800" dirty="0">
                 <a:solidFill>
                   <a:srgbClr val="FF0000"/>
                 </a:solidFill>
@@ -15572,7 +15453,7 @@
               <a:t> del dataset </a:t>
             </a:r>
             <a:r>
-              <a:rPr lang="en-US" sz="2800" dirty="0" smtClean="0">
+              <a:rPr lang="en-US" sz="2800" dirty="0">
                 <a:solidFill>
                   <a:srgbClr val="FF0000"/>
                 </a:solidFill>
@@ -15581,7 +15462,7 @@
               <a:t> se </a:t>
             </a:r>
             <a:r>
-              <a:rPr lang="en-US" sz="2800" dirty="0" err="1" smtClean="0">
+              <a:rPr lang="en-US" sz="2800" dirty="0" err="1">
                 <a:solidFill>
                   <a:srgbClr val="FF0000"/>
                 </a:solidFill>
@@ -15590,7 +15471,7 @@
               <a:t>reducen</a:t>
             </a:r>
             <a:r>
-              <a:rPr lang="en-US" sz="2800" dirty="0" smtClean="0">
+              <a:rPr lang="en-US" sz="2800" dirty="0">
                 <a:solidFill>
                   <a:srgbClr val="FF0000"/>
                 </a:solidFill>
@@ -15599,7 +15480,7 @@
               <a:t> </a:t>
             </a:r>
             <a:r>
-              <a:rPr lang="en-US" sz="2800" dirty="0" err="1" smtClean="0">
+              <a:rPr lang="en-US" sz="2800" dirty="0" err="1">
                 <a:solidFill>
                   <a:srgbClr val="FF0000"/>
                 </a:solidFill>
@@ -15608,7 +15489,7 @@
               <a:t>las</a:t>
             </a:r>
             <a:r>
-              <a:rPr lang="en-US" sz="2800" dirty="0" smtClean="0">
+              <a:rPr lang="en-US" sz="2800" dirty="0">
                 <a:solidFill>
                   <a:srgbClr val="FF0000"/>
                 </a:solidFill>
@@ -15617,7 +15498,7 @@
               <a:t> </a:t>
             </a:r>
             <a:r>
-              <a:rPr lang="en-US" sz="2800" dirty="0" err="1" smtClean="0">
+              <a:rPr lang="en-US" sz="2800" dirty="0" err="1">
                 <a:solidFill>
                   <a:srgbClr val="FF0000"/>
                 </a:solidFill>
@@ -15626,7 +15507,7 @@
               <a:t>anomalias</a:t>
             </a:r>
             <a:r>
-              <a:rPr lang="en-US" sz="2800" dirty="0" smtClean="0">
+              <a:rPr lang="en-US" sz="2800" dirty="0">
                 <a:solidFill>
                   <a:srgbClr val="FF0000"/>
                 </a:solidFill>
@@ -15635,7 +15516,7 @@
               <a:t> y el </a:t>
             </a:r>
             <a:r>
-              <a:rPr lang="en-US" sz="2800" dirty="0" err="1" smtClean="0">
+              <a:rPr lang="en-US" sz="2800" dirty="0" err="1">
                 <a:solidFill>
                   <a:srgbClr val="FF0000"/>
                 </a:solidFill>
@@ -15659,8 +15540,8 @@
         </p:nvSpPr>
         <p:spPr>
           <a:xfrm>
-            <a:off x="7152394" y="4047845"/>
-            <a:ext cx="3924472" cy="369332"/>
+            <a:off x="7118795" y="3882964"/>
+            <a:ext cx="3556486" cy="400110"/>
           </a:xfrm>
           <a:prstGeom prst="rect">
             <a:avLst/>
@@ -15673,7 +15554,7 @@
           <a:lstStyle/>
           <a:p>
             <a:r>
-              <a:rPr lang="en-US" dirty="0" err="1" smtClean="0">
+              <a:rPr lang="en-US" sz="2000" dirty="0" err="1">
                 <a:solidFill>
                   <a:srgbClr val="FF0000"/>
                 </a:solidFill>
@@ -15681,7 +15562,7 @@
               <a:t>Hacemos</a:t>
             </a:r>
             <a:r>
-              <a:rPr lang="en-US" dirty="0" smtClean="0">
+              <a:rPr lang="en-US" sz="2000" dirty="0">
                 <a:solidFill>
                   <a:srgbClr val="FF0000"/>
                 </a:solidFill>
@@ -15689,7 +15570,7 @@
               <a:t> </a:t>
             </a:r>
             <a:r>
-              <a:rPr lang="en-US" dirty="0" err="1" smtClean="0">
+              <a:rPr lang="en-US" sz="2000" dirty="0" err="1">
                 <a:solidFill>
                   <a:srgbClr val="FF0000"/>
                 </a:solidFill>
@@ -15697,7 +15578,7 @@
               <a:t>operaciones</a:t>
             </a:r>
             <a:r>
-              <a:rPr lang="en-US" dirty="0" smtClean="0">
+              <a:rPr lang="en-US" sz="2000" dirty="0">
                 <a:solidFill>
                   <a:srgbClr val="FF0000"/>
                 </a:solidFill>
@@ -15705,7 +15586,7 @@
               <a:t> </a:t>
             </a:r>
             <a:r>
-              <a:rPr lang="en-US" dirty="0" err="1" smtClean="0">
+              <a:rPr lang="en-US" sz="2000" dirty="0" err="1">
                 <a:solidFill>
                   <a:srgbClr val="FF0000"/>
                 </a:solidFill>
@@ -15713,7 +15594,7 @@
               <a:t>sobre</a:t>
             </a:r>
             <a:r>
-              <a:rPr lang="en-US" dirty="0" smtClean="0">
+              <a:rPr lang="en-US" sz="2000" dirty="0">
                 <a:solidFill>
                   <a:srgbClr val="FF0000"/>
                 </a:solidFill>
@@ -15721,14 +15602,14 @@
               <a:t> </a:t>
             </a:r>
             <a:r>
-              <a:rPr lang="en-US" dirty="0" err="1" smtClean="0">
+              <a:rPr lang="en-US" sz="2000" dirty="0" err="1">
                 <a:solidFill>
                   <a:srgbClr val="FF0000"/>
                 </a:solidFill>
               </a:rPr>
               <a:t>ellos</a:t>
             </a:r>
-            <a:endParaRPr lang="es-AR" dirty="0"/>
+            <a:endParaRPr lang="es-AR" sz="2000" dirty="0"/>
           </a:p>
         </p:txBody>
       </p:sp>
@@ -15742,13 +15623,6 @@
   <p:clrMapOvr>
     <a:masterClrMapping/>
   </p:clrMapOvr>
-  <p:timing>
-    <p:tnLst>
-      <p:par>
-        <p:cTn id="1" dur="indefinite" restart="never" nodeType="tmRoot"/>
-      </p:par>
-    </p:tnLst>
-  </p:timing>
 </p:sld>
 </file>
 
@@ -16203,7 +16077,7 @@
           <a:p>
             <a:pPr algn="l"/>
             <a:r>
-              <a:rPr lang="es-AR" sz="2800" dirty="0" err="1" smtClean="0">
+              <a:rPr lang="es-AR" sz="2800" dirty="0" err="1">
                 <a:solidFill>
                   <a:schemeClr val="bg1"/>
                 </a:solidFill>
@@ -16211,7 +16085,7 @@
               <a:t>Representation</a:t>
             </a:r>
             <a:r>
-              <a:rPr lang="es-AR" sz="2800" dirty="0" smtClean="0">
+              <a:rPr lang="es-AR" sz="2800" dirty="0">
                 <a:solidFill>
                   <a:schemeClr val="bg1"/>
                 </a:solidFill>
@@ -16219,14 +16093,14 @@
               <a:t> </a:t>
             </a:r>
             <a:r>
-              <a:rPr lang="es-AR" sz="2800" dirty="0" err="1" smtClean="0">
+              <a:rPr lang="es-AR" sz="2800" dirty="0" err="1">
                 <a:solidFill>
                   <a:schemeClr val="bg1"/>
                 </a:solidFill>
               </a:rPr>
               <a:t>learning</a:t>
             </a:r>
-            <a:endParaRPr lang="es-AR" sz="2800" dirty="0" smtClean="0">
+            <a:endParaRPr lang="es-AR" sz="2800" dirty="0">
               <a:solidFill>
                 <a:schemeClr val="bg1"/>
               </a:solidFill>
@@ -16273,7 +16147,7 @@
         <p:spPr>
           <a:xfrm>
             <a:off x="352840" y="4668025"/>
-            <a:ext cx="5429774" cy="1754326"/>
+            <a:ext cx="5173317" cy="1477328"/>
           </a:xfrm>
           <a:prstGeom prst="rect">
             <a:avLst/>
@@ -16286,7 +16160,7 @@
           <a:lstStyle/>
           <a:p>
             <a:r>
-              <a:rPr lang="es-AR" dirty="0" smtClean="0">
+              <a:rPr lang="es-AR" dirty="0">
                 <a:solidFill>
                   <a:schemeClr val="bg1"/>
                 </a:solidFill>
@@ -16295,7 +16169,7 @@
             </a:r>
           </a:p>
           <a:p>
-            <a:endParaRPr lang="es-AR" dirty="0" smtClean="0">
+            <a:endParaRPr lang="es-AR" dirty="0">
               <a:solidFill>
                 <a:schemeClr val="bg1"/>
               </a:solidFill>
@@ -16303,7 +16177,7 @@
           </a:p>
           <a:p>
             <a:r>
-              <a:rPr lang="es-AR" dirty="0" smtClean="0">
+              <a:rPr lang="es-AR" dirty="0">
                 <a:solidFill>
                   <a:schemeClr val="bg1"/>
                 </a:solidFill>
@@ -16311,7 +16185,7 @@
               <a:t>Con </a:t>
             </a:r>
             <a:r>
-              <a:rPr lang="es-AR" dirty="0" err="1" smtClean="0">
+              <a:rPr lang="es-AR" dirty="0" err="1">
                 <a:solidFill>
                   <a:schemeClr val="bg1"/>
                 </a:solidFill>
@@ -16319,18 +16193,13 @@
               <a:t>features</a:t>
             </a:r>
             <a:r>
-              <a:rPr lang="es-AR" dirty="0" smtClean="0">
+              <a:rPr lang="es-AR" dirty="0">
                 <a:solidFill>
                   <a:schemeClr val="bg1"/>
                 </a:solidFill>
               </a:rPr>
               <a:t> correctos, las tarea de la red puede ser mejor alcanzada. </a:t>
             </a:r>
-            <a:endParaRPr lang="es-AR" dirty="0">
-              <a:solidFill>
-                <a:schemeClr val="bg1"/>
-              </a:solidFill>
-            </a:endParaRPr>
           </a:p>
         </p:txBody>
       </p:sp>
@@ -16342,8 +16211,8 @@
         </p:nvSpPr>
         <p:spPr>
           <a:xfrm>
-            <a:off x="5679583" y="4945024"/>
-            <a:ext cx="6324192" cy="1200329"/>
+            <a:off x="5679583" y="4668025"/>
+            <a:ext cx="6159577" cy="1200329"/>
           </a:xfrm>
           <a:prstGeom prst="rect">
             <a:avLst/>
@@ -16356,43 +16225,22 @@
           <a:lstStyle/>
           <a:p>
             <a:r>
-              <a:rPr lang="en-US" b="1" dirty="0" smtClean="0">
-                <a:solidFill>
-                  <a:schemeClr val="bg1"/>
-                </a:solidFill>
-              </a:rPr>
-              <a:t>When </a:t>
-            </a:r>
-            <a:r>
               <a:rPr lang="en-US" b="1" dirty="0">
                 <a:solidFill>
                   <a:schemeClr val="bg1"/>
                 </a:solidFill>
               </a:rPr>
-              <a:t>the learned features are passed into the supervised learning algorithm, it can improve the prediction accuracy up to 17%. </a:t>
-            </a:r>
-            <a:endParaRPr lang="en-US" b="1" dirty="0" smtClean="0">
-              <a:solidFill>
-                <a:schemeClr val="bg1"/>
-              </a:solidFill>
-            </a:endParaRPr>
+              <a:t>When the learned features are passed into the supervised learning algorithm, it can improve the prediction accuracy up to 17%. </a:t>
+            </a:r>
           </a:p>
           <a:p>
             <a:r>
-              <a:rPr lang="en-US" dirty="0" smtClean="0">
-                <a:solidFill>
-                  <a:schemeClr val="bg1"/>
-                </a:solidFill>
-              </a:rPr>
-              <a:t>[https</a:t>
-            </a:r>
-            <a:r>
               <a:rPr lang="en-US" dirty="0">
                 <a:solidFill>
                   <a:schemeClr val="bg1"/>
                 </a:solidFill>
               </a:rPr>
-              <a:t>://dl.acm.org/doi/10.1145/3303772.3303795].</a:t>
+              <a:t>[https://dl.acm.org/doi/10.1145/3303772.3303795].</a:t>
             </a:r>
             <a:r>
               <a:rPr lang="en-US" b="1" dirty="0">
@@ -16420,13 +16268,6 @@
   <p:clrMapOvr>
     <a:masterClrMapping/>
   </p:clrMapOvr>
-  <p:timing>
-    <p:tnLst>
-      <p:par>
-        <p:cTn id="1" dur="indefinite" restart="never" nodeType="tmRoot"/>
-      </p:par>
-    </p:tnLst>
-  </p:timing>
 </p:sld>
 </file>
 
@@ -16678,7 +16519,7 @@
               <a:t> / </a:t>
             </a:r>
             <a:r>
-              <a:rPr lang="es-AR" sz="3200" dirty="0" err="1" smtClean="0">
+              <a:rPr lang="es-AR" sz="3200" dirty="0" err="1">
                 <a:solidFill>
                   <a:schemeClr val="bg1"/>
                 </a:solidFill>
@@ -16881,7 +16722,7 @@
           <a:p>
             <a:pPr algn="l"/>
             <a:r>
-              <a:rPr lang="es-AR" sz="2800" b="1" dirty="0" err="1" smtClean="0">
+              <a:rPr lang="es-AR" sz="2800" b="1" dirty="0" err="1">
                 <a:solidFill>
                   <a:schemeClr val="bg1"/>
                 </a:solidFill>
@@ -16889,7 +16730,7 @@
               <a:t>Embeddings</a:t>
             </a:r>
             <a:r>
-              <a:rPr lang="es-AR" sz="2800" dirty="0" smtClean="0">
+              <a:rPr lang="es-AR" sz="2800" dirty="0">
                 <a:solidFill>
                   <a:schemeClr val="bg1"/>
                 </a:solidFill>
@@ -16897,7 +16738,7 @@
               <a:t> </a:t>
             </a:r>
             <a:r>
-              <a:rPr lang="es-AR" sz="2800" dirty="0" smtClean="0">
+              <a:rPr lang="es-AR" sz="2800" dirty="0">
                 <a:solidFill>
                   <a:schemeClr val="bg1"/>
                 </a:solidFill>
@@ -16918,7 +16759,7 @@
           <a:p>
             <a:pPr algn="l"/>
             <a:r>
-              <a:rPr lang="es-AR" sz="2800" dirty="0" smtClean="0">
+              <a:rPr lang="es-AR" sz="2800" dirty="0">
                 <a:solidFill>
                   <a:schemeClr val="bg1"/>
                 </a:solidFill>
@@ -16927,7 +16768,7 @@
               <a:t>Se crean ad-hoc o dentro del </a:t>
             </a:r>
             <a:r>
-              <a:rPr lang="es-AR" sz="2800" dirty="0" err="1" smtClean="0">
+              <a:rPr lang="es-AR" sz="2800" dirty="0" err="1">
                 <a:solidFill>
                   <a:schemeClr val="bg1"/>
                 </a:solidFill>
@@ -16936,7 +16777,7 @@
               <a:t>frame</a:t>
             </a:r>
             <a:r>
-              <a:rPr lang="es-AR" sz="2800" dirty="0" smtClean="0">
+              <a:rPr lang="es-AR" sz="2800" dirty="0">
                 <a:solidFill>
                   <a:schemeClr val="bg1"/>
                 </a:solidFill>
@@ -16957,7 +16798,7 @@
           <a:p>
             <a:pPr algn="l"/>
             <a:r>
-              <a:rPr lang="es-AR" sz="2800" dirty="0" smtClean="0">
+              <a:rPr lang="es-AR" sz="2800" dirty="0">
                 <a:solidFill>
                   <a:schemeClr val="bg1"/>
                 </a:solidFill>
@@ -16966,7 +16807,7 @@
               <a:t>Cada palabra es representada por un vector N-dimensional en un sub-espacio </a:t>
             </a:r>
             <a:r>
-              <a:rPr lang="es-AR" sz="2800" dirty="0" err="1" smtClean="0">
+              <a:rPr lang="es-AR" sz="2800" dirty="0" err="1">
                 <a:solidFill>
                   <a:schemeClr val="bg1"/>
                 </a:solidFill>
@@ -16975,7 +16816,7 @@
               <a:t>contínuo</a:t>
             </a:r>
             <a:r>
-              <a:rPr lang="es-AR" sz="2800" dirty="0" smtClean="0">
+              <a:rPr lang="es-AR" sz="2800" dirty="0">
                 <a:solidFill>
                   <a:schemeClr val="bg1"/>
                 </a:solidFill>
@@ -16984,7 +16825,7 @@
               <a:t> (en el </a:t>
             </a:r>
             <a:r>
-              <a:rPr lang="es-AR" sz="2800" dirty="0" err="1" smtClean="0">
+              <a:rPr lang="es-AR" sz="2800" dirty="0" err="1">
                 <a:solidFill>
                   <a:schemeClr val="bg1"/>
                 </a:solidFill>
@@ -16993,61 +16834,13 @@
               <a:t>embedding</a:t>
             </a:r>
             <a:r>
-              <a:rPr lang="es-AR" sz="2800" dirty="0" smtClean="0">
+              <a:rPr lang="es-AR" sz="2800" dirty="0">
                 <a:solidFill>
                   <a:schemeClr val="bg1"/>
                 </a:solidFill>
                 <a:sym typeface="Wingdings" panose="05000000000000000000" pitchFamily="2" charset="2"/>
               </a:rPr>
               <a:t>)</a:t>
-            </a:r>
-          </a:p>
-          <a:p>
-            <a:pPr algn="l"/>
-            <a:endParaRPr lang="es-AR" sz="2800" dirty="0" smtClean="0">
-              <a:solidFill>
-                <a:schemeClr val="bg1"/>
-              </a:solidFill>
-              <a:sym typeface="Wingdings" panose="05000000000000000000" pitchFamily="2" charset="2"/>
-            </a:endParaRPr>
-          </a:p>
-          <a:p>
-            <a:pPr algn="l"/>
-            <a:endParaRPr lang="es-AR" sz="2800" dirty="0" smtClean="0">
-              <a:solidFill>
-                <a:schemeClr val="bg1"/>
-              </a:solidFill>
-              <a:sym typeface="Wingdings" panose="05000000000000000000" pitchFamily="2" charset="2"/>
-            </a:endParaRPr>
-          </a:p>
-          <a:p>
-            <a:pPr algn="l"/>
-            <a:r>
-              <a:rPr lang="es-AR" sz="2800" dirty="0">
-                <a:solidFill>
-                  <a:schemeClr val="bg1"/>
-                </a:solidFill>
-                <a:sym typeface="Wingdings" panose="05000000000000000000" pitchFamily="2" charset="2"/>
-              </a:rPr>
-              <a:t>La posición que toma cada palabra (input del </a:t>
-            </a:r>
-            <a:r>
-              <a:rPr lang="es-AR" sz="2800" dirty="0" err="1">
-                <a:solidFill>
-                  <a:schemeClr val="bg1"/>
-                </a:solidFill>
-                <a:sym typeface="Wingdings" panose="05000000000000000000" pitchFamily="2" charset="2"/>
-              </a:rPr>
-              <a:t>embedding</a:t>
-            </a:r>
-            <a:r>
-              <a:rPr lang="es-AR" sz="2800" dirty="0">
-                <a:solidFill>
-                  <a:schemeClr val="bg1"/>
-                </a:solidFill>
-                <a:sym typeface="Wingdings" panose="05000000000000000000" pitchFamily="2" charset="2"/>
-              </a:rPr>
-              <a:t>) se aprende a partir de su entorno.</a:t>
             </a:r>
           </a:p>
           <a:p>
@@ -17061,7 +16854,55 @@
           </a:p>
           <a:p>
             <a:pPr algn="l"/>
-            <a:endParaRPr lang="es-AR" sz="2800" dirty="0" smtClean="0">
+            <a:endParaRPr lang="es-AR" sz="2800" dirty="0">
+              <a:solidFill>
+                <a:schemeClr val="bg1"/>
+              </a:solidFill>
+              <a:sym typeface="Wingdings" panose="05000000000000000000" pitchFamily="2" charset="2"/>
+            </a:endParaRPr>
+          </a:p>
+          <a:p>
+            <a:pPr algn="l"/>
+            <a:r>
+              <a:rPr lang="es-AR" sz="2800" dirty="0">
+                <a:solidFill>
+                  <a:schemeClr val="bg1"/>
+                </a:solidFill>
+                <a:sym typeface="Wingdings" panose="05000000000000000000" pitchFamily="2" charset="2"/>
+              </a:rPr>
+              <a:t>La posición que toma cada palabra (input del </a:t>
+            </a:r>
+            <a:r>
+              <a:rPr lang="es-AR" sz="2800" dirty="0" err="1">
+                <a:solidFill>
+                  <a:schemeClr val="bg1"/>
+                </a:solidFill>
+                <a:sym typeface="Wingdings" panose="05000000000000000000" pitchFamily="2" charset="2"/>
+              </a:rPr>
+              <a:t>embedding</a:t>
+            </a:r>
+            <a:r>
+              <a:rPr lang="es-AR" sz="2800" dirty="0">
+                <a:solidFill>
+                  <a:schemeClr val="bg1"/>
+                </a:solidFill>
+                <a:sym typeface="Wingdings" panose="05000000000000000000" pitchFamily="2" charset="2"/>
+              </a:rPr>
+              <a:t>) se aprende a partir de su entorno.</a:t>
+            </a:r>
+          </a:p>
+          <a:p>
+            <a:pPr algn="l"/>
+            <a:endParaRPr lang="es-AR" sz="2800" dirty="0">
+              <a:solidFill>
+                <a:schemeClr val="bg1"/>
+              </a:solidFill>
+              <a:sym typeface="Wingdings" panose="05000000000000000000" pitchFamily="2" charset="2"/>
+            </a:endParaRPr>
+          </a:p>
+          <a:p>
+            <a:pPr algn="l"/>
+            <a:endParaRPr lang="es-AR" sz="2800" dirty="0">
               <a:solidFill>
                 <a:schemeClr val="bg1"/>
               </a:solidFill>
@@ -17257,7 +17098,7 @@
           <a:p>
             <a:pPr algn="l"/>
             <a:r>
-              <a:rPr lang="es-AR" sz="2800" b="1" dirty="0" smtClean="0">
+              <a:rPr lang="es-AR" sz="2800" b="1" dirty="0">
                 <a:solidFill>
                   <a:schemeClr val="bg1"/>
                 </a:solidFill>
@@ -17265,7 +17106,7 @@
               <a:t>Perro </a:t>
             </a:r>
             <a:r>
-              <a:rPr lang="es-AR" sz="2800" b="1" dirty="0" smtClean="0">
+              <a:rPr lang="es-AR" sz="2800" b="1" dirty="0">
                 <a:solidFill>
                   <a:schemeClr val="bg1"/>
                 </a:solidFill>
@@ -17274,7 +17115,7 @@
               <a:t> [e1, e2, e3, … </a:t>
             </a:r>
             <a:r>
-              <a:rPr lang="es-AR" sz="2800" b="1" dirty="0" err="1" smtClean="0">
+              <a:rPr lang="es-AR" sz="2800" b="1" dirty="0" err="1">
                 <a:solidFill>
                   <a:schemeClr val="bg1"/>
                 </a:solidFill>
@@ -17283,7 +17124,7 @@
               <a:t>eN</a:t>
             </a:r>
             <a:r>
-              <a:rPr lang="es-AR" sz="2800" b="1" dirty="0" smtClean="0">
+              <a:rPr lang="es-AR" sz="2800" b="1" dirty="0">
                 <a:solidFill>
                   <a:schemeClr val="bg1"/>
                 </a:solidFill>
@@ -17291,7 +17132,7 @@
               </a:rPr>
               <a:t>]</a:t>
             </a:r>
-            <a:endParaRPr lang="es-AR" sz="2800" dirty="0" smtClean="0">
+            <a:endParaRPr lang="es-AR" sz="2800" dirty="0">
               <a:solidFill>
                 <a:schemeClr val="bg1"/>
               </a:solidFill>
@@ -17309,13 +17150,6 @@
   <p:clrMapOvr>
     <a:masterClrMapping/>
   </p:clrMapOvr>
-  <p:timing>
-    <p:tnLst>
-      <p:par>
-        <p:cTn id="1" dur="indefinite" restart="never" nodeType="tmRoot"/>
-      </p:par>
-    </p:tnLst>
-  </p:timing>
 </p:sld>
 </file>
 
@@ -17567,7 +17401,7 @@
               <a:t> / </a:t>
             </a:r>
             <a:r>
-              <a:rPr lang="es-AR" sz="3200" dirty="0" err="1" smtClean="0">
+              <a:rPr lang="es-AR" sz="3200" dirty="0" err="1">
                 <a:solidFill>
                   <a:schemeClr val="bg1"/>
                 </a:solidFill>
@@ -17770,14 +17604,14 @@
           <a:p>
             <a:pPr algn="l"/>
             <a:r>
-              <a:rPr lang="es-AR" sz="2800" dirty="0" err="1" smtClean="0">
+              <a:rPr lang="es-AR" sz="2800" dirty="0" err="1">
                 <a:solidFill>
                   <a:schemeClr val="bg1"/>
                 </a:solidFill>
               </a:rPr>
               <a:t>Embeddings</a:t>
             </a:r>
-            <a:endParaRPr lang="es-AR" sz="2800" dirty="0" smtClean="0">
+            <a:endParaRPr lang="es-AR" sz="2800" dirty="0">
               <a:solidFill>
                 <a:schemeClr val="bg1"/>
               </a:solidFill>
@@ -17808,7 +17642,7 @@
           <a:p>
             <a:pPr algn="ctr"/>
             <a:r>
-              <a:rPr lang="es-AR" sz="2800" dirty="0" err="1" smtClean="0">
+              <a:rPr lang="es-AR" sz="2800" dirty="0" err="1">
                 <a:solidFill>
                   <a:srgbClr val="FF0000"/>
                 </a:solidFill>
@@ -17816,7 +17650,7 @@
               <a:t>One-hot-encoding</a:t>
             </a:r>
             <a:r>
-              <a:rPr lang="es-AR" sz="2800" dirty="0" smtClean="0">
+              <a:rPr lang="es-AR" sz="2800" dirty="0">
                 <a:solidFill>
                   <a:srgbClr val="FF0000"/>
                 </a:solidFill>
@@ -17827,7 +17661,7 @@
           <a:p>
             <a:pPr algn="ctr"/>
             <a:r>
-              <a:rPr lang="es-AR" sz="2800" dirty="0" smtClean="0">
+              <a:rPr lang="es-AR" sz="2800" dirty="0">
                 <a:solidFill>
                   <a:srgbClr val="FF0000"/>
                 </a:solidFill>
@@ -17838,7 +17672,7 @@
           <a:p>
             <a:pPr algn="ctr"/>
             <a:r>
-              <a:rPr lang="es-AR" sz="2800" dirty="0" smtClean="0">
+              <a:rPr lang="es-AR" sz="2800" dirty="0">
                 <a:solidFill>
                   <a:srgbClr val="FF0000"/>
                 </a:solidFill>
@@ -17846,7 +17680,7 @@
               <a:t>Word </a:t>
             </a:r>
             <a:r>
-              <a:rPr lang="es-AR" sz="2800" dirty="0" err="1" smtClean="0">
+              <a:rPr lang="es-AR" sz="2800" dirty="0" err="1">
                 <a:solidFill>
                   <a:srgbClr val="FF0000"/>
                 </a:solidFill>
@@ -17854,7 +17688,7 @@
               <a:t>embedding</a:t>
             </a:r>
             <a:r>
-              <a:rPr lang="es-AR" sz="2800" dirty="0" smtClean="0">
+              <a:rPr lang="es-AR" sz="2800" dirty="0">
                 <a:solidFill>
                   <a:srgbClr val="FF0000"/>
                 </a:solidFill>
@@ -17865,7 +17699,7 @@
           <a:p>
             <a:pPr algn="ctr"/>
             <a:r>
-              <a:rPr lang="es-AR" sz="2800" dirty="0" smtClean="0">
+              <a:rPr lang="es-AR" sz="2800" dirty="0">
                 <a:solidFill>
                   <a:srgbClr val="FF0000"/>
                 </a:solidFill>
@@ -17963,8 +17797,8 @@
         </p:nvSpPr>
         <p:spPr>
           <a:xfrm>
-            <a:off x="716170" y="4552193"/>
-            <a:ext cx="4056693" cy="1477328"/>
+            <a:off x="716170" y="4213260"/>
+            <a:ext cx="4056693" cy="1938992"/>
           </a:xfrm>
           <a:prstGeom prst="rect">
             <a:avLst/>
@@ -17981,7 +17815,7 @@
               <a:buChar char="•"/>
             </a:pPr>
             <a:r>
-              <a:rPr lang="es-AR" dirty="0" smtClean="0">
+              <a:rPr lang="es-AR" sz="2400" dirty="0">
                 <a:solidFill>
                   <a:schemeClr val="bg1"/>
                 </a:solidFill>
@@ -17994,7 +17828,7 @@
               <a:buFont typeface="Arial" panose="020B0604020202020204" pitchFamily="34" charset="0"/>
               <a:buChar char="•"/>
             </a:pPr>
-            <a:endParaRPr lang="es-AR" dirty="0" smtClean="0">
+            <a:endParaRPr lang="es-AR" sz="2400" dirty="0">
               <a:solidFill>
                 <a:schemeClr val="bg1"/>
               </a:solidFill>
@@ -18006,18 +17840,13 @@
               <a:buChar char="•"/>
             </a:pPr>
             <a:r>
-              <a:rPr lang="es-AR" dirty="0" smtClean="0">
+              <a:rPr lang="es-AR" sz="2400" dirty="0">
                 <a:solidFill>
                   <a:schemeClr val="bg1"/>
                 </a:solidFill>
               </a:rPr>
               <a:t>Se aprenden propiedades intrínsecas de palabas que pertenecen al mismo grupo.</a:t>
             </a:r>
-            <a:endParaRPr lang="es-AR" dirty="0">
-              <a:solidFill>
-                <a:schemeClr val="bg1"/>
-              </a:solidFill>
-            </a:endParaRPr>
           </a:p>
         </p:txBody>
       </p:sp>
@@ -18031,13 +17860,6 @@
   <p:clrMapOvr>
     <a:masterClrMapping/>
   </p:clrMapOvr>
-  <p:timing>
-    <p:tnLst>
-      <p:par>
-        <p:cTn id="1" dur="indefinite" restart="never" nodeType="tmRoot"/>
-      </p:par>
-    </p:tnLst>
-  </p:timing>
 </p:sld>
 </file>
 
@@ -18289,7 +18111,7 @@
               <a:t> / </a:t>
             </a:r>
             <a:r>
-              <a:rPr lang="es-AR" sz="3200" dirty="0" err="1" smtClean="0">
+              <a:rPr lang="es-AR" sz="3200" dirty="0" err="1">
                 <a:solidFill>
                   <a:schemeClr val="bg1"/>
                 </a:solidFill>
@@ -18492,7 +18314,7 @@
           <a:p>
             <a:pPr algn="l"/>
             <a:r>
-              <a:rPr lang="es-AR" sz="2800" dirty="0" err="1" smtClean="0">
+              <a:rPr lang="es-AR" sz="2800" dirty="0" err="1">
                 <a:solidFill>
                   <a:schemeClr val="bg1"/>
                 </a:solidFill>
@@ -18500,7 +18322,7 @@
               <a:t>Embeddings</a:t>
             </a:r>
             <a:r>
-              <a:rPr lang="es-AR" sz="2800" dirty="0" smtClean="0">
+              <a:rPr lang="es-AR" sz="2800" dirty="0">
                 <a:solidFill>
                   <a:schemeClr val="bg1"/>
                 </a:solidFill>
@@ -18508,7 +18330,7 @@
               <a:t> </a:t>
             </a:r>
             <a:r>
-              <a:rPr lang="es-AR" sz="2800" dirty="0" smtClean="0">
+              <a:rPr lang="es-AR" sz="2800" dirty="0">
                 <a:solidFill>
                   <a:schemeClr val="bg1"/>
                 </a:solidFill>
@@ -18516,7 +18338,7 @@
               </a:rPr>
               <a:t> interpretaciones</a:t>
             </a:r>
-            <a:endParaRPr lang="es-AR" sz="2800" dirty="0" smtClean="0">
+            <a:endParaRPr lang="es-AR" sz="2800" dirty="0">
               <a:solidFill>
                 <a:schemeClr val="bg1"/>
               </a:solidFill>
@@ -18532,11 +18354,6 @@
               </a:rPr>
               <a:t>	</a:t>
             </a:r>
-            <a:endParaRPr lang="es-AR" sz="2800" dirty="0" smtClean="0">
-              <a:solidFill>
-                <a:schemeClr val="bg1"/>
-              </a:solidFill>
-            </a:endParaRPr>
           </a:p>
         </p:txBody>
       </p:sp>
@@ -18669,13 +18486,6 @@
   <p:clrMapOvr>
     <a:masterClrMapping/>
   </p:clrMapOvr>
-  <p:timing>
-    <p:tnLst>
-      <p:par>
-        <p:cTn id="1" dur="indefinite" restart="never" nodeType="tmRoot"/>
-      </p:par>
-    </p:tnLst>
-  </p:timing>
 </p:sld>
 </file>
 
@@ -18927,7 +18737,7 @@
               <a:t> / </a:t>
             </a:r>
             <a:r>
-              <a:rPr lang="es-AR" sz="3200" dirty="0" err="1" smtClean="0">
+              <a:rPr lang="es-AR" sz="3200" dirty="0" err="1">
                 <a:solidFill>
                   <a:schemeClr val="bg1"/>
                 </a:solidFill>
@@ -19130,7 +18940,7 @@
           <a:p>
             <a:pPr algn="l"/>
             <a:r>
-              <a:rPr lang="es-AR" sz="2800" dirty="0" err="1" smtClean="0">
+              <a:rPr lang="es-AR" sz="2800" dirty="0" err="1">
                 <a:solidFill>
                   <a:schemeClr val="bg1"/>
                 </a:solidFill>
@@ -19138,7 +18948,7 @@
               <a:t>Embeddings</a:t>
             </a:r>
             <a:r>
-              <a:rPr lang="es-AR" sz="2800" dirty="0" smtClean="0">
+              <a:rPr lang="es-AR" sz="2800" dirty="0">
                 <a:solidFill>
                   <a:schemeClr val="bg1"/>
                 </a:solidFill>
@@ -19146,7 +18956,7 @@
               <a:t> </a:t>
             </a:r>
             <a:r>
-              <a:rPr lang="es-AR" sz="2800" dirty="0" smtClean="0">
+              <a:rPr lang="es-AR" sz="2800" dirty="0">
                 <a:solidFill>
                   <a:schemeClr val="bg1"/>
                 </a:solidFill>
@@ -19154,7 +18964,7 @@
               </a:rPr>
               <a:t> interpretaciones</a:t>
             </a:r>
-            <a:endParaRPr lang="es-AR" sz="2800" dirty="0" smtClean="0">
+            <a:endParaRPr lang="es-AR" sz="2800" dirty="0">
               <a:solidFill>
                 <a:schemeClr val="bg1"/>
               </a:solidFill>
@@ -19314,13 +19124,6 @@
   <p:clrMapOvr>
     <a:masterClrMapping/>
   </p:clrMapOvr>
-  <p:timing>
-    <p:tnLst>
-      <p:par>
-        <p:cTn id="1" dur="indefinite" restart="never" nodeType="tmRoot"/>
-      </p:par>
-    </p:tnLst>
-  </p:timing>
 </p:sld>
 </file>
 
@@ -19572,7 +19375,7 @@
               <a:t> / </a:t>
             </a:r>
             <a:r>
-              <a:rPr lang="es-AR" sz="3200" dirty="0" err="1" smtClean="0">
+              <a:rPr lang="es-AR" sz="3200" dirty="0" err="1">
                 <a:solidFill>
                   <a:schemeClr val="bg1"/>
                 </a:solidFill>
@@ -19775,7 +19578,7 @@
           <a:p>
             <a:pPr algn="l"/>
             <a:r>
-              <a:rPr lang="es-AR" sz="2800" dirty="0" err="1" smtClean="0">
+              <a:rPr lang="es-AR" sz="2800" dirty="0" err="1">
                 <a:solidFill>
                   <a:schemeClr val="bg1"/>
                 </a:solidFill>
@@ -19783,7 +19586,7 @@
               <a:t>Embeddings</a:t>
             </a:r>
             <a:r>
-              <a:rPr lang="es-AR" sz="2800" dirty="0" smtClean="0">
+              <a:rPr lang="es-AR" sz="2800" dirty="0">
                 <a:solidFill>
                   <a:schemeClr val="bg1"/>
                 </a:solidFill>
@@ -19791,7 +19594,7 @@
               <a:t> </a:t>
             </a:r>
             <a:r>
-              <a:rPr lang="es-AR" sz="2800" dirty="0" smtClean="0">
+              <a:rPr lang="es-AR" sz="2800" dirty="0">
                 <a:solidFill>
                   <a:schemeClr val="bg1"/>
                 </a:solidFill>
@@ -19799,7 +19602,7 @@
               </a:rPr>
               <a:t> entrenamiento en base del contexto</a:t>
             </a:r>
-            <a:endParaRPr lang="es-AR" sz="2800" dirty="0" smtClean="0">
+            <a:endParaRPr lang="es-AR" sz="2800" dirty="0">
               <a:solidFill>
                 <a:schemeClr val="bg1"/>
               </a:solidFill>
@@ -19876,13 +19679,6 @@
   <p:clrMapOvr>
     <a:masterClrMapping/>
   </p:clrMapOvr>
-  <p:timing>
-    <p:tnLst>
-      <p:par>
-        <p:cTn id="1" dur="indefinite" restart="never" nodeType="tmRoot"/>
-      </p:par>
-    </p:tnLst>
-  </p:timing>
 </p:sld>
 </file>
 
@@ -20164,7 +19960,7 @@
               <a:t> / </a:t>
             </a:r>
             <a:r>
-              <a:rPr lang="es-AR" sz="3200" dirty="0" err="1" smtClean="0">
+              <a:rPr lang="es-AR" sz="3200" dirty="0" err="1">
                 <a:solidFill>
                   <a:schemeClr val="bg1"/>
                 </a:solidFill>
@@ -20367,7 +20163,7 @@
           <a:p>
             <a:pPr algn="l"/>
             <a:r>
-              <a:rPr lang="es-AR" sz="2800" dirty="0" err="1" smtClean="0">
+              <a:rPr lang="es-AR" sz="2800" dirty="0" err="1">
                 <a:solidFill>
                   <a:schemeClr val="bg1"/>
                 </a:solidFill>
@@ -20375,7 +20171,7 @@
               <a:t>Embeddings</a:t>
             </a:r>
             <a:r>
-              <a:rPr lang="es-AR" sz="2800" dirty="0" smtClean="0">
+              <a:rPr lang="es-AR" sz="2800" dirty="0">
                 <a:solidFill>
                   <a:schemeClr val="bg1"/>
                 </a:solidFill>
@@ -20383,7 +20179,7 @@
               <a:t> </a:t>
             </a:r>
             <a:r>
-              <a:rPr lang="es-AR" sz="2800" dirty="0" smtClean="0">
+              <a:rPr lang="es-AR" sz="2800" dirty="0">
                 <a:solidFill>
                   <a:schemeClr val="bg1"/>
                 </a:solidFill>
@@ -20391,7 +20187,7 @@
               </a:rPr>
               <a:t> entrenamiento en base del contexto</a:t>
             </a:r>
-            <a:endParaRPr lang="es-AR" sz="2800" dirty="0" smtClean="0">
+            <a:endParaRPr lang="es-AR" sz="2800" dirty="0">
               <a:solidFill>
                 <a:schemeClr val="bg1"/>
               </a:solidFill>
@@ -20421,7 +20217,7 @@
           <a:lstStyle/>
           <a:p>
             <a:r>
-              <a:rPr lang="es-AR" sz="2400" dirty="0" smtClean="0">
+              <a:rPr lang="es-AR" sz="2400" dirty="0">
                 <a:solidFill>
                   <a:schemeClr val="bg1"/>
                 </a:solidFill>
@@ -20431,7 +20227,7 @@
           </a:p>
           <a:p>
             <a:r>
-              <a:rPr lang="es-AR" sz="2400" dirty="0" smtClean="0">
+              <a:rPr lang="es-AR" sz="2400" dirty="0">
                 <a:solidFill>
                   <a:schemeClr val="bg1"/>
                 </a:solidFill>
@@ -20444,20 +20240,12 @@
                   <a:schemeClr val="bg1"/>
                 </a:solidFill>
               </a:rPr>
-              <a:t>Skip Gram, Continuous Bag of Words (CBOW), and </a:t>
-            </a:r>
-            <a:r>
-              <a:rPr lang="en-US" sz="2400" dirty="0" smtClean="0">
-                <a:solidFill>
-                  <a:schemeClr val="bg1"/>
-                </a:solidFill>
-              </a:rPr>
-              <a:t>Word2Vec…</a:t>
+              <a:t>Skip Gram, Continuous Bag of Words (CBOW), and Word2Vec…</a:t>
             </a:r>
           </a:p>
           <a:p>
             <a:r>
-              <a:rPr lang="en-US" sz="2400" dirty="0" err="1" smtClean="0">
+              <a:rPr lang="en-US" sz="2400" dirty="0" err="1">
                 <a:solidFill>
                   <a:schemeClr val="bg1"/>
                 </a:solidFill>
@@ -20465,7 +20253,7 @@
               <a:t>siguiendo</a:t>
             </a:r>
             <a:r>
-              <a:rPr lang="en-US" sz="2400" dirty="0" smtClean="0">
+              <a:rPr lang="en-US" sz="2400" dirty="0">
                 <a:solidFill>
                   <a:schemeClr val="bg1"/>
                 </a:solidFill>
@@ -20473,7 +20261,7 @@
               <a:t> </a:t>
             </a:r>
             <a:r>
-              <a:rPr lang="en-US" sz="2400" dirty="0" err="1" smtClean="0">
+              <a:rPr lang="en-US" sz="2400" dirty="0" err="1">
                 <a:solidFill>
                   <a:schemeClr val="bg1"/>
                 </a:solidFill>
@@ -20481,7 +20269,7 @@
               <a:t>una</a:t>
             </a:r>
             <a:r>
-              <a:rPr lang="en-US" sz="2400" dirty="0" smtClean="0">
+              <a:rPr lang="en-US" sz="2400" dirty="0">
                 <a:solidFill>
                   <a:schemeClr val="bg1"/>
                 </a:solidFill>
@@ -20506,13 +20294,6 @@
   <p:clrMapOvr>
     <a:masterClrMapping/>
   </p:clrMapOvr>
-  <p:timing>
-    <p:tnLst>
-      <p:par>
-        <p:cTn id="1" dur="indefinite" restart="never" nodeType="tmRoot"/>
-      </p:par>
-    </p:tnLst>
-  </p:timing>
 </p:sld>
 </file>
 
@@ -20732,14 +20513,14 @@
               <a:buNone/>
             </a:pPr>
             <a:r>
-              <a:rPr lang="es-AR" sz="3200" dirty="0" err="1" smtClean="0">
+              <a:rPr lang="es-AR" sz="3200" dirty="0" err="1">
                 <a:solidFill>
                   <a:schemeClr val="bg1"/>
                 </a:solidFill>
               </a:rPr>
               <a:t>Autoencoders</a:t>
             </a:r>
-            <a:endParaRPr lang="es-AR" sz="3200" dirty="0" smtClean="0">
+            <a:endParaRPr lang="es-AR" sz="3200" dirty="0">
               <a:solidFill>
                 <a:schemeClr val="bg1"/>
               </a:solidFill>
@@ -20817,7 +20598,7 @@
           <a:p>
             <a:pPr algn="ctr"/>
             <a:r>
-              <a:rPr lang="en-US" sz="2800" dirty="0" smtClean="0">
+              <a:rPr lang="en-US" sz="2800" dirty="0">
                 <a:solidFill>
                   <a:schemeClr val="bg1"/>
                 </a:solidFill>
@@ -21090,7 +20871,7 @@
               <a:buNone/>
             </a:pPr>
             <a:r>
-              <a:rPr lang="es-AR" sz="4000" dirty="0" smtClean="0">
+              <a:rPr lang="es-AR" sz="4000" dirty="0">
                 <a:solidFill>
                   <a:schemeClr val="bg1"/>
                 </a:solidFill>
@@ -21299,7 +21080,7 @@
               <a:buNone/>
             </a:pPr>
             <a:r>
-              <a:rPr lang="es-AR" sz="4000" dirty="0" smtClean="0">
+              <a:rPr lang="es-AR" sz="4000" dirty="0">
                 <a:solidFill>
                   <a:schemeClr val="bg1"/>
                 </a:solidFill>
@@ -21497,7 +21278,7 @@
           <a:p>
             <a:pPr algn="l"/>
             <a:r>
-              <a:rPr lang="es-AR" sz="2800" dirty="0" err="1" smtClean="0">
+              <a:rPr lang="es-AR" sz="2800" dirty="0" err="1">
                 <a:solidFill>
                   <a:schemeClr val="bg1"/>
                 </a:solidFill>
@@ -21505,7 +21286,7 @@
               <a:t>undercomplete</a:t>
             </a:r>
             <a:r>
-              <a:rPr lang="es-AR" sz="2800" dirty="0" smtClean="0">
+              <a:rPr lang="es-AR" sz="2800" dirty="0">
                 <a:solidFill>
                   <a:schemeClr val="bg1"/>
                 </a:solidFill>
@@ -21513,7 +21294,7 @@
               <a:t> </a:t>
             </a:r>
             <a:r>
-              <a:rPr lang="es-AR" sz="2800" dirty="0" err="1" smtClean="0">
+              <a:rPr lang="es-AR" sz="2800" dirty="0" err="1">
                 <a:solidFill>
                   <a:schemeClr val="bg1"/>
                 </a:solidFill>
@@ -21521,7 +21302,7 @@
               <a:t>autoencoders</a:t>
             </a:r>
             <a:r>
-              <a:rPr lang="es-AR" sz="2800" dirty="0" smtClean="0">
+              <a:rPr lang="es-AR" sz="2800" dirty="0">
                 <a:solidFill>
                   <a:schemeClr val="bg1"/>
                 </a:solidFill>
@@ -21529,7 +21310,7 @@
               <a:t> vs </a:t>
             </a:r>
             <a:r>
-              <a:rPr lang="es-AR" sz="2800" dirty="0" err="1" smtClean="0">
+              <a:rPr lang="es-AR" sz="2800" dirty="0" err="1">
                 <a:solidFill>
                   <a:schemeClr val="bg1"/>
                 </a:solidFill>
@@ -21537,7 +21318,7 @@
               <a:t>regularized</a:t>
             </a:r>
             <a:r>
-              <a:rPr lang="es-AR" sz="2800" dirty="0" smtClean="0">
+              <a:rPr lang="es-AR" sz="2800" dirty="0">
                 <a:solidFill>
                   <a:schemeClr val="bg1"/>
                 </a:solidFill>
@@ -21545,14 +21326,14 @@
               <a:t> </a:t>
             </a:r>
             <a:r>
-              <a:rPr lang="es-AR" sz="2800" dirty="0" err="1" smtClean="0">
+              <a:rPr lang="es-AR" sz="2800" dirty="0" err="1">
                 <a:solidFill>
                   <a:schemeClr val="bg1"/>
                 </a:solidFill>
               </a:rPr>
               <a:t>autoencoders</a:t>
             </a:r>
-            <a:endParaRPr lang="es-AR" sz="2800" dirty="0" smtClean="0">
+            <a:endParaRPr lang="es-AR" sz="2800" dirty="0">
               <a:solidFill>
                 <a:schemeClr val="bg1"/>
               </a:solidFill>
@@ -21570,13 +21351,6 @@
   <p:clrMapOvr>
     <a:masterClrMapping/>
   </p:clrMapOvr>
-  <p:timing>
-    <p:tnLst>
-      <p:par>
-        <p:cTn id="1" dur="indefinite" restart="never" nodeType="tmRoot"/>
-      </p:par>
-    </p:tnLst>
-  </p:timing>
 </p:sld>
 </file>
 
@@ -21828,7 +21602,7 @@
               <a:t> / </a:t>
             </a:r>
             <a:r>
-              <a:rPr lang="es-AR" sz="3200" dirty="0" err="1" smtClean="0">
+              <a:rPr lang="es-AR" sz="3200" dirty="0" err="1">
                 <a:solidFill>
                   <a:schemeClr val="bg1"/>
                 </a:solidFill>
@@ -22031,7 +21805,7 @@
           <a:p>
             <a:pPr algn="l"/>
             <a:r>
-              <a:rPr lang="es-AR" sz="2800" dirty="0" err="1" smtClean="0">
+              <a:rPr lang="es-AR" sz="2800" dirty="0" err="1">
                 <a:solidFill>
                   <a:schemeClr val="bg1"/>
                 </a:solidFill>
@@ -22039,7 +21813,7 @@
               <a:t>Embeddings</a:t>
             </a:r>
             <a:r>
-              <a:rPr lang="es-AR" sz="2800" dirty="0" smtClean="0">
+              <a:rPr lang="es-AR" sz="2800" dirty="0">
                 <a:solidFill>
                   <a:schemeClr val="bg1"/>
                 </a:solidFill>
@@ -22047,7 +21821,7 @@
               <a:t> </a:t>
             </a:r>
             <a:r>
-              <a:rPr lang="es-AR" sz="2800" dirty="0" smtClean="0">
+              <a:rPr lang="es-AR" sz="2800" dirty="0">
                 <a:solidFill>
                   <a:schemeClr val="bg1"/>
                 </a:solidFill>
@@ -22056,7 +21830,7 @@
               <a:t> CBOW y </a:t>
             </a:r>
             <a:r>
-              <a:rPr lang="es-AR" sz="2800" dirty="0" err="1" smtClean="0">
+              <a:rPr lang="es-AR" sz="2800" dirty="0" err="1">
                 <a:solidFill>
                   <a:schemeClr val="bg1"/>
                 </a:solidFill>
@@ -22064,7 +21838,7 @@
               </a:rPr>
               <a:t>skip-gram</a:t>
             </a:r>
-            <a:endParaRPr lang="es-AR" sz="2800" dirty="0" smtClean="0">
+            <a:endParaRPr lang="es-AR" sz="2800" dirty="0">
               <a:solidFill>
                 <a:schemeClr val="bg1"/>
               </a:solidFill>
@@ -22106,13 +21880,6 @@
   <p:clrMapOvr>
     <a:masterClrMapping/>
   </p:clrMapOvr>
-  <p:timing>
-    <p:tnLst>
-      <p:par>
-        <p:cTn id="1" dur="indefinite" restart="never" nodeType="tmRoot"/>
-      </p:par>
-    </p:tnLst>
-  </p:timing>
 </p:sld>
 </file>
 
@@ -22364,7 +22131,7 @@
               <a:t> / </a:t>
             </a:r>
             <a:r>
-              <a:rPr lang="es-AR" sz="3200" dirty="0" err="1" smtClean="0">
+              <a:rPr lang="es-AR" sz="3200" dirty="0" err="1">
                 <a:solidFill>
                   <a:schemeClr val="bg1"/>
                 </a:solidFill>
@@ -22567,7 +22334,7 @@
           <a:p>
             <a:pPr algn="l"/>
             <a:r>
-              <a:rPr lang="es-AR" sz="2800" dirty="0" err="1" smtClean="0">
+              <a:rPr lang="es-AR" sz="2800" dirty="0" err="1">
                 <a:solidFill>
                   <a:schemeClr val="bg1"/>
                 </a:solidFill>
@@ -22575,7 +22342,7 @@
               <a:t>Embeddings</a:t>
             </a:r>
             <a:r>
-              <a:rPr lang="es-AR" sz="2800" dirty="0" smtClean="0">
+              <a:rPr lang="es-AR" sz="2800" dirty="0">
                 <a:solidFill>
                   <a:schemeClr val="bg1"/>
                 </a:solidFill>
@@ -22583,7 +22350,7 @@
               <a:t> </a:t>
             </a:r>
             <a:r>
-              <a:rPr lang="es-AR" sz="2800" dirty="0" smtClean="0">
+              <a:rPr lang="es-AR" sz="2800" dirty="0">
                 <a:solidFill>
                   <a:schemeClr val="bg1"/>
                 </a:solidFill>
@@ -22591,7 +22358,7 @@
               </a:rPr>
               <a:t> no solo se aplica a palabras….</a:t>
             </a:r>
-            <a:endParaRPr lang="es-AR" sz="2800" dirty="0" smtClean="0">
+            <a:endParaRPr lang="es-AR" sz="2800" dirty="0">
               <a:solidFill>
                 <a:schemeClr val="bg1"/>
               </a:solidFill>
@@ -22644,51 +22411,6 @@
           </a:p>
         </p:txBody>
       </p:sp>
-      <p:sp>
-        <p:nvSpPr>
-          <p:cNvPr id="9" name="Rectangle 8"/>
-          <p:cNvSpPr/>
-          <p:nvPr/>
-        </p:nvSpPr>
-        <p:spPr>
-          <a:xfrm>
-            <a:off x="4627850" y="4077792"/>
-            <a:ext cx="2730235" cy="584775"/>
-          </a:xfrm>
-          <a:prstGeom prst="rect">
-            <a:avLst/>
-          </a:prstGeom>
-        </p:spPr>
-        <p:txBody>
-          <a:bodyPr wrap="none">
-            <a:spAutoFit/>
-          </a:bodyPr>
-          <a:lstStyle/>
-          <a:p>
-            <a:r>
-              <a:rPr lang="es-AR" sz="3200" dirty="0">
-                <a:solidFill>
-                  <a:srgbClr val="FF0000"/>
-                </a:solidFill>
-              </a:rPr>
-              <a:t>ver </a:t>
-            </a:r>
-            <a:r>
-              <a:rPr lang="es-AR" sz="3200" dirty="0" smtClean="0">
-                <a:solidFill>
-                  <a:srgbClr val="FF0000"/>
-                </a:solidFill>
-              </a:rPr>
-              <a:t>ejemplos</a:t>
-            </a:r>
-            <a:endParaRPr lang="es-AR" sz="3200" dirty="0">
-              <a:solidFill>
-                <a:srgbClr val="FF0000"/>
-              </a:solidFill>
-            </a:endParaRPr>
-          </a:p>
-        </p:txBody>
-      </p:sp>
     </p:spTree>
     <p:extLst>
       <p:ext uri="{BB962C8B-B14F-4D97-AF65-F5344CB8AC3E}">
@@ -22699,13 +22421,6 @@
   <p:clrMapOvr>
     <a:masterClrMapping/>
   </p:clrMapOvr>
-  <p:timing>
-    <p:tnLst>
-      <p:par>
-        <p:cTn id="1" dur="indefinite" restart="never" nodeType="tmRoot"/>
-      </p:par>
-    </p:tnLst>
-  </p:timing>
 </p:sld>
 </file>
 
@@ -22913,7 +22628,7 @@
           </a:lstStyle>
           <a:p>
             <a:r>
-              <a:rPr lang="es-AR" sz="3200" b="1" dirty="0" smtClean="0">
+              <a:rPr lang="es-AR" sz="3200" b="1" dirty="0">
                 <a:solidFill>
                   <a:srgbClr val="FF0000"/>
                 </a:solidFill>
@@ -22963,13 +22678,6 @@
   <p:clrMapOvr>
     <a:masterClrMapping/>
   </p:clrMapOvr>
-  <p:timing>
-    <p:tnLst>
-      <p:par>
-        <p:cTn id="1" dur="indefinite" restart="never" nodeType="tmRoot"/>
-      </p:par>
-    </p:tnLst>
-  </p:timing>
 </p:sld>
 </file>
 
@@ -23189,7 +22897,7 @@
               <a:buNone/>
             </a:pPr>
             <a:r>
-              <a:rPr lang="es-AR" sz="3200" dirty="0" smtClean="0">
+              <a:rPr lang="es-AR" sz="3200" dirty="0">
                 <a:solidFill>
                   <a:schemeClr val="bg1"/>
                 </a:solidFill>
@@ -23197,7 +22905,7 @@
               <a:t>Transfer </a:t>
             </a:r>
             <a:r>
-              <a:rPr lang="es-AR" sz="3200" dirty="0" err="1" smtClean="0">
+              <a:rPr lang="es-AR" sz="3200" dirty="0" err="1">
                 <a:solidFill>
                   <a:schemeClr val="bg1"/>
                 </a:solidFill>
@@ -23400,7 +23108,7 @@
           <a:p>
             <a:pPr algn="l"/>
             <a:r>
-              <a:rPr lang="es-AR" sz="2800" dirty="0" smtClean="0">
+              <a:rPr lang="es-AR" sz="2800" dirty="0">
                 <a:solidFill>
                   <a:schemeClr val="bg1"/>
                 </a:solidFill>
@@ -23408,7 +23116,7 @@
               <a:t>No se suele entrenar un modelo desde </a:t>
             </a:r>
             <a:r>
-              <a:rPr lang="es-AR" sz="2800" b="1" dirty="0" smtClean="0">
+              <a:rPr lang="es-AR" sz="2800" b="1" dirty="0">
                 <a:solidFill>
                   <a:schemeClr val="bg1"/>
                 </a:solidFill>
@@ -23419,7 +23127,7 @@
           <a:p>
             <a:pPr algn="l"/>
             <a:r>
-              <a:rPr lang="es-AR" sz="2800" dirty="0" smtClean="0">
+              <a:rPr lang="es-AR" sz="2800" dirty="0">
                 <a:solidFill>
                   <a:schemeClr val="bg1"/>
                 </a:solidFill>
@@ -23469,13 +23177,6 @@
   <p:clrMapOvr>
     <a:masterClrMapping/>
   </p:clrMapOvr>
-  <p:timing>
-    <p:tnLst>
-      <p:par>
-        <p:cTn id="1" dur="indefinite" restart="never" nodeType="tmRoot"/>
-      </p:par>
-    </p:tnLst>
-  </p:timing>
 </p:sld>
 </file>
 
@@ -23695,7 +23396,7 @@
               <a:buNone/>
             </a:pPr>
             <a:r>
-              <a:rPr lang="es-AR" sz="3200" dirty="0" smtClean="0">
+              <a:rPr lang="es-AR" sz="3200" dirty="0">
                 <a:solidFill>
                   <a:schemeClr val="bg1"/>
                 </a:solidFill>
@@ -23703,7 +23404,7 @@
               <a:t>Transfer </a:t>
             </a:r>
             <a:r>
-              <a:rPr lang="es-AR" sz="3200" dirty="0" err="1" smtClean="0">
+              <a:rPr lang="es-AR" sz="3200" dirty="0" err="1">
                 <a:solidFill>
                   <a:schemeClr val="bg1"/>
                 </a:solidFill>
@@ -23906,7 +23607,7 @@
           <a:p>
             <a:pPr algn="l"/>
             <a:r>
-              <a:rPr lang="es-AR" sz="2800" dirty="0" smtClean="0">
+              <a:rPr lang="es-AR" sz="2800" dirty="0">
                 <a:solidFill>
                   <a:schemeClr val="bg1"/>
                 </a:solidFill>
@@ -23914,7 +23615,7 @@
               <a:t>Transfer </a:t>
             </a:r>
             <a:r>
-              <a:rPr lang="es-AR" sz="2800" dirty="0" err="1" smtClean="0">
+              <a:rPr lang="es-AR" sz="2800" dirty="0" err="1">
                 <a:solidFill>
                   <a:schemeClr val="bg1"/>
                 </a:solidFill>
@@ -23922,7 +23623,7 @@
               <a:t>learning</a:t>
             </a:r>
             <a:r>
-              <a:rPr lang="es-AR" sz="2800" dirty="0" smtClean="0">
+              <a:rPr lang="es-AR" sz="2800" dirty="0">
                 <a:solidFill>
                   <a:schemeClr val="bg1"/>
                 </a:solidFill>
@@ -23941,7 +23642,7 @@
           <a:p>
             <a:pPr algn="l"/>
             <a:r>
-              <a:rPr lang="es-AR" sz="2800" dirty="0" smtClean="0">
+              <a:rPr lang="es-AR" sz="2800" dirty="0">
                 <a:solidFill>
                   <a:schemeClr val="bg1"/>
                 </a:solidFill>
@@ -23973,7 +23674,7 @@
           <a:lstStyle/>
           <a:p>
             <a:r>
-              <a:rPr lang="es-AR" sz="2400" dirty="0" smtClean="0">
+              <a:rPr lang="es-AR" sz="2400" dirty="0">
                 <a:solidFill>
                   <a:srgbClr val="FF0000"/>
                 </a:solidFill>
@@ -23981,7 +23682,7 @@
               <a:t>Transfer </a:t>
             </a:r>
             <a:r>
-              <a:rPr lang="es-AR" sz="2400" dirty="0" err="1" smtClean="0">
+              <a:rPr lang="es-AR" sz="2400" dirty="0" err="1">
                 <a:solidFill>
                   <a:srgbClr val="FF0000"/>
                 </a:solidFill>
@@ -23989,18 +23690,13 @@
               <a:t>learning</a:t>
             </a:r>
             <a:r>
-              <a:rPr lang="es-AR" sz="2400" dirty="0" smtClean="0">
+              <a:rPr lang="es-AR" sz="2400" dirty="0">
                 <a:solidFill>
                   <a:srgbClr val="FF0000"/>
                 </a:solidFill>
               </a:rPr>
               <a:t> básico:</a:t>
             </a:r>
-            <a:endParaRPr lang="es-AR" sz="2400" dirty="0">
-              <a:solidFill>
-                <a:srgbClr val="FF0000"/>
-              </a:solidFill>
-            </a:endParaRPr>
           </a:p>
           <a:p>
             <a:r>
@@ -24083,7 +23779,7 @@
           </a:p>
           <a:p>
             <a:r>
-              <a:rPr lang="es-AR" sz="2400" dirty="0" smtClean="0">
+              <a:rPr lang="es-AR" sz="2400" dirty="0">
                 <a:solidFill>
                   <a:schemeClr val="bg1"/>
                 </a:solidFill>
@@ -24091,20 +23787,12 @@
               <a:t>- </a:t>
             </a:r>
             <a:r>
-              <a:rPr lang="es-AR" sz="2400" dirty="0">
-                <a:solidFill>
-                  <a:schemeClr val="bg1"/>
-                </a:solidFill>
-              </a:rPr>
-              <a:t>pre-</a:t>
-            </a:r>
-            <a:r>
               <a:rPr lang="es-AR" sz="2400" dirty="0" err="1">
                 <a:solidFill>
                   <a:schemeClr val="bg1"/>
                 </a:solidFill>
               </a:rPr>
-              <a:t>trained</a:t>
+              <a:t>pre-trained</a:t>
             </a:r>
             <a:r>
               <a:rPr lang="es-AR" sz="2400" dirty="0">
@@ -24134,7 +23822,7 @@
               <a:buChar char="-"/>
             </a:pPr>
             <a:r>
-              <a:rPr lang="es-AR" sz="2400" dirty="0" smtClean="0">
+              <a:rPr lang="es-AR" sz="2400" dirty="0">
                 <a:solidFill>
                   <a:schemeClr val="bg1"/>
                 </a:solidFill>
@@ -24142,7 +23830,7 @@
               <a:t>pre-</a:t>
             </a:r>
             <a:r>
-              <a:rPr lang="es-AR" sz="2400" dirty="0" err="1" smtClean="0">
+              <a:rPr lang="es-AR" sz="2400" dirty="0" err="1">
                 <a:solidFill>
                   <a:schemeClr val="bg1"/>
                 </a:solidFill>
@@ -24150,7 +23838,7 @@
               <a:t>trained</a:t>
             </a:r>
             <a:r>
-              <a:rPr lang="es-AR" sz="2400" dirty="0" smtClean="0">
+              <a:rPr lang="es-AR" sz="2400" dirty="0">
                 <a:solidFill>
                   <a:schemeClr val="bg1"/>
                 </a:solidFill>
@@ -24158,14 +23846,14 @@
               <a:t> </a:t>
             </a:r>
             <a:r>
-              <a:rPr lang="es-AR" sz="2400" dirty="0" err="1" smtClean="0">
+              <a:rPr lang="es-AR" sz="2400" dirty="0" err="1">
                 <a:solidFill>
                   <a:schemeClr val="bg1"/>
                 </a:solidFill>
               </a:rPr>
               <a:t>embeddings</a:t>
             </a:r>
-            <a:endParaRPr lang="es-AR" sz="2400" dirty="0" smtClean="0">
+            <a:endParaRPr lang="es-AR" sz="2400" dirty="0">
               <a:solidFill>
                 <a:schemeClr val="bg1"/>
               </a:solidFill>
@@ -24177,14 +23865,14 @@
               <a:buChar char="-"/>
             </a:pPr>
             <a:r>
-              <a:rPr lang="es-AR" sz="2400" dirty="0" err="1" smtClean="0">
+              <a:rPr lang="es-AR" sz="2400" dirty="0" err="1">
                 <a:solidFill>
                   <a:schemeClr val="bg1"/>
                 </a:solidFill>
               </a:rPr>
               <a:t>Simulations</a:t>
             </a:r>
-            <a:endParaRPr lang="es-AR" sz="2400" dirty="0" smtClean="0">
+            <a:endParaRPr lang="es-AR" sz="2400" dirty="0">
               <a:solidFill>
                 <a:schemeClr val="bg1"/>
               </a:solidFill>
@@ -24196,18 +23884,13 @@
               <a:buChar char="-"/>
             </a:pPr>
             <a:r>
-              <a:rPr lang="es-AR" sz="2400" dirty="0" smtClean="0">
+              <a:rPr lang="es-AR" sz="2400" dirty="0">
                 <a:solidFill>
                   <a:schemeClr val="bg1"/>
                 </a:solidFill>
               </a:rPr>
               <a:t>Cambio de dominio</a:t>
             </a:r>
-            <a:endParaRPr lang="es-AR" sz="2400" dirty="0">
-              <a:solidFill>
-                <a:schemeClr val="bg1"/>
-              </a:solidFill>
-            </a:endParaRPr>
           </a:p>
         </p:txBody>
       </p:sp>
@@ -24221,13 +23904,6 @@
   <p:clrMapOvr>
     <a:masterClrMapping/>
   </p:clrMapOvr>
-  <p:timing>
-    <p:tnLst>
-      <p:par>
-        <p:cTn id="1" dur="indefinite" restart="never" nodeType="tmRoot"/>
-      </p:par>
-    </p:tnLst>
-  </p:timing>
 </p:sld>
 </file>
 
@@ -24447,14 +24123,14 @@
               <a:buNone/>
             </a:pPr>
             <a:r>
-              <a:rPr lang="es-AR" sz="3200" dirty="0" err="1" smtClean="0">
+              <a:rPr lang="es-AR" sz="3200" dirty="0" err="1">
                 <a:solidFill>
                   <a:schemeClr val="bg1"/>
                 </a:solidFill>
               </a:rPr>
               <a:t>Autoencoders</a:t>
             </a:r>
-            <a:endParaRPr lang="es-AR" sz="3200" dirty="0" smtClean="0">
+            <a:endParaRPr lang="es-AR" sz="3200" dirty="0">
               <a:solidFill>
                 <a:schemeClr val="bg1"/>
               </a:solidFill>
@@ -24650,7 +24326,7 @@
           <a:p>
             <a:pPr algn="l"/>
             <a:r>
-              <a:rPr lang="es-AR" sz="2800" dirty="0" err="1" smtClean="0">
+              <a:rPr lang="es-AR" sz="2800" dirty="0" err="1">
                 <a:solidFill>
                   <a:schemeClr val="bg1"/>
                 </a:solidFill>
@@ -24658,7 +24334,7 @@
               <a:t>Denoising</a:t>
             </a:r>
             <a:r>
-              <a:rPr lang="es-AR" sz="2800" dirty="0" smtClean="0">
+              <a:rPr lang="es-AR" sz="2800" dirty="0">
                 <a:solidFill>
                   <a:schemeClr val="bg1"/>
                 </a:solidFill>
@@ -24666,14 +24342,14 @@
               <a:t> </a:t>
             </a:r>
             <a:r>
-              <a:rPr lang="es-AR" sz="2800" dirty="0" err="1" smtClean="0">
+              <a:rPr lang="es-AR" sz="2800" dirty="0" err="1">
                 <a:solidFill>
                   <a:schemeClr val="bg1"/>
                 </a:solidFill>
               </a:rPr>
               <a:t>autoencoders</a:t>
             </a:r>
-            <a:endParaRPr lang="es-AR" sz="2800" dirty="0" smtClean="0">
+            <a:endParaRPr lang="es-AR" sz="2800" dirty="0">
               <a:solidFill>
                 <a:schemeClr val="bg1"/>
               </a:solidFill>
@@ -24689,11 +24365,6 @@
               </a:rPr>
               <a:t>	</a:t>
             </a:r>
-            <a:endParaRPr lang="es-AR" sz="2800" dirty="0" smtClean="0">
-              <a:solidFill>
-                <a:schemeClr val="bg1"/>
-              </a:solidFill>
-            </a:endParaRPr>
           </a:p>
         </p:txBody>
       </p:sp>
@@ -24783,13 +24454,6 @@
   <p:clrMapOvr>
     <a:masterClrMapping/>
   </p:clrMapOvr>
-  <p:timing>
-    <p:tnLst>
-      <p:par>
-        <p:cTn id="1" dur="indefinite" restart="never" nodeType="tmRoot"/>
-      </p:par>
-    </p:tnLst>
-  </p:timing>
 </p:sld>
 </file>
 
@@ -25009,14 +24673,14 @@
               <a:buNone/>
             </a:pPr>
             <a:r>
-              <a:rPr lang="es-AR" sz="3200" dirty="0" err="1" smtClean="0">
+              <a:rPr lang="es-AR" sz="3200" dirty="0" err="1">
                 <a:solidFill>
                   <a:schemeClr val="bg1"/>
                 </a:solidFill>
               </a:rPr>
               <a:t>Autoencoders</a:t>
             </a:r>
-            <a:endParaRPr lang="es-AR" sz="3200" dirty="0" smtClean="0">
+            <a:endParaRPr lang="es-AR" sz="3200" dirty="0">
               <a:solidFill>
                 <a:schemeClr val="bg1"/>
               </a:solidFill>
@@ -25212,7 +24876,7 @@
           <a:p>
             <a:pPr algn="l"/>
             <a:r>
-              <a:rPr lang="es-AR" sz="2800" b="1" dirty="0" err="1" smtClean="0">
+              <a:rPr lang="es-AR" sz="2800" b="1" dirty="0" err="1">
                 <a:solidFill>
                   <a:schemeClr val="bg1"/>
                 </a:solidFill>
@@ -25220,7 +24884,7 @@
               <a:t>undercomplete</a:t>
             </a:r>
             <a:r>
-              <a:rPr lang="es-AR" sz="2800" dirty="0" smtClean="0">
+              <a:rPr lang="es-AR" sz="2800" dirty="0">
                 <a:solidFill>
                   <a:schemeClr val="bg1"/>
                 </a:solidFill>
@@ -25228,7 +24892,7 @@
               <a:t> </a:t>
             </a:r>
             <a:r>
-              <a:rPr lang="es-AR" sz="2800" dirty="0" err="1" smtClean="0">
+              <a:rPr lang="es-AR" sz="2800" dirty="0" err="1">
                 <a:solidFill>
                   <a:schemeClr val="bg1"/>
                 </a:solidFill>
@@ -25236,7 +24900,7 @@
               <a:t>autoencoders</a:t>
             </a:r>
             <a:r>
-              <a:rPr lang="es-AR" sz="2800" dirty="0" smtClean="0">
+              <a:rPr lang="es-AR" sz="2800" dirty="0">
                 <a:solidFill>
                   <a:schemeClr val="bg1"/>
                 </a:solidFill>
@@ -25244,7 +24908,7 @@
               <a:t> vs </a:t>
             </a:r>
             <a:r>
-              <a:rPr lang="es-AR" sz="2800" b="1" dirty="0" err="1" smtClean="0">
+              <a:rPr lang="es-AR" sz="2800" b="1" dirty="0" err="1">
                 <a:solidFill>
                   <a:schemeClr val="bg1"/>
                 </a:solidFill>
@@ -25252,7 +24916,7 @@
               <a:t>regularized</a:t>
             </a:r>
             <a:r>
-              <a:rPr lang="es-AR" sz="2800" dirty="0" smtClean="0">
+              <a:rPr lang="es-AR" sz="2800" dirty="0">
                 <a:solidFill>
                   <a:schemeClr val="bg1"/>
                 </a:solidFill>
@@ -25260,14 +24924,14 @@
               <a:t> </a:t>
             </a:r>
             <a:r>
-              <a:rPr lang="es-AR" sz="2800" dirty="0" err="1" smtClean="0">
+              <a:rPr lang="es-AR" sz="2800" dirty="0" err="1">
                 <a:solidFill>
                   <a:schemeClr val="bg1"/>
                 </a:solidFill>
               </a:rPr>
               <a:t>autoencoders</a:t>
             </a:r>
-            <a:endParaRPr lang="es-AR" sz="2800" dirty="0" smtClean="0">
+            <a:endParaRPr lang="es-AR" sz="2800" dirty="0">
               <a:solidFill>
                 <a:schemeClr val="bg1"/>
               </a:solidFill>
@@ -25297,7 +24961,7 @@
           <a:lstStyle/>
           <a:p>
             <a:r>
-              <a:rPr lang="es-AR" sz="2400" dirty="0" smtClean="0">
+              <a:rPr lang="es-AR" sz="2400" dirty="0">
                 <a:solidFill>
                   <a:schemeClr val="bg1"/>
                 </a:solidFill>
@@ -25305,7 +24969,7 @@
               <a:t>Si en </a:t>
             </a:r>
             <a:r>
-              <a:rPr lang="es-AR" sz="2400" dirty="0" err="1" smtClean="0">
+              <a:rPr lang="es-AR" sz="2400" dirty="0" err="1">
                 <a:solidFill>
                   <a:schemeClr val="bg1"/>
                 </a:solidFill>
@@ -25313,7 +24977,7 @@
               <a:t>autoencoder</a:t>
             </a:r>
             <a:r>
-              <a:rPr lang="es-AR" sz="2400" dirty="0" smtClean="0">
+              <a:rPr lang="es-AR" sz="2400" dirty="0">
                 <a:solidFill>
                   <a:schemeClr val="bg1"/>
                 </a:solidFill>
@@ -25322,7 +24986,7 @@
             </a:r>
           </a:p>
           <a:p>
-            <a:endParaRPr lang="es-AR" sz="2400" dirty="0" smtClean="0">
+            <a:endParaRPr lang="es-AR" sz="2400" dirty="0">
               <a:solidFill>
                 <a:schemeClr val="bg1"/>
               </a:solidFill>
@@ -25330,7 +24994,7 @@
           </a:p>
           <a:p>
             <a:r>
-              <a:rPr lang="es-AR" sz="2400" dirty="0" smtClean="0">
+              <a:rPr lang="es-AR" sz="2400" dirty="0">
                 <a:solidFill>
                   <a:schemeClr val="bg1"/>
                 </a:solidFill>
@@ -25338,7 +25002,7 @@
               <a:t>Se reduce la capacidad del </a:t>
             </a:r>
             <a:r>
-              <a:rPr lang="es-AR" sz="2400" dirty="0" err="1" smtClean="0">
+              <a:rPr lang="es-AR" sz="2400" dirty="0" err="1">
                 <a:solidFill>
                   <a:schemeClr val="bg1"/>
                 </a:solidFill>
@@ -25346,7 +25010,7 @@
               <a:t>autoencoder</a:t>
             </a:r>
             <a:r>
-              <a:rPr lang="es-AR" sz="2400" dirty="0" smtClean="0">
+              <a:rPr lang="es-AR" sz="2400" dirty="0">
                 <a:solidFill>
                   <a:schemeClr val="bg1"/>
                 </a:solidFill>
@@ -25354,7 +25018,7 @@
               <a:t> (</a:t>
             </a:r>
             <a:r>
-              <a:rPr lang="es-AR" sz="2400" b="1" dirty="0" err="1" smtClean="0">
+              <a:rPr lang="es-AR" sz="2400" b="1" dirty="0" err="1">
                 <a:solidFill>
                   <a:schemeClr val="bg1"/>
                 </a:solidFill>
@@ -25362,7 +25026,7 @@
               <a:t>undercomplete</a:t>
             </a:r>
             <a:r>
-              <a:rPr lang="es-AR" sz="2400" b="1" dirty="0" smtClean="0">
+              <a:rPr lang="es-AR" sz="2400" b="1" dirty="0">
                 <a:solidFill>
                   <a:schemeClr val="bg1"/>
                 </a:solidFill>
@@ -25370,7 +25034,7 @@
               <a:t> …</a:t>
             </a:r>
             <a:r>
-              <a:rPr lang="es-AR" sz="2400" dirty="0" smtClean="0">
+              <a:rPr lang="es-AR" sz="2400" dirty="0">
                 <a:solidFill>
                   <a:schemeClr val="bg1"/>
                 </a:solidFill>
@@ -25378,7 +25042,7 @@
               <a:t>) para que aprenda los “aspectos relevante” de la entrada. Aprenden la </a:t>
             </a:r>
             <a:r>
-              <a:rPr lang="es-AR" sz="2400" i="1" dirty="0" err="1" smtClean="0">
+              <a:rPr lang="es-AR" sz="2400" i="1" dirty="0" err="1">
                 <a:solidFill>
                   <a:schemeClr val="bg1"/>
                 </a:solidFill>
@@ -25386,7 +25050,7 @@
               <a:t>latent</a:t>
             </a:r>
             <a:r>
-              <a:rPr lang="es-AR" sz="2400" i="1" dirty="0" smtClean="0">
+              <a:rPr lang="es-AR" sz="2400" i="1" dirty="0">
                 <a:solidFill>
                   <a:schemeClr val="bg1"/>
                 </a:solidFill>
@@ -25394,7 +25058,7 @@
               <a:t> variable </a:t>
             </a:r>
             <a:r>
-              <a:rPr lang="es-AR" sz="2400" dirty="0" smtClean="0">
+              <a:rPr lang="es-AR" sz="2400" dirty="0">
                 <a:solidFill>
                   <a:schemeClr val="bg1"/>
                 </a:solidFill>
@@ -25402,7 +25066,7 @@
               <a:t>del </a:t>
             </a:r>
             <a:r>
-              <a:rPr lang="es-AR" sz="2400" dirty="0" err="1" smtClean="0">
+              <a:rPr lang="es-AR" sz="2400" dirty="0" err="1">
                 <a:solidFill>
                   <a:schemeClr val="bg1"/>
                 </a:solidFill>
@@ -25410,7 +25074,7 @@
               <a:t>dataset</a:t>
             </a:r>
             <a:r>
-              <a:rPr lang="es-AR" sz="2400" dirty="0" smtClean="0">
+              <a:rPr lang="es-AR" sz="2400" dirty="0">
                 <a:solidFill>
                   <a:schemeClr val="bg1"/>
                 </a:solidFill>
@@ -25419,7 +25083,7 @@
             </a:r>
           </a:p>
           <a:p>
-            <a:endParaRPr lang="es-AR" sz="2400" i="1" dirty="0" smtClean="0">
+            <a:endParaRPr lang="es-AR" sz="2400" i="1" dirty="0">
               <a:solidFill>
                 <a:schemeClr val="bg1"/>
               </a:solidFill>
@@ -25427,7 +25091,7 @@
           </a:p>
           <a:p>
             <a:r>
-              <a:rPr lang="es-AR" sz="2400" dirty="0" smtClean="0">
+              <a:rPr lang="es-AR" sz="2400" dirty="0">
                 <a:solidFill>
                   <a:schemeClr val="bg1"/>
                 </a:solidFill>
@@ -25435,7 +25099,7 @@
               <a:t>Otra manera es “regularizar” sus pesos en el entrenamiento… </a:t>
             </a:r>
             <a:r>
-              <a:rPr lang="es-AR" sz="2400" b="1" dirty="0" err="1" smtClean="0">
+              <a:rPr lang="es-AR" sz="2400" b="1" dirty="0" err="1">
                 <a:solidFill>
                   <a:schemeClr val="bg1"/>
                 </a:solidFill>
@@ -25443,7 +25107,7 @@
               <a:t>regularized</a:t>
             </a:r>
             <a:r>
-              <a:rPr lang="es-AR" sz="2400" b="1" dirty="0" smtClean="0">
+              <a:rPr lang="es-AR" sz="2400" b="1" dirty="0">
                 <a:solidFill>
                   <a:schemeClr val="bg1"/>
                 </a:solidFill>
@@ -25451,7 +25115,7 @@
               <a:t> … </a:t>
             </a:r>
             <a:r>
-              <a:rPr lang="es-AR" sz="2400" dirty="0" smtClean="0">
+              <a:rPr lang="es-AR" sz="2400" dirty="0">
                 <a:solidFill>
                   <a:schemeClr val="bg1"/>
                 </a:solidFill>
@@ -25459,7 +25123,7 @@
               <a:t>para que aprenda otras características del </a:t>
             </a:r>
             <a:r>
-              <a:rPr lang="es-AR" sz="2400" dirty="0" err="1" smtClean="0">
+              <a:rPr lang="es-AR" sz="2400" dirty="0" err="1">
                 <a:solidFill>
                   <a:schemeClr val="bg1"/>
                 </a:solidFill>
@@ -25467,7 +25131,7 @@
               <a:t>dataset</a:t>
             </a:r>
             <a:r>
-              <a:rPr lang="es-AR" sz="2400" dirty="0" smtClean="0">
+              <a:rPr lang="es-AR" sz="2400" dirty="0">
                 <a:solidFill>
                   <a:schemeClr val="bg1"/>
                 </a:solidFill>
@@ -25516,13 +25180,6 @@
   <p:clrMapOvr>
     <a:masterClrMapping/>
   </p:clrMapOvr>
-  <p:timing>
-    <p:tnLst>
-      <p:par>
-        <p:cTn id="1" dur="indefinite" restart="never" nodeType="tmRoot"/>
-      </p:par>
-    </p:tnLst>
-  </p:timing>
 </p:sld>
 </file>
 
@@ -25742,14 +25399,14 @@
               <a:buNone/>
             </a:pPr>
             <a:r>
-              <a:rPr lang="es-AR" sz="3200" dirty="0" err="1" smtClean="0">
+              <a:rPr lang="es-AR" sz="3200" dirty="0" err="1">
                 <a:solidFill>
                   <a:schemeClr val="bg1"/>
                 </a:solidFill>
               </a:rPr>
               <a:t>Autoencoders</a:t>
             </a:r>
-            <a:endParaRPr lang="es-AR" sz="3200" dirty="0" smtClean="0">
+            <a:endParaRPr lang="es-AR" sz="3200" dirty="0">
               <a:solidFill>
                 <a:schemeClr val="bg1"/>
               </a:solidFill>
@@ -25945,7 +25602,7 @@
           <a:p>
             <a:pPr algn="l"/>
             <a:r>
-              <a:rPr lang="es-AR" sz="2800" dirty="0" err="1" smtClean="0">
+              <a:rPr lang="es-AR" sz="2800" dirty="0" err="1">
                 <a:solidFill>
                   <a:schemeClr val="bg1"/>
                 </a:solidFill>
@@ -25953,7 +25610,7 @@
               <a:t>Sparse</a:t>
             </a:r>
             <a:r>
-              <a:rPr lang="es-AR" sz="2800" dirty="0" smtClean="0">
+              <a:rPr lang="es-AR" sz="2800" dirty="0">
                 <a:solidFill>
                   <a:schemeClr val="bg1"/>
                 </a:solidFill>
@@ -25961,7 +25618,7 @@
               <a:t> </a:t>
             </a:r>
             <a:r>
-              <a:rPr lang="es-AR" sz="2800" dirty="0" err="1" smtClean="0">
+              <a:rPr lang="es-AR" sz="2800" dirty="0" err="1">
                 <a:solidFill>
                   <a:schemeClr val="bg1"/>
                 </a:solidFill>
@@ -25969,7 +25626,7 @@
               <a:t>autoencodes</a:t>
             </a:r>
             <a:r>
-              <a:rPr lang="es-AR" sz="2800" dirty="0" smtClean="0">
+              <a:rPr lang="es-AR" sz="2800" dirty="0">
                 <a:solidFill>
                   <a:schemeClr val="bg1"/>
                 </a:solidFill>
@@ -25977,7 +25634,7 @@
               <a:t> </a:t>
             </a:r>
             <a:r>
-              <a:rPr lang="es-AR" sz="2800" dirty="0" smtClean="0">
+              <a:rPr lang="es-AR" sz="2800" dirty="0">
                 <a:solidFill>
                   <a:schemeClr val="bg1"/>
                 </a:solidFill>
@@ -25985,7 +25642,7 @@
               </a:rPr>
               <a:t> limitación de activación neuronas</a:t>
             </a:r>
-            <a:endParaRPr lang="es-AR" sz="2800" dirty="0" smtClean="0">
+            <a:endParaRPr lang="es-AR" sz="2800" dirty="0">
               <a:solidFill>
                 <a:schemeClr val="bg1"/>
               </a:solidFill>
@@ -26103,7 +25760,7 @@
               <a:t>- </a:t>
             </a:r>
             <a:r>
-              <a:rPr lang="es-AR" sz="2000" dirty="0" err="1" smtClean="0">
+              <a:rPr lang="es-AR" sz="2000" dirty="0" err="1">
                 <a:solidFill>
                   <a:schemeClr val="bg1"/>
                 </a:solidFill>
@@ -26111,7 +25768,55 @@
               <a:t>for</a:t>
             </a:r>
             <a:r>
-              <a:rPr lang="es-AR" sz="2000" dirty="0" smtClean="0">
+              <a:rPr lang="es-AR" sz="2000" dirty="0">
+                <a:solidFill>
+                  <a:schemeClr val="bg1"/>
+                </a:solidFill>
+              </a:rPr>
+              <a:t> a </a:t>
+            </a:r>
+            <a:r>
+              <a:rPr lang="es-AR" sz="2000" dirty="0" err="1">
+                <a:solidFill>
+                  <a:schemeClr val="bg1"/>
+                </a:solidFill>
+              </a:rPr>
+              <a:t>given</a:t>
+            </a:r>
+            <a:r>
+              <a:rPr lang="es-AR" sz="2000" dirty="0">
+                <a:solidFill>
+                  <a:schemeClr val="bg1"/>
+                </a:solidFill>
+              </a:rPr>
+              <a:t> input, </a:t>
+            </a:r>
+            <a:r>
+              <a:rPr lang="es-AR" sz="2000" dirty="0" err="1">
+                <a:solidFill>
+                  <a:schemeClr val="bg1"/>
+                </a:solidFill>
+              </a:rPr>
+              <a:t>most</a:t>
+            </a:r>
+            <a:r>
+              <a:rPr lang="es-AR" sz="2000" dirty="0">
+                <a:solidFill>
+                  <a:schemeClr val="bg1"/>
+                </a:solidFill>
+              </a:rPr>
+              <a:t> of </a:t>
+            </a:r>
+            <a:r>
+              <a:rPr lang="es-AR" sz="2000" dirty="0" err="1">
+                <a:solidFill>
+                  <a:schemeClr val="bg1"/>
+                </a:solidFill>
+              </a:rPr>
+              <a:t>the</a:t>
+            </a:r>
+            <a:r>
+              <a:rPr lang="es-AR" sz="2000" dirty="0">
                 <a:solidFill>
                   <a:schemeClr val="bg1"/>
                 </a:solidFill>
@@ -26119,12 +25824,20 @@
               <a:t> </a:t>
             </a:r>
             <a:r>
+              <a:rPr lang="es-AR" sz="2000" dirty="0" err="1">
+                <a:solidFill>
+                  <a:schemeClr val="bg1"/>
+                </a:solidFill>
+              </a:rPr>
+              <a:t>hidden</a:t>
+            </a:r>
+            <a:r>
               <a:rPr lang="es-AR" sz="2000" dirty="0">
                 <a:solidFill>
                   <a:schemeClr val="bg1"/>
                 </a:solidFill>
               </a:rPr>
-              <a:t>a </a:t>
+              <a:t> </a:t>
             </a:r>
             <a:r>
               <a:rPr lang="es-AR" sz="2000" dirty="0" err="1">
@@ -26132,7 +25845,7 @@
                   <a:schemeClr val="bg1"/>
                 </a:solidFill>
               </a:rPr>
-              <a:t>given</a:t>
+              <a:t>neurons</a:t>
             </a:r>
             <a:r>
               <a:rPr lang="es-AR" sz="2000" dirty="0">
@@ -26140,7 +25853,7 @@
                   <a:schemeClr val="bg1"/>
                 </a:solidFill>
               </a:rPr>
-              <a:t> input, </a:t>
+              <a:t> </a:t>
             </a:r>
             <a:r>
               <a:rPr lang="es-AR" sz="2000" dirty="0" err="1">
@@ -26148,7 +25861,7 @@
                   <a:schemeClr val="bg1"/>
                 </a:solidFill>
               </a:rPr>
-              <a:t>most</a:t>
+              <a:t>only</a:t>
             </a:r>
             <a:r>
               <a:rPr lang="es-AR" sz="2000" dirty="0">
@@ -26156,7 +25869,7 @@
                   <a:schemeClr val="bg1"/>
                 </a:solidFill>
               </a:rPr>
-              <a:t> of </a:t>
+              <a:t> produce a </a:t>
             </a:r>
             <a:r>
               <a:rPr lang="es-AR" sz="2000" dirty="0" err="1">
@@ -26164,7 +25877,7 @@
                   <a:schemeClr val="bg1"/>
                 </a:solidFill>
               </a:rPr>
-              <a:t>the</a:t>
+              <a:t>very</a:t>
             </a:r>
             <a:r>
               <a:rPr lang="es-AR" sz="2000" dirty="0">
@@ -26180,7 +25893,7 @@
                   <a:schemeClr val="bg1"/>
                 </a:solidFill>
               </a:rPr>
-              <a:t>hidden</a:t>
+              <a:t>small</a:t>
             </a:r>
             <a:r>
               <a:rPr lang="es-AR" sz="2000" dirty="0">
@@ -26196,74 +25909,10 @@
                   <a:schemeClr val="bg1"/>
                 </a:solidFill>
               </a:rPr>
-              <a:t>neurons</a:t>
+              <a:t>activation</a:t>
             </a:r>
             <a:r>
               <a:rPr lang="es-AR" sz="2000" dirty="0">
-                <a:solidFill>
-                  <a:schemeClr val="bg1"/>
-                </a:solidFill>
-              </a:rPr>
-              <a:t> </a:t>
-            </a:r>
-            <a:r>
-              <a:rPr lang="es-AR" sz="2000" dirty="0" err="1">
-                <a:solidFill>
-                  <a:schemeClr val="bg1"/>
-                </a:solidFill>
-              </a:rPr>
-              <a:t>only</a:t>
-            </a:r>
-            <a:r>
-              <a:rPr lang="es-AR" sz="2000" dirty="0">
-                <a:solidFill>
-                  <a:schemeClr val="bg1"/>
-                </a:solidFill>
-              </a:rPr>
-              <a:t> produce a </a:t>
-            </a:r>
-            <a:r>
-              <a:rPr lang="es-AR" sz="2000" dirty="0" err="1">
-                <a:solidFill>
-                  <a:schemeClr val="bg1"/>
-                </a:solidFill>
-              </a:rPr>
-              <a:t>very</a:t>
-            </a:r>
-            <a:r>
-              <a:rPr lang="es-AR" sz="2000" dirty="0">
-                <a:solidFill>
-                  <a:schemeClr val="bg1"/>
-                </a:solidFill>
-              </a:rPr>
-              <a:t> </a:t>
-            </a:r>
-            <a:r>
-              <a:rPr lang="es-AR" sz="2000" dirty="0" err="1">
-                <a:solidFill>
-                  <a:schemeClr val="bg1"/>
-                </a:solidFill>
-              </a:rPr>
-              <a:t>small</a:t>
-            </a:r>
-            <a:r>
-              <a:rPr lang="es-AR" sz="2000" dirty="0">
-                <a:solidFill>
-                  <a:schemeClr val="bg1"/>
-                </a:solidFill>
-              </a:rPr>
-              <a:t> </a:t>
-            </a:r>
-            <a:r>
-              <a:rPr lang="es-AR" sz="2000" dirty="0" err="1">
-                <a:solidFill>
-                  <a:schemeClr val="bg1"/>
-                </a:solidFill>
-              </a:rPr>
-              <a:t>activation</a:t>
-            </a:r>
-            <a:r>
-              <a:rPr lang="es-AR" sz="2000" dirty="0" smtClean="0">
                 <a:solidFill>
                   <a:schemeClr val="bg1"/>
                 </a:solidFill>
@@ -26607,15 +26256,7 @@
                   <a:schemeClr val="bg1"/>
                 </a:solidFill>
               </a:rPr>
-              <a:t>., </a:t>
-            </a:r>
-            <a:r>
-              <a:rPr lang="es-AR" sz="2000" dirty="0" smtClean="0">
-                <a:solidFill>
-                  <a:schemeClr val="bg1"/>
-                </a:solidFill>
-              </a:rPr>
-              <a:t>0.5</a:t>
+              <a:t>., 0.5</a:t>
             </a:r>
           </a:p>
           <a:p>
@@ -26658,7 +26299,7 @@
               <a:buNone/>
               <a:tabLst/>
             </a:pPr>
-            <a:endParaRPr kumimoji="0" lang="es-AR" sz="2000" b="0" i="0" u="none" strike="noStrike" cap="none" normalizeH="0" baseline="0" dirty="0" smtClean="0">
+            <a:endParaRPr kumimoji="0" lang="es-AR" sz="2000" b="0" i="0" u="none" strike="noStrike" cap="none" normalizeH="0" baseline="0" dirty="0">
               <a:ln>
                 <a:noFill/>
               </a:ln>
@@ -26704,20 +26345,12 @@
               <a:buChar char="•"/>
             </a:pPr>
             <a:r>
-              <a:rPr lang="en-US" sz="2000" dirty="0" smtClean="0">
-                <a:solidFill>
-                  <a:schemeClr val="bg1"/>
-                </a:solidFill>
-              </a:rPr>
-              <a:t> This </a:t>
-            </a:r>
-            <a:r>
               <a:rPr lang="en-US" sz="2000" dirty="0">
                 <a:solidFill>
                   <a:schemeClr val="bg1"/>
                 </a:solidFill>
               </a:rPr>
-              <a:t>prevents </a:t>
+              <a:t> This prevents </a:t>
             </a:r>
             <a:r>
               <a:rPr lang="en-US" sz="2000" dirty="0" err="1">
@@ -26974,7 +26607,7 @@
           <a:p>
             <a:pPr algn="l"/>
             <a:r>
-              <a:rPr lang="es-AR" dirty="0" err="1" smtClean="0">
+              <a:rPr lang="es-AR" dirty="0" err="1">
                 <a:solidFill>
                   <a:schemeClr val="bg1"/>
                 </a:solidFill>
@@ -26982,7 +26615,7 @@
               <a:t>Sparse</a:t>
             </a:r>
             <a:r>
-              <a:rPr lang="es-AR" dirty="0" smtClean="0">
+              <a:rPr lang="es-AR" dirty="0">
                 <a:solidFill>
                   <a:schemeClr val="bg1"/>
                 </a:solidFill>
@@ -26990,7 +26623,7 @@
               <a:t> </a:t>
             </a:r>
             <a:r>
-              <a:rPr lang="es-AR" dirty="0" err="1" smtClean="0">
+              <a:rPr lang="es-AR" dirty="0" err="1">
                 <a:solidFill>
                   <a:schemeClr val="bg1"/>
                 </a:solidFill>
@@ -26998,7 +26631,7 @@
               <a:t>autoencodes</a:t>
             </a:r>
             <a:r>
-              <a:rPr lang="es-AR" dirty="0" smtClean="0">
+              <a:rPr lang="es-AR" dirty="0">
                 <a:solidFill>
                   <a:schemeClr val="bg1"/>
                 </a:solidFill>
@@ -27006,7 +26639,7 @@
               <a:t> </a:t>
             </a:r>
             <a:r>
-              <a:rPr lang="es-AR" dirty="0" smtClean="0">
+              <a:rPr lang="es-AR" dirty="0">
                 <a:solidFill>
                   <a:schemeClr val="bg1"/>
                 </a:solidFill>
@@ -27015,7 +26648,7 @@
               <a:t> para </a:t>
             </a:r>
             <a:r>
-              <a:rPr lang="es-AR" b="1" dirty="0" smtClean="0">
+              <a:rPr lang="es-AR" b="1" dirty="0">
                 <a:solidFill>
                   <a:schemeClr val="bg1"/>
                 </a:solidFill>
@@ -27024,7 +26657,7 @@
               <a:t>obtener </a:t>
             </a:r>
             <a:r>
-              <a:rPr lang="es-AR" b="1" dirty="0" err="1" smtClean="0">
+              <a:rPr lang="es-AR" b="1" dirty="0" err="1">
                 <a:solidFill>
                   <a:schemeClr val="bg1"/>
                 </a:solidFill>
@@ -27033,7 +26666,7 @@
               <a:t>features</a:t>
             </a:r>
             <a:r>
-              <a:rPr lang="es-AR" b="1" dirty="0" smtClean="0">
+              <a:rPr lang="es-AR" b="1" dirty="0">
                 <a:solidFill>
                   <a:schemeClr val="bg1"/>
                 </a:solidFill>
@@ -27042,7 +26675,7 @@
               <a:t> </a:t>
             </a:r>
             <a:r>
-              <a:rPr lang="es-AR" dirty="0" smtClean="0">
+              <a:rPr lang="es-AR" dirty="0">
                 <a:solidFill>
                   <a:schemeClr val="bg1"/>
                 </a:solidFill>
@@ -27050,7 +26683,7 @@
               </a:rPr>
               <a:t>para otra tarea  pre-training.</a:t>
             </a:r>
-            <a:endParaRPr lang="es-AR" dirty="0" smtClean="0">
+            <a:endParaRPr lang="es-AR" dirty="0">
               <a:solidFill>
                 <a:schemeClr val="bg1"/>
               </a:solidFill>
@@ -27068,13 +26701,6 @@
   <p:clrMapOvr>
     <a:masterClrMapping/>
   </p:clrMapOvr>
-  <p:timing>
-    <p:tnLst>
-      <p:par>
-        <p:cTn id="1" dur="indefinite" restart="never" nodeType="tmRoot"/>
-      </p:par>
-    </p:tnLst>
-  </p:timing>
 </p:sld>
 </file>
 
@@ -27294,14 +26920,14 @@
               <a:buNone/>
             </a:pPr>
             <a:r>
-              <a:rPr lang="es-AR" sz="3200" dirty="0" err="1" smtClean="0">
+              <a:rPr lang="es-AR" sz="3200" dirty="0" err="1">
                 <a:solidFill>
                   <a:schemeClr val="bg1"/>
                 </a:solidFill>
               </a:rPr>
               <a:t>Autoencoders</a:t>
             </a:r>
-            <a:endParaRPr lang="es-AR" sz="3200" dirty="0" smtClean="0">
+            <a:endParaRPr lang="es-AR" sz="3200" dirty="0">
               <a:solidFill>
                 <a:schemeClr val="bg1"/>
               </a:solidFill>
@@ -27508,7 +27134,7 @@
               <a:buNone/>
             </a:pPr>
             <a:r>
-              <a:rPr lang="es-AR" sz="3200" dirty="0" err="1" smtClean="0">
+              <a:rPr lang="es-AR" sz="3200" dirty="0" err="1">
                 <a:solidFill>
                   <a:schemeClr val="bg1"/>
                 </a:solidFill>
@@ -27516,7 +27142,7 @@
               <a:t>constractive</a:t>
             </a:r>
             <a:r>
-              <a:rPr lang="es-AR" sz="3200" dirty="0" smtClean="0">
+              <a:rPr lang="es-AR" sz="3200" dirty="0">
                 <a:solidFill>
                   <a:schemeClr val="bg1"/>
                 </a:solidFill>
@@ -27524,7 +27150,7 @@
               <a:t> </a:t>
             </a:r>
             <a:r>
-              <a:rPr lang="es-AR" sz="3200" dirty="0" err="1" smtClean="0">
+              <a:rPr lang="es-AR" sz="3200" dirty="0" err="1">
                 <a:solidFill>
                   <a:schemeClr val="bg1"/>
                 </a:solidFill>
@@ -27532,7 +27158,7 @@
               <a:t>autoencoders</a:t>
             </a:r>
             <a:r>
-              <a:rPr lang="es-AR" sz="3200" dirty="0" smtClean="0">
+              <a:rPr lang="es-AR" sz="3200" dirty="0">
                 <a:solidFill>
                   <a:schemeClr val="bg1"/>
                 </a:solidFill>
@@ -27730,7 +27356,7 @@
           <a:p>
             <a:pPr algn="l"/>
             <a:r>
-              <a:rPr lang="es-AR" dirty="0" err="1" smtClean="0">
+              <a:rPr lang="es-AR" dirty="0" err="1">
                 <a:solidFill>
                   <a:schemeClr val="bg1"/>
                 </a:solidFill>
@@ -27738,7 +27364,7 @@
               <a:t>Constractive</a:t>
             </a:r>
             <a:r>
-              <a:rPr lang="es-AR" dirty="0" smtClean="0">
+              <a:rPr lang="es-AR" dirty="0">
                 <a:solidFill>
                   <a:schemeClr val="bg1"/>
                 </a:solidFill>
@@ -27746,7 +27372,7 @@
               <a:t> </a:t>
             </a:r>
             <a:r>
-              <a:rPr lang="es-AR" dirty="0" err="1" smtClean="0">
+              <a:rPr lang="es-AR" dirty="0" err="1">
                 <a:solidFill>
                   <a:schemeClr val="bg1"/>
                 </a:solidFill>
@@ -27754,7 +27380,7 @@
               <a:t>autoencodes</a:t>
             </a:r>
             <a:r>
-              <a:rPr lang="es-AR" dirty="0" smtClean="0">
+              <a:rPr lang="es-AR" dirty="0">
                 <a:solidFill>
                   <a:schemeClr val="bg1"/>
                 </a:solidFill>
@@ -27762,7 +27388,7 @@
               <a:t> </a:t>
             </a:r>
             <a:r>
-              <a:rPr lang="es-AR" dirty="0" smtClean="0">
+              <a:rPr lang="es-AR" dirty="0">
                 <a:solidFill>
                   <a:schemeClr val="bg1"/>
                 </a:solidFill>
@@ -27770,7 +27396,7 @@
               </a:rPr>
               <a:t> hace una f(x) que no varia mucho con pequeños cambios en x</a:t>
             </a:r>
-            <a:endParaRPr lang="es-AR" dirty="0" smtClean="0">
+            <a:endParaRPr lang="es-AR" dirty="0">
               <a:solidFill>
                 <a:schemeClr val="bg1"/>
               </a:solidFill>
@@ -27810,8 +27436,8 @@
         </p:nvSpPr>
         <p:spPr>
           <a:xfrm>
-            <a:off x="3434348" y="1877277"/>
-            <a:ext cx="7461179" cy="707886"/>
+            <a:off x="3520216" y="1776863"/>
+            <a:ext cx="7461179" cy="830997"/>
           </a:xfrm>
           <a:prstGeom prst="rect">
             <a:avLst/>
@@ -27824,38 +27450,22 @@
           <a:lstStyle/>
           <a:p>
             <a:r>
-              <a:rPr lang="en-US" sz="2000" dirty="0">
-                <a:solidFill>
-                  <a:schemeClr val="bg1"/>
-                </a:solidFill>
-              </a:rPr>
-              <a:t>The objective </a:t>
-            </a:r>
-            <a:r>
-              <a:rPr lang="en-US" sz="2000" dirty="0" smtClean="0">
-                <a:solidFill>
-                  <a:schemeClr val="bg1"/>
-                </a:solidFill>
-              </a:rPr>
-              <a:t>is </a:t>
-            </a:r>
-            <a:r>
-              <a:rPr lang="en-US" sz="2000" dirty="0">
-                <a:solidFill>
-                  <a:schemeClr val="bg1"/>
-                </a:solidFill>
-              </a:rPr>
-              <a:t>to have a robust learned representation which is </a:t>
-            </a:r>
-            <a:r>
-              <a:rPr lang="en-US" sz="2000" b="1" dirty="0">
+              <a:rPr lang="en-US" sz="2400" dirty="0">
+                <a:solidFill>
+                  <a:schemeClr val="bg1"/>
+                </a:solidFill>
+              </a:rPr>
+              <a:t>The objective is to have a robust learned representation which is </a:t>
+            </a:r>
+            <a:r>
+              <a:rPr lang="en-US" sz="2400" b="1" dirty="0">
                 <a:solidFill>
                   <a:schemeClr val="bg1"/>
                 </a:solidFill>
               </a:rPr>
               <a:t>less sensitive to small variation in the data</a:t>
             </a:r>
-            <a:endParaRPr lang="es-AR" sz="2000" b="1" dirty="0">
+            <a:endParaRPr lang="es-AR" sz="2400" b="1" dirty="0">
               <a:solidFill>
                 <a:schemeClr val="bg1"/>
               </a:solidFill>
@@ -27872,7 +27482,7 @@
         <p:spPr>
           <a:xfrm>
             <a:off x="347712" y="3142720"/>
-            <a:ext cx="11153121" cy="646331"/>
+            <a:ext cx="11153121" cy="707886"/>
           </a:xfrm>
           <a:prstGeom prst="rect">
             <a:avLst/>
@@ -27889,23 +27499,15 @@
               <a:buChar char="•"/>
             </a:pPr>
             <a:r>
-              <a:rPr lang="en-US" dirty="0" smtClean="0">
-                <a:solidFill>
-                  <a:schemeClr val="bg1"/>
-                </a:solidFill>
-              </a:rPr>
-              <a:t> Similar </a:t>
-            </a:r>
-            <a:r>
-              <a:rPr lang="en-US" dirty="0">
-                <a:solidFill>
-                  <a:schemeClr val="bg1"/>
-                </a:solidFill>
-              </a:rPr>
-              <a:t>inputs have similar encodings. Hence, we're forcing the model to learn how to </a:t>
-            </a:r>
-            <a:r>
-              <a:rPr lang="en-US" b="1" dirty="0">
+              <a:rPr lang="en-US" sz="2000" dirty="0">
+                <a:solidFill>
+                  <a:schemeClr val="bg1"/>
+                </a:solidFill>
+              </a:rPr>
+              <a:t> Similar inputs have similar encodings. Hence, we're forcing the model to learn how to </a:t>
+            </a:r>
+            <a:r>
+              <a:rPr lang="en-US" sz="2000" b="1" dirty="0">
                 <a:solidFill>
                   <a:schemeClr val="bg1"/>
                 </a:solidFill>
@@ -27913,7 +27515,7 @@
               <a:t>contract</a:t>
             </a:r>
             <a:r>
-              <a:rPr lang="en-US" dirty="0">
+              <a:rPr lang="en-US" sz="2000" dirty="0">
                 <a:solidFill>
                   <a:schemeClr val="bg1"/>
                 </a:solidFill>
@@ -27932,7 +27534,7 @@
         <p:spPr>
           <a:xfrm>
             <a:off x="347711" y="4225518"/>
-            <a:ext cx="11153121" cy="1508105"/>
+            <a:ext cx="11153121" cy="1384995"/>
           </a:xfrm>
           <a:prstGeom prst="rect">
             <a:avLst/>
@@ -27949,7 +27551,7 @@
               <a:buChar char="•"/>
             </a:pPr>
             <a:r>
-              <a:rPr lang="es-AR" dirty="0" smtClean="0">
+              <a:rPr lang="es-AR" sz="2000" dirty="0">
                 <a:solidFill>
                   <a:schemeClr val="bg1"/>
                 </a:solidFill>
@@ -27957,7 +27559,7 @@
               <a:t> </a:t>
             </a:r>
             <a:r>
-              <a:rPr lang="es-AR" dirty="0" err="1" smtClean="0">
+              <a:rPr lang="es-AR" sz="2000" dirty="0" err="1">
                 <a:solidFill>
                   <a:schemeClr val="bg1"/>
                 </a:solidFill>
@@ -27965,7 +27567,7 @@
               <a:t>Undercomplete</a:t>
             </a:r>
             <a:r>
-              <a:rPr lang="es-AR" dirty="0" smtClean="0">
+              <a:rPr lang="es-AR" sz="2000" dirty="0">
                 <a:solidFill>
                   <a:schemeClr val="bg1"/>
                 </a:solidFill>
@@ -27973,7 +27575,7 @@
               <a:t> + </a:t>
             </a:r>
             <a:r>
-              <a:rPr lang="es-AR" dirty="0" err="1" smtClean="0">
+              <a:rPr lang="es-AR" sz="2000" dirty="0" err="1">
                 <a:solidFill>
                   <a:schemeClr val="bg1"/>
                 </a:solidFill>
@@ -27981,7 +27583,7 @@
               <a:t>constractive</a:t>
             </a:r>
             <a:r>
-              <a:rPr lang="es-AR" dirty="0" smtClean="0">
+              <a:rPr lang="es-AR" sz="2000" dirty="0">
                 <a:solidFill>
                   <a:schemeClr val="bg1"/>
                 </a:solidFill>
@@ -27989,16 +27591,16 @@
               <a:t> </a:t>
             </a:r>
             <a:r>
-              <a:rPr lang="es-AR" dirty="0" smtClean="0">
+              <a:rPr lang="es-AR" sz="2000" dirty="0">
                 <a:solidFill>
                   <a:schemeClr val="bg1"/>
                 </a:solidFill>
                 <a:sym typeface="Wingdings" panose="05000000000000000000" pitchFamily="2" charset="2"/>
               </a:rPr>
-              <a:t> se aprenden	d </a:t>
-            </a:r>
-            <a:r>
-              <a:rPr lang="es-AR" b="1" dirty="0" smtClean="0">
+              <a:t> se aprenden d </a:t>
+            </a:r>
+            <a:r>
+              <a:rPr lang="es-AR" sz="2000" b="1" dirty="0">
                 <a:solidFill>
                   <a:schemeClr val="bg1"/>
                 </a:solidFill>
@@ -28007,7 +27609,7 @@
               <a:t>f</a:t>
             </a:r>
             <a:r>
-              <a:rPr lang="es-AR" dirty="0" smtClean="0">
+              <a:rPr lang="es-AR" sz="2000" dirty="0">
                 <a:solidFill>
                   <a:schemeClr val="bg1"/>
                 </a:solidFill>
@@ -28016,7 +27618,7 @@
               <a:t>(</a:t>
             </a:r>
             <a:r>
-              <a:rPr lang="es-AR" b="1" dirty="0" smtClean="0">
+              <a:rPr lang="es-AR" sz="2000" b="1" dirty="0">
                 <a:solidFill>
                   <a:schemeClr val="bg1"/>
                 </a:solidFill>
@@ -28025,7 +27627,7 @@
               <a:t>x</a:t>
             </a:r>
             <a:r>
-              <a:rPr lang="es-AR" dirty="0" smtClean="0">
+              <a:rPr lang="es-AR" sz="2000" dirty="0">
                 <a:solidFill>
                   <a:schemeClr val="bg1"/>
                 </a:solidFill>
@@ -28034,7 +27636,7 @@
               <a:t>)/d</a:t>
             </a:r>
             <a:r>
-              <a:rPr lang="es-AR" b="1" dirty="0" smtClean="0">
+              <a:rPr lang="es-AR" sz="2000" b="1" dirty="0">
                 <a:solidFill>
                   <a:schemeClr val="bg1"/>
                 </a:solidFill>
@@ -28043,52 +27645,43 @@
               <a:t>x</a:t>
             </a:r>
             <a:r>
-              <a:rPr lang="es-AR" dirty="0">
+              <a:rPr lang="es-AR" sz="2000" dirty="0">
                 <a:solidFill>
                   <a:schemeClr val="bg1"/>
                 </a:solidFill>
                 <a:sym typeface="Wingdings" panose="05000000000000000000" pitchFamily="2" charset="2"/>
               </a:rPr>
-              <a:t> </a:t>
-            </a:r>
-            <a:r>
-              <a:rPr lang="es-AR" dirty="0" smtClean="0">
+              <a:t> pequeñas. Solo un número pequeño de </a:t>
+            </a:r>
+            <a:r>
+              <a:rPr lang="es-AR" sz="2000" b="1" dirty="0">
                 <a:solidFill>
                   <a:schemeClr val="bg1"/>
                 </a:solidFill>
                 <a:sym typeface="Wingdings" panose="05000000000000000000" pitchFamily="2" charset="2"/>
               </a:rPr>
-              <a:t>pequeñas. Solo un número pequeño de </a:t>
-            </a:r>
-            <a:r>
-              <a:rPr lang="es-AR" b="1" dirty="0" smtClean="0">
+              <a:t>hi</a:t>
+            </a:r>
+            <a:r>
+              <a:rPr lang="es-AR" sz="2000" dirty="0">
                 <a:solidFill>
                   <a:schemeClr val="bg1"/>
                 </a:solidFill>
                 <a:sym typeface="Wingdings" panose="05000000000000000000" pitchFamily="2" charset="2"/>
               </a:rPr>
-              <a:t>hi</a:t>
-            </a:r>
-            <a:r>
-              <a:rPr lang="es-AR" dirty="0" smtClean="0">
+              <a:t> (que se corresponden con un número reducido de direcciones en </a:t>
+            </a:r>
+            <a:r>
+              <a:rPr lang="es-AR" sz="2000" b="1" dirty="0">
                 <a:solidFill>
                   <a:schemeClr val="bg1"/>
                 </a:solidFill>
                 <a:sym typeface="Wingdings" panose="05000000000000000000" pitchFamily="2" charset="2"/>
               </a:rPr>
-              <a:t> (que se corresponden con un número reducido de direcciones en </a:t>
-            </a:r>
-            <a:r>
-              <a:rPr lang="es-AR" b="1" dirty="0" smtClean="0">
-                <a:solidFill>
-                  <a:schemeClr val="bg1"/>
-                </a:solidFill>
-                <a:sym typeface="Wingdings" panose="05000000000000000000" pitchFamily="2" charset="2"/>
-              </a:rPr>
               <a:t>x</a:t>
             </a:r>
             <a:r>
-              <a:rPr lang="es-AR" dirty="0" smtClean="0">
+              <a:rPr lang="es-AR" sz="2000" dirty="0">
                 <a:solidFill>
                   <a:schemeClr val="bg1"/>
                 </a:solidFill>
@@ -28102,7 +27695,7 @@
               <a:buFont typeface="Arial" panose="020B0604020202020204" pitchFamily="34" charset="0"/>
               <a:buChar char="•"/>
             </a:pPr>
-            <a:endParaRPr lang="es-AR" dirty="0" smtClean="0">
+            <a:endParaRPr lang="es-AR" sz="2000" dirty="0">
               <a:solidFill>
                 <a:schemeClr val="bg1"/>
               </a:solidFill>
@@ -28115,7 +27708,7 @@
               <a:buChar char="•"/>
             </a:pPr>
             <a:r>
-              <a:rPr lang="es-AR" sz="2000" dirty="0" smtClean="0">
+              <a:rPr lang="es-AR" sz="2400" dirty="0">
                 <a:solidFill>
                   <a:srgbClr val="FF0000"/>
                 </a:solidFill>
@@ -28124,7 +27717,7 @@
               <a:t> Esas direcciones marcarán los planos tangentes en el </a:t>
             </a:r>
             <a:r>
-              <a:rPr lang="es-AR" sz="2000" i="1" dirty="0" err="1" smtClean="0">
+              <a:rPr lang="es-AR" sz="2400" i="1" dirty="0" err="1">
                 <a:solidFill>
                   <a:srgbClr val="FF0000"/>
                 </a:solidFill>
@@ -28133,7 +27726,7 @@
               <a:t>manifold</a:t>
             </a:r>
             <a:r>
-              <a:rPr lang="es-AR" sz="2000" i="1" dirty="0" smtClean="0">
+              <a:rPr lang="es-AR" sz="2400" i="1" dirty="0">
                 <a:solidFill>
                   <a:srgbClr val="FF0000"/>
                 </a:solidFill>
@@ -28142,7 +27735,7 @@
               <a:t> </a:t>
             </a:r>
             <a:r>
-              <a:rPr lang="es-AR" sz="2000" i="1" dirty="0" err="1" smtClean="0">
+              <a:rPr lang="es-AR" sz="2400" i="1" dirty="0" err="1">
                 <a:solidFill>
                   <a:srgbClr val="FF0000"/>
                 </a:solidFill>
@@ -28150,7 +27743,7 @@
               </a:rPr>
               <a:t>hiperplane</a:t>
             </a:r>
-            <a:endParaRPr lang="es-AR" sz="2000" i="1" dirty="0">
+            <a:endParaRPr lang="es-AR" sz="2400" i="1" dirty="0">
               <a:solidFill>
                 <a:srgbClr val="FF0000"/>
               </a:solidFill>
@@ -28168,13 +27761,6 @@
   <p:clrMapOvr>
     <a:masterClrMapping/>
   </p:clrMapOvr>
-  <p:timing>
-    <p:tnLst>
-      <p:par>
-        <p:cTn id="1" dur="indefinite" restart="never" nodeType="tmRoot"/>
-      </p:par>
-    </p:tnLst>
-  </p:timing>
 </p:sld>
 </file>
 
@@ -28394,14 +27980,14 @@
               <a:buNone/>
             </a:pPr>
             <a:r>
-              <a:rPr lang="es-AR" sz="3200" dirty="0" err="1" smtClean="0">
+              <a:rPr lang="es-AR" sz="3200" dirty="0" err="1">
                 <a:solidFill>
                   <a:schemeClr val="bg1"/>
                 </a:solidFill>
               </a:rPr>
               <a:t>Autoencoders</a:t>
             </a:r>
-            <a:endParaRPr lang="es-AR" sz="3200" dirty="0" smtClean="0">
+            <a:endParaRPr lang="es-AR" sz="3200" dirty="0">
               <a:solidFill>
                 <a:schemeClr val="bg1"/>
               </a:solidFill>
@@ -28478,8 +28064,8 @@
         </p:blipFill>
         <p:spPr>
           <a:xfrm>
-            <a:off x="1023467" y="3666019"/>
-            <a:ext cx="4514850" cy="1880316"/>
+            <a:off x="599398" y="3723861"/>
+            <a:ext cx="5389544" cy="2244603"/>
           </a:xfrm>
           <a:prstGeom prst="rect">
             <a:avLst/>
@@ -28494,7 +28080,7 @@
         </p:nvSpPr>
         <p:spPr>
           <a:xfrm>
-            <a:off x="1667813" y="3191621"/>
+            <a:off x="1919604" y="3144980"/>
             <a:ext cx="3226159" cy="369332"/>
           </a:xfrm>
           <a:prstGeom prst="rect">
@@ -28508,7 +28094,7 @@
           <a:lstStyle/>
           <a:p>
             <a:r>
-              <a:rPr lang="es-AR" dirty="0" smtClean="0">
+              <a:rPr lang="es-AR" dirty="0">
                 <a:solidFill>
                   <a:schemeClr val="bg1"/>
                 </a:solidFill>
@@ -28516,7 +28102,7 @@
               <a:t>Un “</a:t>
             </a:r>
             <a:r>
-              <a:rPr lang="es-AR" dirty="0" err="1" smtClean="0">
+              <a:rPr lang="es-AR" dirty="0" err="1">
                 <a:solidFill>
                   <a:schemeClr val="bg1"/>
                 </a:solidFill>
@@ -28524,18 +28110,13 @@
               <a:t>manifold</a:t>
             </a:r>
             <a:r>
-              <a:rPr lang="es-AR" dirty="0" smtClean="0">
+              <a:rPr lang="es-AR" dirty="0">
                 <a:solidFill>
                   <a:schemeClr val="bg1"/>
                 </a:solidFill>
               </a:rPr>
               <a:t>” para Marcos</a:t>
             </a:r>
-            <a:endParaRPr lang="es-AR" dirty="0">
-              <a:solidFill>
-                <a:schemeClr val="bg1"/>
-              </a:solidFill>
-            </a:endParaRPr>
           </a:p>
         </p:txBody>
       </p:sp>
@@ -28549,13 +28130,6 @@
   <p:clrMapOvr>
     <a:masterClrMapping/>
   </p:clrMapOvr>
-  <p:timing>
-    <p:tnLst>
-      <p:par>
-        <p:cTn id="1" dur="indefinite" restart="never" nodeType="tmRoot"/>
-      </p:par>
-    </p:tnLst>
-  </p:timing>
 </p:sld>
 </file>
 
@@ -28775,14 +28349,14 @@
               <a:buNone/>
             </a:pPr>
             <a:r>
-              <a:rPr lang="es-AR" sz="3200" dirty="0" err="1" smtClean="0">
+              <a:rPr lang="es-AR" sz="3200" dirty="0" err="1">
                 <a:solidFill>
                   <a:schemeClr val="bg1"/>
                 </a:solidFill>
               </a:rPr>
               <a:t>Autoencoders</a:t>
             </a:r>
-            <a:endParaRPr lang="es-AR" sz="3200" dirty="0" smtClean="0">
+            <a:endParaRPr lang="es-AR" sz="3200" dirty="0">
               <a:solidFill>
                 <a:schemeClr val="bg1"/>
               </a:solidFill>
@@ -28916,13 +28490,6 @@
   <p:clrMapOvr>
     <a:masterClrMapping/>
   </p:clrMapOvr>
-  <p:timing>
-    <p:tnLst>
-      <p:par>
-        <p:cTn id="1" dur="indefinite" restart="never" nodeType="tmRoot"/>
-      </p:par>
-    </p:tnLst>
-  </p:timing>
 </p:sld>
 </file>
 
@@ -29142,14 +28709,14 @@
               <a:buNone/>
             </a:pPr>
             <a:r>
-              <a:rPr lang="es-AR" sz="3200" dirty="0" err="1" smtClean="0">
+              <a:rPr lang="es-AR" sz="3200" dirty="0" err="1">
                 <a:solidFill>
                   <a:schemeClr val="bg1"/>
                 </a:solidFill>
               </a:rPr>
               <a:t>Autoencoders</a:t>
             </a:r>
-            <a:endParaRPr lang="es-AR" sz="3200" dirty="0" smtClean="0">
+            <a:endParaRPr lang="es-AR" sz="3200" dirty="0">
               <a:solidFill>
                 <a:schemeClr val="bg1"/>
               </a:solidFill>
@@ -29353,7 +28920,7 @@
               <a:t>	</a:t>
             </a:r>
             <a:r>
-              <a:rPr lang="es-AR" sz="2800" dirty="0" err="1" smtClean="0">
+              <a:rPr lang="es-AR" sz="2800" dirty="0" err="1">
                 <a:solidFill>
                   <a:schemeClr val="bg1"/>
                 </a:solidFill>
@@ -29361,7 +28928,7 @@
               <a:t>varationals</a:t>
             </a:r>
             <a:r>
-              <a:rPr lang="es-AR" sz="2800" dirty="0" smtClean="0">
+              <a:rPr lang="es-AR" sz="2800" dirty="0">
                 <a:solidFill>
                   <a:schemeClr val="bg1"/>
                 </a:solidFill>
@@ -29369,7 +28936,7 @@
               <a:t> </a:t>
             </a:r>
             <a:r>
-              <a:rPr lang="es-AR" sz="2800" dirty="0" err="1" smtClean="0">
+              <a:rPr lang="es-AR" sz="2800" dirty="0" err="1">
                 <a:solidFill>
                   <a:schemeClr val="bg1"/>
                 </a:solidFill>
@@ -29377,18 +28944,13 @@
               <a:t>autoencoder</a:t>
             </a:r>
             <a:r>
-              <a:rPr lang="es-AR" sz="2800" dirty="0" smtClean="0">
+              <a:rPr lang="es-AR" sz="2800" dirty="0">
                 <a:solidFill>
                   <a:schemeClr val="bg1"/>
                 </a:solidFill>
               </a:rPr>
               <a:t> - VAE</a:t>
             </a:r>
-            <a:endParaRPr lang="es-AR" sz="2800" dirty="0">
-              <a:solidFill>
-                <a:schemeClr val="bg1"/>
-              </a:solidFill>
-            </a:endParaRPr>
           </a:p>
         </p:txBody>
       </p:sp>
@@ -29401,7 +28963,7 @@
         <p:spPr>
           <a:xfrm>
             <a:off x="291919" y="1476225"/>
-            <a:ext cx="4730841" cy="923330"/>
+            <a:ext cx="4730841" cy="1015663"/>
           </a:xfrm>
           <a:prstGeom prst="rect">
             <a:avLst/>
@@ -29414,7 +28976,7 @@
           <a:lstStyle/>
           <a:p>
             <a:r>
-              <a:rPr lang="en-US" dirty="0" smtClean="0">
+              <a:rPr lang="en-US" sz="2000" dirty="0">
                 <a:solidFill>
                   <a:schemeClr val="bg1"/>
                 </a:solidFill>
@@ -29422,7 +28984,7 @@
               <a:t>Encoder genera </a:t>
             </a:r>
             <a:r>
-              <a:rPr lang="en-US" b="1" i="1" dirty="0">
+              <a:rPr lang="en-US" sz="2000" b="1" i="1" dirty="0">
                 <a:solidFill>
                   <a:schemeClr val="bg1"/>
                 </a:solidFill>
@@ -29430,7 +28992,7 @@
               <a:t>Gaussian density function</a:t>
             </a:r>
             <a:r>
-              <a:rPr lang="en-US" i="1" dirty="0">
+              <a:rPr lang="en-US" sz="2000" i="1" dirty="0">
                 <a:solidFill>
                   <a:schemeClr val="bg1"/>
                 </a:solidFill>
@@ -29438,7 +29000,7 @@
               <a:t> </a:t>
             </a:r>
             <a:r>
-              <a:rPr lang="en-US" dirty="0" smtClean="0">
+              <a:rPr lang="en-US" sz="2000" dirty="0">
                 <a:solidFill>
                   <a:schemeClr val="bg1"/>
                 </a:solidFill>
@@ -29446,23 +29008,15 @@
               <a:t>con sigma y mean en </a:t>
             </a:r>
             <a:r>
-              <a:rPr lang="en-US" dirty="0" err="1">
-                <a:solidFill>
-                  <a:schemeClr val="bg1"/>
-                </a:solidFill>
-              </a:rPr>
-              <a:t>l</a:t>
-            </a:r>
-            <a:r>
-              <a:rPr lang="en-US" dirty="0" err="1" smtClean="0">
-                <a:solidFill>
-                  <a:schemeClr val="bg1"/>
-                </a:solidFill>
-              </a:rPr>
-              <a:t>ugar</a:t>
-            </a:r>
-            <a:r>
-              <a:rPr lang="en-US" dirty="0" smtClean="0">
+              <a:rPr lang="en-US" sz="2000" dirty="0" err="1">
+                <a:solidFill>
+                  <a:schemeClr val="bg1"/>
+                </a:solidFill>
+              </a:rPr>
+              <a:t>lugar</a:t>
+            </a:r>
+            <a:r>
+              <a:rPr lang="en-US" sz="2000" dirty="0">
                 <a:solidFill>
                   <a:schemeClr val="bg1"/>
                 </a:solidFill>
@@ -29470,14 +29024,14 @@
               <a:t> de un vector de </a:t>
             </a:r>
             <a:r>
-              <a:rPr lang="en-US" i="1" dirty="0" smtClean="0">
+              <a:rPr lang="en-US" sz="2000" i="1" dirty="0">
                 <a:solidFill>
                   <a:schemeClr val="bg1"/>
                 </a:solidFill>
               </a:rPr>
               <a:t>latent variable</a:t>
             </a:r>
-            <a:endParaRPr lang="es-AR" i="1" dirty="0">
+            <a:endParaRPr lang="es-AR" sz="2000" i="1" dirty="0">
               <a:solidFill>
                 <a:schemeClr val="bg1"/>
               </a:solidFill>
@@ -29494,7 +29048,7 @@
         <p:spPr>
           <a:xfrm>
             <a:off x="523588" y="4493824"/>
-            <a:ext cx="10539212" cy="1200329"/>
+            <a:ext cx="10539212" cy="1015663"/>
           </a:xfrm>
           <a:prstGeom prst="rect">
             <a:avLst/>
@@ -29511,20 +29065,12 @@
               <a:buChar char="•"/>
             </a:pPr>
             <a:r>
-              <a:rPr lang="en-US" dirty="0" smtClean="0">
-                <a:solidFill>
-                  <a:schemeClr val="bg1"/>
-                </a:solidFill>
-              </a:rPr>
-              <a:t>It </a:t>
-            </a:r>
-            <a:r>
-              <a:rPr lang="en-US" dirty="0">
-                <a:solidFill>
-                  <a:schemeClr val="bg1"/>
-                </a:solidFill>
-              </a:rPr>
-              <a:t>gives significant control over how we want to model our latent distribution unlike the other models.</a:t>
+              <a:rPr lang="en-US" sz="2000" dirty="0">
+                <a:solidFill>
+                  <a:schemeClr val="bg1"/>
+                </a:solidFill>
+              </a:rPr>
+              <a:t>It gives significant control over how we want to model our latent distribution unlike the other models.</a:t>
             </a:r>
           </a:p>
           <a:p>
@@ -29533,26 +29079,13 @@
               <a:buChar char="•"/>
             </a:pPr>
             <a:r>
-              <a:rPr lang="en-US" dirty="0">
-                <a:solidFill>
-                  <a:schemeClr val="bg1"/>
-                </a:solidFill>
-              </a:rPr>
-              <a:t>After training you can just sample from the distribution followed by decoding and generating new data</a:t>
-            </a:r>
-            <a:r>
-              <a:rPr lang="en-US" dirty="0" smtClean="0">
-                <a:solidFill>
-                  <a:schemeClr val="bg1"/>
-                </a:solidFill>
-              </a:rPr>
-              <a:t>.</a:t>
-            </a:r>
-            <a:endParaRPr lang="en-US" dirty="0">
-              <a:solidFill>
-                <a:schemeClr val="bg1"/>
-              </a:solidFill>
-            </a:endParaRPr>
+              <a:rPr lang="en-US" sz="2000" dirty="0">
+                <a:solidFill>
+                  <a:schemeClr val="bg1"/>
+                </a:solidFill>
+              </a:rPr>
+              <a:t>After training you can just sample from the distribution followed by decoding and generating new data.</a:t>
+            </a:r>
           </a:p>
         </p:txBody>
       </p:sp>
@@ -29572,7 +29105,7 @@
         </p:blipFill>
         <p:spPr>
           <a:xfrm>
-            <a:off x="1168902" y="2591897"/>
+            <a:off x="1168902" y="2743346"/>
             <a:ext cx="2976874" cy="1488437"/>
           </a:xfrm>
           <a:prstGeom prst="rect">
@@ -29617,8 +29150,8 @@
         </p:nvSpPr>
         <p:spPr>
           <a:xfrm>
-            <a:off x="523588" y="5786504"/>
-            <a:ext cx="10629364" cy="923330"/>
+            <a:off x="523588" y="5595782"/>
+            <a:ext cx="10629364" cy="1015663"/>
           </a:xfrm>
           <a:prstGeom prst="rect">
             <a:avLst/>
@@ -29631,14 +29164,14 @@
           <a:lstStyle/>
           <a:p>
             <a:r>
-              <a:rPr lang="en-US" dirty="0">
+              <a:rPr lang="en-US" sz="2000" dirty="0">
                 <a:solidFill>
                   <a:schemeClr val="bg1"/>
                 </a:solidFill>
               </a:rPr>
               <a:t>In a VAE, one views our encoding vector z as a latent variable with a probability density function P(z) such that if we sample z from P(z) we have a high probability that the decoded vector d(z) is a good example from or very near the manifold for our data X. </a:t>
             </a:r>
-            <a:endParaRPr lang="es-AR" dirty="0"/>
+            <a:endParaRPr lang="es-AR" sz="2000" dirty="0"/>
           </a:p>
         </p:txBody>
       </p:sp>
@@ -29652,13 +29185,6 @@
   <p:clrMapOvr>
     <a:masterClrMapping/>
   </p:clrMapOvr>
-  <p:timing>
-    <p:tnLst>
-      <p:par>
-        <p:cTn id="1" dur="indefinite" restart="never" nodeType="tmRoot"/>
-      </p:par>
-    </p:tnLst>
-  </p:timing>
 </p:sld>
 </file>
 
